--- a/slides/iteration_with_purrr.pptx
+++ b/slides/iteration_with_purrr.pptx
@@ -12,9 +12,6 @@
     <p:sldId id="260" r:id="rId6"/>
     <p:sldId id="261" r:id="rId7"/>
     <p:sldId id="262" r:id="rId8"/>
-    <p:sldId id="263" r:id="rId9"/>
-    <p:sldId id="264" r:id="rId10"/>
-    <p:sldId id="265" r:id="rId11"/>
   </p:sldIdLst>
   <p:sldSz cx="9144000" cy="6858000" type="screen4x3"/>
   <p:notesSz cx="6858000" cy="9144000"/>
@@ -3228,99 +3225,6 @@
 </p:sld>
 </file>
 
-<file path=ppt/slides/slide10.xml><?xml version="1.0" encoding="utf-8"?>
-<p:sld xmlns:a="http://schemas.openxmlformats.org/drawingml/2006/main" xmlns:r="http://schemas.openxmlformats.org/officeDocument/2006/relationships" xmlns:p="http://schemas.openxmlformats.org/presentationml/2006/main">
-  <p:cSld>
-    <p:spTree>
-      <p:nvGrpSpPr>
-        <p:cNvPr id="1" name=""/>
-        <p:cNvGrpSpPr/>
-        <p:nvPr/>
-      </p:nvGrpSpPr>
-      <p:grpSpPr>
-        <a:xfrm>
-          <a:off x="0" y="0"/>
-          <a:ext cx="0" cy="0"/>
-          <a:chOff x="0" y="0"/>
-          <a:chExt cx="0" cy="0"/>
-        </a:xfrm>
-      </p:grpSpPr>
-      <p:sp>
-        <p:nvSpPr>
-          <p:cNvPr id="2" name="Title 1"/>
-          <p:cNvSpPr>
-            <a:spLocks noGrp="1"/>
-          </p:cNvSpPr>
-          <p:nvPr>
-            <p:ph type="title"/>
-          </p:nvPr>
-        </p:nvSpPr>
-        <p:spPr/>
-        <p:txBody>
-          <a:bodyPr/>
-          <a:lstStyle/>
-          <a:p>
-            <a:pPr lvl="0" marL="0" indent="0">
-              <a:buNone/>
-            </a:pPr>
-            <a:r>
-              <a:rPr/>
-              <a:t>Slide</a:t>
-            </a:r>
-            <a:r>
-              <a:rPr/>
-              <a:t> </a:t>
-            </a:r>
-            <a:r>
-              <a:rPr/>
-              <a:t>with</a:t>
-            </a:r>
-            <a:r>
-              <a:rPr/>
-              <a:t> </a:t>
-            </a:r>
-            <a:r>
-              <a:rPr/>
-              <a:t>Plot</a:t>
-            </a:r>
-          </a:p>
-        </p:txBody>
-      </p:sp>
-      <p:pic>
-        <p:nvPicPr>
-          <p:cNvPr descr="iteration_with_purrr_files/figure-pptx/pressure-1.png" id="0" name="Picture 1"/>
-          <p:cNvPicPr>
-            <a:picLocks noGrp="1" noChangeAspect="1"/>
-          </p:cNvPicPr>
-          <p:nvPr/>
-        </p:nvPicPr>
-        <p:blipFill>
-          <a:blip r:embed="rId2"/>
-          <a:stretch>
-            <a:fillRect/>
-          </a:stretch>
-        </p:blipFill>
-        <p:spPr bwMode="auto">
-          <a:xfrm>
-            <a:off x="1752600" y="1600200"/>
-            <a:ext cx="5651500" cy="4521200"/>
-          </a:xfrm>
-          <a:prstGeom prst="rect">
-            <a:avLst/>
-          </a:prstGeom>
-          <a:noFill/>
-          <a:ln w="9525">
-            <a:noFill/>
-            <a:headEnd/>
-            <a:tailEnd/>
-          </a:ln>
-        </p:spPr>
-      </p:pic>
-    </p:spTree>
-  </p:cSld>
-</p:sld>
-</file>
-
 <file path=ppt/slides/slide2.xml><?xml version="1.0" encoding="utf-8"?>
 <p:sld xmlns:a="http://schemas.openxmlformats.org/drawingml/2006/main" xmlns:r="http://schemas.openxmlformats.org/officeDocument/2006/relationships" xmlns:p="http://schemas.openxmlformats.org/presentationml/2006/main">
   <p:cSld>
@@ -3391,7 +3295,7 @@
             </a:pPr>
             <a:r>
               <a:rPr/>
-              <a:t>In this lesson, we cover the basic usage and application of iteration following “tidy” principles by using the </a:t>
+              <a:t>In this lesson, we cover the basic usage and application of “tidy” iteration using the </a:t>
             </a:r>
             <a:r>
               <a:rPr>
@@ -3639,6 +3543,13 @@
             <a:pPr lvl="1"/>
             <a:r>
               <a:rPr/>
+              <a:t>Vectors, lists, data frames, and functions in R.</a:t>
+            </a:r>
+          </a:p>
+          <a:p>
+            <a:pPr lvl="1"/>
+            <a:r>
+              <a:rPr/>
               <a:t>The use of </a:t>
             </a:r>
             <a:r>
@@ -3686,7 +3597,7 @@
             <a:pPr lvl="2"/>
             <a:r>
               <a:rPr/>
-              <a:t>In particular, we will assume that the learner is comfortable with working with data frames or tibbles and is familiar with basic plotting using </a:t>
+              <a:t>In particular, we assume a level of comfort in working with data frames or tibbles and basic plotting using </a:t>
             </a:r>
             <a:r>
               <a:rPr>
@@ -3703,7 +3614,7 @@
             <a:pPr lvl="1"/>
             <a:r>
               <a:rPr/>
-              <a:t>We will refer to some basic statistical concepts such as confidence intervals and linear models. However, you can probably still get a fair amount out of this lesson even if your statistics background is minimal.</a:t>
+              <a:t>Knowledge of basic statistical concepts such as confidence intervals and linear models is helpful but not essential.</a:t>
             </a:r>
           </a:p>
         </p:txBody>
@@ -3755,6 +3666,64 @@
           </a:p>
         </p:txBody>
       </p:sp>
+      <p:sp>
+        <p:nvSpPr>
+          <p:cNvPr id="3" name="Content Placeholder 2"/>
+          <p:cNvSpPr>
+            <a:spLocks noGrp="1"/>
+          </p:cNvSpPr>
+          <p:nvPr>
+            <p:ph idx="1"/>
+          </p:nvPr>
+        </p:nvSpPr>
+        <p:spPr/>
+        <p:txBody>
+          <a:bodyPr/>
+          <a:lstStyle/>
+          <a:p>
+            <a:pPr lvl="0" marL="0" indent="0">
+              <a:buNone/>
+            </a:pPr>
+            <a:r>
+              <a:rPr/>
+              <a:t>In </a:t>
+            </a:r>
+            <a:r>
+              <a:rPr>
+                <a:hlinkClick r:id="rId2"/>
+              </a:rPr>
+              <a:t>R for Data Science</a:t>
+            </a:r>
+            <a:r>
+              <a:rPr/>
+              <a:t>, good programming practices are stressed. For example, it is emphasized that one should never copy and paste code more than twice.</a:t>
+            </a:r>
+          </a:p>
+          <a:p>
+            <a:pPr lvl="1"/>
+            <a:r>
+              <a:rPr/>
+              <a:t>Loops provide one way to avoiding copying and pasting,</a:t>
+            </a:r>
+          </a:p>
+          <a:p>
+            <a:pPr lvl="1"/>
+            <a:r>
+              <a:rPr/>
+              <a:t>functions provide another.</a:t>
+            </a:r>
+          </a:p>
+          <a:p>
+            <a:pPr lvl="0" marL="0" indent="0">
+              <a:buNone/>
+            </a:pPr>
+            <a:r>
+              <a:rPr/>
+              <a:t>Let’s review the basic programming construct known as for loops.</a:t>
+            </a:r>
+          </a:p>
+        </p:txBody>
+      </p:sp>
     </p:spTree>
   </p:cSld>
 </p:sld>
@@ -3797,15 +3766,7 @@
             </a:pPr>
             <a:r>
               <a:rPr/>
-              <a:t>Functional</a:t>
-            </a:r>
-            <a:r>
-              <a:rPr/>
-              <a:t> </a:t>
-            </a:r>
-            <a:r>
-              <a:rPr/>
-              <a:t>Programming</a:t>
+              <a:t>Loops</a:t>
             </a:r>
           </a:p>
         </p:txBody>
@@ -3852,7 +3813,7 @@
             </a:pPr>
             <a:r>
               <a:rPr/>
-              <a:t>R</a:t>
+              <a:t>Functional</a:t>
             </a:r>
             <a:r>
               <a:rPr/>
@@ -3860,283 +3821,7 @@
             </a:r>
             <a:r>
               <a:rPr/>
-              <a:t>Markdown</a:t>
-            </a:r>
-          </a:p>
-        </p:txBody>
-      </p:sp>
-      <p:sp>
-        <p:nvSpPr>
-          <p:cNvPr id="3" name="Content Placeholder 2"/>
-          <p:cNvSpPr>
-            <a:spLocks noGrp="1"/>
-          </p:cNvSpPr>
-          <p:nvPr>
-            <p:ph idx="1"/>
-          </p:nvPr>
-        </p:nvSpPr>
-        <p:spPr/>
-        <p:txBody>
-          <a:bodyPr/>
-          <a:lstStyle/>
-          <a:p>
-            <a:pPr lvl="0" marL="0" indent="0">
-              <a:buNone/>
-            </a:pPr>
-            <a:r>
-              <a:rPr/>
-              <a:t>This is an R Markdown presentation. Markdown is a simple formatting syntax for authoring HTML, PDF, and MS Word documents. For more details on using R Markdown see </a:t>
-            </a:r>
-            <a:r>
-              <a:rPr>
-                <a:hlinkClick r:id="rId2"/>
-              </a:rPr>
-              <a:t>http://rmarkdown.rstudio.com</a:t>
-            </a:r>
-            <a:r>
-              <a:rPr/>
-              <a:t>.</a:t>
-            </a:r>
-          </a:p>
-          <a:p>
-            <a:pPr lvl="0" marL="0" indent="0">
-              <a:buNone/>
-            </a:pPr>
-            <a:r>
-              <a:rPr/>
-              <a:t>When you click the </a:t>
-            </a:r>
-            <a:r>
-              <a:rPr b="1"/>
-              <a:t>Knit</a:t>
-            </a:r>
-            <a:r>
-              <a:rPr/>
-              <a:t> button a document will be generated that includes both content as well as the output of any embedded R code chunks within the document.</a:t>
-            </a:r>
-          </a:p>
-        </p:txBody>
-      </p:sp>
-    </p:spTree>
-  </p:cSld>
-</p:sld>
-</file>
-
-<file path=ppt/slides/slide8.xml><?xml version="1.0" encoding="utf-8"?>
-<p:sld xmlns:a="http://schemas.openxmlformats.org/drawingml/2006/main" xmlns:r="http://schemas.openxmlformats.org/officeDocument/2006/relationships" xmlns:p="http://schemas.openxmlformats.org/presentationml/2006/main">
-  <p:cSld>
-    <p:spTree>
-      <p:nvGrpSpPr>
-        <p:cNvPr id="1" name=""/>
-        <p:cNvGrpSpPr/>
-        <p:nvPr/>
-      </p:nvGrpSpPr>
-      <p:grpSpPr>
-        <a:xfrm>
-          <a:off x="0" y="0"/>
-          <a:ext cx="0" cy="0"/>
-          <a:chOff x="0" y="0"/>
-          <a:chExt cx="0" cy="0"/>
-        </a:xfrm>
-      </p:grpSpPr>
-      <p:sp>
-        <p:nvSpPr>
-          <p:cNvPr id="2" name="Title 1"/>
-          <p:cNvSpPr>
-            <a:spLocks noGrp="1"/>
-          </p:cNvSpPr>
-          <p:nvPr>
-            <p:ph type="title"/>
-          </p:nvPr>
-        </p:nvSpPr>
-        <p:spPr/>
-        <p:txBody>
-          <a:bodyPr/>
-          <a:lstStyle/>
-          <a:p>
-            <a:pPr lvl="0" marL="0" indent="0">
-              <a:buNone/>
-            </a:pPr>
-            <a:r>
-              <a:rPr/>
-              <a:t>Slide</a:t>
-            </a:r>
-            <a:r>
-              <a:rPr/>
-              <a:t> </a:t>
-            </a:r>
-            <a:r>
-              <a:rPr/>
-              <a:t>with</a:t>
-            </a:r>
-            <a:r>
-              <a:rPr/>
-              <a:t> </a:t>
-            </a:r>
-            <a:r>
-              <a:rPr/>
-              <a:t>Bullets</a:t>
-            </a:r>
-          </a:p>
-        </p:txBody>
-      </p:sp>
-      <p:sp>
-        <p:nvSpPr>
-          <p:cNvPr id="3" name="Content Placeholder 2"/>
-          <p:cNvSpPr>
-            <a:spLocks noGrp="1"/>
-          </p:cNvSpPr>
-          <p:nvPr>
-            <p:ph idx="1"/>
-          </p:nvPr>
-        </p:nvSpPr>
-        <p:spPr/>
-        <p:txBody>
-          <a:bodyPr/>
-          <a:lstStyle/>
-          <a:p>
-            <a:pPr lvl="1"/>
-            <a:r>
-              <a:rPr/>
-              <a:t>Bullet 1</a:t>
-            </a:r>
-          </a:p>
-          <a:p>
-            <a:pPr lvl="1"/>
-            <a:r>
-              <a:rPr/>
-              <a:t>Bullet 2</a:t>
-            </a:r>
-          </a:p>
-          <a:p>
-            <a:pPr lvl="1"/>
-            <a:r>
-              <a:rPr/>
-              <a:t>Bullet 3</a:t>
-            </a:r>
-          </a:p>
-        </p:txBody>
-      </p:sp>
-    </p:spTree>
-  </p:cSld>
-</p:sld>
-</file>
-
-<file path=ppt/slides/slide9.xml><?xml version="1.0" encoding="utf-8"?>
-<p:sld xmlns:a="http://schemas.openxmlformats.org/drawingml/2006/main" xmlns:r="http://schemas.openxmlformats.org/officeDocument/2006/relationships" xmlns:p="http://schemas.openxmlformats.org/presentationml/2006/main">
-  <p:cSld>
-    <p:spTree>
-      <p:nvGrpSpPr>
-        <p:cNvPr id="1" name=""/>
-        <p:cNvGrpSpPr/>
-        <p:nvPr/>
-      </p:nvGrpSpPr>
-      <p:grpSpPr>
-        <a:xfrm>
-          <a:off x="0" y="0"/>
-          <a:ext cx="0" cy="0"/>
-          <a:chOff x="0" y="0"/>
-          <a:chExt cx="0" cy="0"/>
-        </a:xfrm>
-      </p:grpSpPr>
-      <p:sp>
-        <p:nvSpPr>
-          <p:cNvPr id="2" name="Title 1"/>
-          <p:cNvSpPr>
-            <a:spLocks noGrp="1"/>
-          </p:cNvSpPr>
-          <p:nvPr>
-            <p:ph type="title"/>
-          </p:nvPr>
-        </p:nvSpPr>
-        <p:spPr/>
-        <p:txBody>
-          <a:bodyPr/>
-          <a:lstStyle/>
-          <a:p>
-            <a:pPr lvl="0" marL="0" indent="0">
-              <a:buNone/>
-            </a:pPr>
-            <a:r>
-              <a:rPr/>
-              <a:t>Slide</a:t>
-            </a:r>
-            <a:r>
-              <a:rPr/>
-              <a:t> </a:t>
-            </a:r>
-            <a:r>
-              <a:rPr/>
-              <a:t>with</a:t>
-            </a:r>
-            <a:r>
-              <a:rPr/>
-              <a:t> </a:t>
-            </a:r>
-            <a:r>
-              <a:rPr/>
-              <a:t>R</a:t>
-            </a:r>
-            <a:r>
-              <a:rPr/>
-              <a:t> </a:t>
-            </a:r>
-            <a:r>
-              <a:rPr/>
-              <a:t>Output</a:t>
-            </a:r>
-          </a:p>
-        </p:txBody>
-      </p:sp>
-      <p:sp>
-        <p:nvSpPr>
-          <p:cNvPr id="3" name="Content Placeholder 2"/>
-          <p:cNvSpPr>
-            <a:spLocks noGrp="1"/>
-          </p:cNvSpPr>
-          <p:nvPr>
-            <p:ph idx="1"/>
-          </p:nvPr>
-        </p:nvSpPr>
-        <p:spPr/>
-        <p:txBody>
-          <a:bodyPr/>
-          <a:lstStyle/>
-          <a:p>
-            <a:pPr lvl="0" indent="0">
-              <a:buNone/>
-            </a:pPr>
-            <a:r>
-              <a:rPr>
-                <a:solidFill>
-                  <a:srgbClr val="06287E"/>
-                </a:solidFill>
-                <a:latin typeface="Courier"/>
-              </a:rPr>
-              <a:t>summary</a:t>
-            </a:r>
-            <a:r>
-              <a:rPr>
-                <a:latin typeface="Courier"/>
-              </a:rPr>
-              <a:t>(cars)</a:t>
-            </a:r>
-          </a:p>
-          <a:p>
-            <a:pPr lvl="0" indent="0">
-              <a:buNone/>
-            </a:pPr>
-            <a:r>
-              <a:rPr>
-                <a:latin typeface="Courier"/>
-              </a:rPr>
-              <a:t>##      speed           dist       
-##  Min.   : 4.0   Min.   :  2.00  
-##  1st Qu.:12.0   1st Qu.: 26.00  
-##  Median :15.0   Median : 36.00  
-##  Mean   :15.4   Mean   : 42.98  
-##  3rd Qu.:19.0   3rd Qu.: 56.00  
-##  Max.   :25.0   Max.   :120.00</a:t>
+              <a:t>Programming</a:t>
             </a:r>
           </a:p>
         </p:txBody>

--- a/slides/iteration_with_purrr.pptx
+++ b/slides/iteration_with_purrr.pptx
@@ -12,6 +12,8 @@
     <p:sldId id="260" r:id="rId6"/>
     <p:sldId id="261" r:id="rId7"/>
     <p:sldId id="262" r:id="rId8"/>
+    <p:sldId id="263" r:id="rId9"/>
+    <p:sldId id="264" r:id="rId10"/>
   </p:sldIdLst>
   <p:sldSz cx="9144000" cy="6858000" type="screen4x3"/>
   <p:notesSz cx="6858000" cy="9144000"/>
@@ -3305,7 +3307,7 @@
             </a:r>
             <a:r>
               <a:rPr/>
-              <a:t> package. After this lesson you should</a:t>
+              <a:t> package. After this lesson you should:</a:t>
             </a:r>
           </a:p>
           <a:p>
@@ -3564,6 +3566,7 @@
             </a:r>
             <a:r>
               <a:rPr>
+                <a:hlinkClick r:id="rId3"/>
                 <a:latin typeface="Courier"/>
               </a:rPr>
               <a:t>tibble</a:t>
@@ -3574,6 +3577,7 @@
             </a:r>
             <a:r>
               <a:rPr>
+                <a:hlinkClick r:id="rId4"/>
                 <a:latin typeface="Courier"/>
               </a:rPr>
               <a:t>ggplot2</a:t>
@@ -3584,26 +3588,10 @@
             </a:r>
             <a:r>
               <a:rPr>
+                <a:hlinkClick r:id="rId5"/>
                 <a:latin typeface="Courier"/>
               </a:rPr>
               <a:t>dplyr</a:t>
-            </a:r>
-            <a:r>
-              <a:rPr/>
-              <a:t>.</a:t>
-            </a:r>
-          </a:p>
-          <a:p>
-            <a:pPr lvl="2"/>
-            <a:r>
-              <a:rPr/>
-              <a:t>In particular, we assume a level of comfort in working with data frames or tibbles and basic plotting using </a:t>
-            </a:r>
-            <a:r>
-              <a:rPr>
-                <a:latin typeface="Courier"/>
-              </a:rPr>
-              <a:t>ggplot2</a:t>
             </a:r>
             <a:r>
               <a:rPr/>
@@ -3777,6 +3765,256 @@
 </file>
 
 <file path=ppt/slides/slide7.xml><?xml version="1.0" encoding="utf-8"?>
+<p:sld xmlns:a="http://schemas.openxmlformats.org/drawingml/2006/main" xmlns:r="http://schemas.openxmlformats.org/officeDocument/2006/relationships" xmlns:p="http://schemas.openxmlformats.org/presentationml/2006/main">
+  <p:cSld>
+    <p:spTree>
+      <p:nvGrpSpPr>
+        <p:cNvPr id="1" name=""/>
+        <p:cNvGrpSpPr/>
+        <p:nvPr/>
+      </p:nvGrpSpPr>
+      <p:grpSpPr>
+        <a:xfrm>
+          <a:off x="0" y="0"/>
+          <a:ext cx="0" cy="0"/>
+          <a:chOff x="0" y="0"/>
+          <a:chExt cx="0" cy="0"/>
+        </a:xfrm>
+      </p:grpSpPr>
+      <p:sp>
+        <p:nvSpPr>
+          <p:cNvPr id="2" name="Title 1"/>
+          <p:cNvSpPr>
+            <a:spLocks noGrp="1"/>
+          </p:cNvSpPr>
+          <p:nvPr>
+            <p:ph type="title"/>
+          </p:nvPr>
+        </p:nvSpPr>
+        <p:spPr/>
+        <p:txBody>
+          <a:bodyPr/>
+          <a:lstStyle/>
+          <a:p>
+            <a:pPr lvl="0" marL="0" indent="0">
+              <a:buNone/>
+            </a:pPr>
+            <a:r>
+              <a:rPr/>
+              <a:t>Loops</a:t>
+            </a:r>
+            <a:r>
+              <a:rPr/>
+              <a:t> </a:t>
+            </a:r>
+            <a:r>
+              <a:rPr/>
+              <a:t>in</a:t>
+            </a:r>
+            <a:r>
+              <a:rPr/>
+              <a:t> </a:t>
+            </a:r>
+            <a:r>
+              <a:rPr/>
+              <a:t>R</a:t>
+            </a:r>
+          </a:p>
+        </p:txBody>
+      </p:sp>
+      <p:sp>
+        <p:nvSpPr>
+          <p:cNvPr id="3" name="Content Placeholder 2"/>
+          <p:cNvSpPr>
+            <a:spLocks noGrp="1"/>
+          </p:cNvSpPr>
+          <p:nvPr>
+            <p:ph idx="1"/>
+          </p:nvPr>
+        </p:nvSpPr>
+        <p:spPr/>
+        <p:txBody>
+          <a:bodyPr/>
+          <a:lstStyle/>
+          <a:p>
+            <a:pPr lvl="0" marL="0" indent="0">
+              <a:buNone/>
+            </a:pPr>
+            <a:r>
+              <a:rPr/>
+              <a:t>A </a:t>
+            </a:r>
+            <a:r>
+              <a:rPr>
+                <a:latin typeface="Courier"/>
+              </a:rPr>
+              <a:t>for</a:t>
+            </a:r>
+            <a:r>
+              <a:rPr/>
+              <a:t> loop in R has the general form</a:t>
+            </a:r>
+          </a:p>
+          <a:p>
+            <a:pPr lvl="0" marL="0" indent="0">
+              <a:buNone/>
+            </a:pPr>
+            <a:r>
+              <a:rPr>
+                <a:latin typeface="Courier"/>
+              </a:rPr>
+              <a:t>for (item in vector) perform_action</a:t>
+            </a:r>
+          </a:p>
+          <a:p>
+            <a:pPr lvl="0" marL="0" indent="0">
+              <a:buNone/>
+            </a:pPr>
+            <a:r>
+              <a:rPr/>
+              <a:t>For example:</a:t>
+            </a:r>
+          </a:p>
+          <a:p>
+            <a:pPr lvl="0" indent="0">
+              <a:buNone/>
+            </a:pPr>
+            <a:r>
+              <a:rPr>
+                <a:latin typeface="Courier"/>
+              </a:rPr>
+              <a:t>for (i in 1:3){
+   print(2*i)
+}</a:t>
+            </a:r>
+          </a:p>
+        </p:txBody>
+      </p:sp>
+    </p:spTree>
+  </p:cSld>
+</p:sld>
+</file>
+
+<file path=ppt/slides/slide8.xml><?xml version="1.0" encoding="utf-8"?>
+<p:sld xmlns:a="http://schemas.openxmlformats.org/drawingml/2006/main" xmlns:r="http://schemas.openxmlformats.org/officeDocument/2006/relationships" xmlns:p="http://schemas.openxmlformats.org/presentationml/2006/main">
+  <p:cSld>
+    <p:spTree>
+      <p:nvGrpSpPr>
+        <p:cNvPr id="1" name=""/>
+        <p:cNvGrpSpPr/>
+        <p:nvPr/>
+      </p:nvGrpSpPr>
+      <p:grpSpPr>
+        <a:xfrm>
+          <a:off x="0" y="0"/>
+          <a:ext cx="0" cy="0"/>
+          <a:chOff x="0" y="0"/>
+          <a:chExt cx="0" cy="0"/>
+        </a:xfrm>
+      </p:grpSpPr>
+      <p:sp>
+        <p:nvSpPr>
+          <p:cNvPr id="2" name="Title 1"/>
+          <p:cNvSpPr>
+            <a:spLocks noGrp="1"/>
+          </p:cNvSpPr>
+          <p:nvPr>
+            <p:ph type="title"/>
+          </p:nvPr>
+        </p:nvSpPr>
+        <p:spPr/>
+        <p:txBody>
+          <a:bodyPr/>
+          <a:lstStyle/>
+          <a:p>
+            <a:pPr lvl="0" marL="0" indent="0">
+              <a:buNone/>
+            </a:pPr>
+            <a:r>
+              <a:rPr/>
+              <a:t>Output</a:t>
+            </a:r>
+            <a:r>
+              <a:rPr/>
+              <a:t> </a:t>
+            </a:r>
+            <a:r>
+              <a:rPr/>
+              <a:t>From</a:t>
+            </a:r>
+            <a:r>
+              <a:rPr/>
+              <a:t> </a:t>
+            </a:r>
+            <a:r>
+              <a:rPr/>
+              <a:t>Example</a:t>
+            </a:r>
+            <a:r>
+              <a:rPr/>
+              <a:t> </a:t>
+            </a:r>
+            <a:r>
+              <a:rPr/>
+              <a:t>Loop</a:t>
+            </a:r>
+          </a:p>
+        </p:txBody>
+      </p:sp>
+      <p:sp>
+        <p:nvSpPr>
+          <p:cNvPr id="3" name="Content Placeholder 2"/>
+          <p:cNvSpPr>
+            <a:spLocks noGrp="1"/>
+          </p:cNvSpPr>
+          <p:nvPr>
+            <p:ph idx="1"/>
+          </p:nvPr>
+        </p:nvSpPr>
+        <p:spPr/>
+        <p:txBody>
+          <a:bodyPr/>
+          <a:lstStyle/>
+          <a:p>
+            <a:pPr lvl="0" marL="0" indent="0">
+              <a:buNone/>
+            </a:pPr>
+            <a:r>
+              <a:rPr/>
+              <a:t>The </a:t>
+            </a:r>
+            <a:r>
+              <a:rPr>
+                <a:latin typeface="Courier"/>
+              </a:rPr>
+              <a:t>for</a:t>
+            </a:r>
+            <a:r>
+              <a:rPr/>
+              <a:t> loop in the previous slide will output</a:t>
+            </a:r>
+          </a:p>
+          <a:p>
+            <a:pPr lvl="0" indent="0">
+              <a:buNone/>
+            </a:pPr>
+            <a:r>
+              <a:rPr>
+                <a:latin typeface="Courier"/>
+              </a:rPr>
+              <a:t>## [1] 2
+## [1] 4
+## [1] 6</a:t>
+            </a:r>
+          </a:p>
+        </p:txBody>
+      </p:sp>
+    </p:spTree>
+  </p:cSld>
+</p:sld>
+</file>
+
+<file path=ppt/slides/slide9.xml><?xml version="1.0" encoding="utf-8"?>
 <p:sld xmlns:a="http://schemas.openxmlformats.org/drawingml/2006/main" xmlns:r="http://schemas.openxmlformats.org/officeDocument/2006/relationships" xmlns:p="http://schemas.openxmlformats.org/presentationml/2006/main">
   <p:cSld>
     <p:spTree>

--- a/slides/iteration_with_purrr.pptx
+++ b/slides/iteration_with_purrr.pptx
@@ -14,6 +14,7 @@
     <p:sldId id="262" r:id="rId8"/>
     <p:sldId id="263" r:id="rId9"/>
     <p:sldId id="264" r:id="rId10"/>
+    <p:sldId id="265" r:id="rId11"/>
   </p:sldIdLst>
   <p:sldSz cx="9144000" cy="6858000" type="screen4x3"/>
   <p:notesSz cx="6858000" cy="9144000"/>
@@ -3227,6 +3228,61 @@
 </p:sld>
 </file>
 
+<file path=ppt/slides/slide10.xml><?xml version="1.0" encoding="utf-8"?>
+<p:sld xmlns:a="http://schemas.openxmlformats.org/drawingml/2006/main" xmlns:r="http://schemas.openxmlformats.org/officeDocument/2006/relationships" xmlns:p="http://schemas.openxmlformats.org/presentationml/2006/main">
+  <p:cSld>
+    <p:spTree>
+      <p:nvGrpSpPr>
+        <p:cNvPr id="1" name=""/>
+        <p:cNvGrpSpPr/>
+        <p:nvPr/>
+      </p:nvGrpSpPr>
+      <p:grpSpPr>
+        <a:xfrm>
+          <a:off x="0" y="0"/>
+          <a:ext cx="0" cy="0"/>
+          <a:chOff x="0" y="0"/>
+          <a:chExt cx="0" cy="0"/>
+        </a:xfrm>
+      </p:grpSpPr>
+      <p:sp>
+        <p:nvSpPr>
+          <p:cNvPr id="2" name="Title 1"/>
+          <p:cNvSpPr>
+            <a:spLocks noGrp="1"/>
+          </p:cNvSpPr>
+          <p:nvPr>
+            <p:ph type="title"/>
+          </p:nvPr>
+        </p:nvSpPr>
+        <p:spPr/>
+        <p:txBody>
+          <a:bodyPr/>
+          <a:lstStyle/>
+          <a:p>
+            <a:pPr lvl="0" marL="0" indent="0">
+              <a:buNone/>
+            </a:pPr>
+            <a:r>
+              <a:rPr/>
+              <a:t>Functional</a:t>
+            </a:r>
+            <a:r>
+              <a:rPr/>
+              <a:t> </a:t>
+            </a:r>
+            <a:r>
+              <a:rPr/>
+              <a:t>Programming</a:t>
+            </a:r>
+          </a:p>
+        </p:txBody>
+      </p:sp>
+    </p:spTree>
+  </p:cSld>
+</p:sld>
+</file>
+
 <file path=ppt/slides/slide2.xml><?xml version="1.0" encoding="utf-8"?>
 <p:sld xmlns:a="http://schemas.openxmlformats.org/drawingml/2006/main" xmlns:r="http://schemas.openxmlformats.org/officeDocument/2006/relationships" xmlns:p="http://schemas.openxmlformats.org/presentationml/2006/main">
   <p:cSld>
@@ -3759,6 +3815,45 @@
           </a:p>
         </p:txBody>
       </p:sp>
+      <p:sp>
+        <p:nvSpPr>
+          <p:cNvPr id="3" name="Content Placeholder 2"/>
+          <p:cNvSpPr>
+            <a:spLocks noGrp="1"/>
+          </p:cNvSpPr>
+          <p:nvPr>
+            <p:ph idx="1"/>
+          </p:nvPr>
+        </p:nvSpPr>
+        <p:spPr/>
+        <p:txBody>
+          <a:bodyPr/>
+          <a:lstStyle/>
+          <a:p>
+            <a:pPr lvl="0" marL="0" indent="0">
+              <a:buNone/>
+            </a:pPr>
+            <a:r>
+              <a:rPr/>
+              <a:t>Loops are examples of control flow statements in a program that result in iteration.</a:t>
+            </a:r>
+          </a:p>
+          <a:p>
+            <a:pPr lvl="1"/>
+            <a:r>
+              <a:rPr/>
+              <a:t>The basic idea of a for loop is that a specified action is repeated a predetermined number of times.</a:t>
+            </a:r>
+          </a:p>
+          <a:p>
+            <a:pPr lvl="1"/>
+            <a:r>
+              <a:rPr/>
+              <a:t>For example, if we have a container that holds three numbers and we want to multiply each of the three numbers by 2 then a for loop is an ideal method for doing this repetitive task.</a:t>
+            </a:r>
+          </a:p>
+        </p:txBody>
+      </p:sp>
     </p:spTree>
   </p:cSld>
 </p:sld>
@@ -4051,7 +4146,7 @@
             </a:pPr>
             <a:r>
               <a:rPr/>
-              <a:t>Functional</a:t>
+              <a:t>Cons</a:t>
             </a:r>
             <a:r>
               <a:rPr/>
@@ -4059,7 +4154,15 @@
             </a:r>
             <a:r>
               <a:rPr/>
-              <a:t>Programming</a:t>
+              <a:t>of</a:t>
+            </a:r>
+            <a:r>
+              <a:rPr/>
+              <a:t> </a:t>
+            </a:r>
+            <a:r>
+              <a:rPr/>
+              <a:t>Loops</a:t>
             </a:r>
           </a:p>
         </p:txBody>

--- a/slides/iteration_with_purrr.pptx
+++ b/slides/iteration_with_purrr.pptx
@@ -15,6 +15,9 @@
     <p:sldId id="263" r:id="rId9"/>
     <p:sldId id="264" r:id="rId10"/>
     <p:sldId id="265" r:id="rId11"/>
+    <p:sldId id="266" r:id="rId12"/>
+    <p:sldId id="267" r:id="rId13"/>
+    <p:sldId id="268" r:id="rId14"/>
   </p:sldIdLst>
   <p:sldSz cx="9144000" cy="6858000" type="screen4x3"/>
   <p:notesSz cx="6858000" cy="9144000"/>
@@ -3265,7 +3268,7 @@
             </a:pPr>
             <a:r>
               <a:rPr/>
-              <a:t>Functional</a:t>
+              <a:t>FP:</a:t>
             </a:r>
             <a:r>
               <a:rPr/>
@@ -3273,7 +3276,472 @@
             </a:r>
             <a:r>
               <a:rPr/>
-              <a:t>Programming</a:t>
+              <a:t>Getting</a:t>
+            </a:r>
+            <a:r>
+              <a:rPr/>
+              <a:t> </a:t>
+            </a:r>
+            <a:r>
+              <a:rPr/>
+              <a:t>Started</a:t>
+            </a:r>
+          </a:p>
+        </p:txBody>
+      </p:sp>
+      <p:sp>
+        <p:nvSpPr>
+          <p:cNvPr id="3" name="Content Placeholder 2"/>
+          <p:cNvSpPr>
+            <a:spLocks noGrp="1"/>
+          </p:cNvSpPr>
+          <p:nvPr>
+            <p:ph idx="1"/>
+          </p:nvPr>
+        </p:nvSpPr>
+        <p:spPr/>
+        <p:txBody>
+          <a:bodyPr/>
+          <a:lstStyle/>
+          <a:p>
+            <a:pPr lvl="0" marL="0" indent="0">
+              <a:buNone/>
+            </a:pPr>
+            <a:r>
+              <a:rPr/>
+              <a:t>A good way to get started with FP in R is via the </a:t>
+            </a:r>
+            <a:r>
+              <a:rPr>
+                <a:latin typeface="Courier"/>
+              </a:rPr>
+              <a:t>map</a:t>
+            </a:r>
+            <a:r>
+              <a:rPr/>
+              <a:t> family of functions from </a:t>
+            </a:r>
+            <a:r>
+              <a:rPr>
+                <a:latin typeface="Courier"/>
+              </a:rPr>
+              <a:t>purrr</a:t>
+            </a:r>
+            <a:r>
+              <a:rPr/>
+              <a:t>.</a:t>
+            </a:r>
+          </a:p>
+          <a:p>
+            <a:pPr lvl="1"/>
+            <a:r>
+              <a:rPr/>
+              <a:t>Here is a simple example:</a:t>
+            </a:r>
+          </a:p>
+          <a:p>
+            <a:pPr lvl="0" indent="0">
+              <a:buNone/>
+            </a:pPr>
+            <a:r>
+              <a:rPr>
+                <a:latin typeface="Courier"/>
+              </a:rPr>
+              <a:t>map(1:3,function(x){2*x})</a:t>
+            </a:r>
+          </a:p>
+          <a:p>
+            <a:pPr lvl="1"/>
+            <a:r>
+              <a:rPr/>
+              <a:t>This creates a list object that contains 2, 4, and 6.</a:t>
+            </a:r>
+          </a:p>
+        </p:txBody>
+      </p:sp>
+    </p:spTree>
+  </p:cSld>
+</p:sld>
+</file>
+
+<file path=ppt/slides/slide11.xml><?xml version="1.0" encoding="utf-8"?>
+<p:sld xmlns:a="http://schemas.openxmlformats.org/drawingml/2006/main" xmlns:r="http://schemas.openxmlformats.org/officeDocument/2006/relationships" xmlns:p="http://schemas.openxmlformats.org/presentationml/2006/main">
+  <p:cSld>
+    <p:spTree>
+      <p:nvGrpSpPr>
+        <p:cNvPr id="1" name=""/>
+        <p:cNvGrpSpPr/>
+        <p:nvPr/>
+      </p:nvGrpSpPr>
+      <p:grpSpPr>
+        <a:xfrm>
+          <a:off x="0" y="0"/>
+          <a:ext cx="0" cy="0"/>
+          <a:chOff x="0" y="0"/>
+          <a:chExt cx="0" cy="0"/>
+        </a:xfrm>
+      </p:grpSpPr>
+      <p:sp>
+        <p:nvSpPr>
+          <p:cNvPr id="2" name="Title 1"/>
+          <p:cNvSpPr>
+            <a:spLocks noGrp="1"/>
+          </p:cNvSpPr>
+          <p:nvPr>
+            <p:ph type="title"/>
+          </p:nvPr>
+        </p:nvSpPr>
+        <p:spPr/>
+        <p:txBody>
+          <a:bodyPr/>
+          <a:lstStyle/>
+          <a:p>
+            <a:pPr lvl="0" marL="0" indent="0">
+              <a:buNone/>
+            </a:pPr>
+            <a:r>
+              <a:rPr/>
+              <a:t>Output</a:t>
+            </a:r>
+            <a:r>
+              <a:rPr/>
+              <a:t> </a:t>
+            </a:r>
+            <a:r>
+              <a:rPr/>
+              <a:t>from</a:t>
+            </a:r>
+            <a:r>
+              <a:rPr/>
+              <a:t> </a:t>
+            </a:r>
+            <a:r>
+              <a:rPr/>
+              <a:t>Previous</a:t>
+            </a:r>
+            <a:r>
+              <a:rPr/>
+              <a:t> </a:t>
+            </a:r>
+            <a:r>
+              <a:rPr/>
+              <a:t>Slide</a:t>
+            </a:r>
+          </a:p>
+        </p:txBody>
+      </p:sp>
+      <p:sp>
+        <p:nvSpPr>
+          <p:cNvPr id="3" name="Content Placeholder 2"/>
+          <p:cNvSpPr>
+            <a:spLocks noGrp="1"/>
+          </p:cNvSpPr>
+          <p:nvPr>
+            <p:ph idx="1"/>
+          </p:nvPr>
+        </p:nvSpPr>
+        <p:spPr/>
+        <p:txBody>
+          <a:bodyPr/>
+          <a:lstStyle/>
+          <a:p>
+            <a:pPr lvl="0" indent="0">
+              <a:buNone/>
+            </a:pPr>
+            <a:r>
+              <a:rPr>
+                <a:latin typeface="Courier"/>
+              </a:rPr>
+              <a:t>## [[1]]
+## [1] 2
+## 
+## [[2]]
+## [1] 4
+## 
+## [[3]]
+## [1] 6</a:t>
+            </a:r>
+          </a:p>
+        </p:txBody>
+      </p:sp>
+    </p:spTree>
+  </p:cSld>
+</p:sld>
+</file>
+
+<file path=ppt/slides/slide12.xml><?xml version="1.0" encoding="utf-8"?>
+<p:sld xmlns:a="http://schemas.openxmlformats.org/drawingml/2006/main" xmlns:r="http://schemas.openxmlformats.org/officeDocument/2006/relationships" xmlns:p="http://schemas.openxmlformats.org/presentationml/2006/main">
+  <p:cSld>
+    <p:spTree>
+      <p:nvGrpSpPr>
+        <p:cNvPr id="1" name=""/>
+        <p:cNvGrpSpPr/>
+        <p:nvPr/>
+      </p:nvGrpSpPr>
+      <p:grpSpPr>
+        <a:xfrm>
+          <a:off x="0" y="0"/>
+          <a:ext cx="0" cy="0"/>
+          <a:chOff x="0" y="0"/>
+          <a:chExt cx="0" cy="0"/>
+        </a:xfrm>
+      </p:grpSpPr>
+      <p:sp>
+        <p:nvSpPr>
+          <p:cNvPr id="2" name="Title 1"/>
+          <p:cNvSpPr>
+            <a:spLocks noGrp="1"/>
+          </p:cNvSpPr>
+          <p:nvPr>
+            <p:ph type="title"/>
+          </p:nvPr>
+        </p:nvSpPr>
+        <p:spPr/>
+        <p:txBody>
+          <a:bodyPr/>
+          <a:lstStyle/>
+          <a:p>
+            <a:pPr lvl="0" marL="0" indent="0">
+              <a:buNone/>
+            </a:pPr>
+            <a:r>
+              <a:rPr/>
+              <a:t>Explanation</a:t>
+            </a:r>
+            <a:r>
+              <a:rPr/>
+              <a:t> </a:t>
+            </a:r>
+            <a:r>
+              <a:rPr/>
+              <a:t>of</a:t>
+            </a:r>
+            <a:r>
+              <a:rPr/>
+              <a:t> </a:t>
+            </a:r>
+            <a:r>
+              <a:rPr/>
+              <a:t>map</a:t>
+            </a:r>
+          </a:p>
+        </p:txBody>
+      </p:sp>
+      <p:sp>
+        <p:nvSpPr>
+          <p:cNvPr id="3" name="Content Placeholder 2"/>
+          <p:cNvSpPr>
+            <a:spLocks noGrp="1"/>
+          </p:cNvSpPr>
+          <p:nvPr>
+            <p:ph idx="1"/>
+          </p:nvPr>
+        </p:nvSpPr>
+        <p:spPr/>
+        <p:txBody>
+          <a:bodyPr/>
+          <a:lstStyle/>
+          <a:p>
+            <a:pPr lvl="1"/>
+            <a:r>
+              <a:rPr/>
+              <a:t>The </a:t>
+            </a:r>
+            <a:r>
+              <a:rPr>
+                <a:latin typeface="Courier"/>
+              </a:rPr>
+              <a:t>map</a:t>
+            </a:r>
+            <a:r>
+              <a:rPr/>
+              <a:t> function inputs an object such as a vector, list, or data frame together with a function, and applies the function to each component of the object.</a:t>
+            </a:r>
+          </a:p>
+          <a:p>
+            <a:pPr lvl="1"/>
+            <a:r>
+              <a:rPr>
+                <a:latin typeface="Courier"/>
+              </a:rPr>
+              <a:t>map</a:t>
+            </a:r>
+            <a:r>
+              <a:rPr/>
+              <a:t> returns a list object.</a:t>
+            </a:r>
+          </a:p>
+          <a:p>
+            <a:pPr lvl="1"/>
+            <a:r>
+              <a:rPr/>
+              <a:t>There are similar functions, </a:t>
+            </a:r>
+            <a:r>
+              <a:rPr>
+                <a:latin typeface="Courier"/>
+              </a:rPr>
+              <a:t>ma_lgl</a:t>
+            </a:r>
+            <a:r>
+              <a:rPr/>
+              <a:t>, </a:t>
+            </a:r>
+            <a:r>
+              <a:rPr>
+                <a:latin typeface="Courier"/>
+              </a:rPr>
+              <a:t>map_chr</a:t>
+            </a:r>
+            <a:r>
+              <a:rPr/>
+              <a:t>, </a:t>
+            </a:r>
+            <a:r>
+              <a:rPr>
+                <a:latin typeface="Courier"/>
+              </a:rPr>
+              <a:t>map_dbl</a:t>
+            </a:r>
+            <a:r>
+              <a:rPr/>
+              <a:t>, </a:t>
+            </a:r>
+            <a:r>
+              <a:rPr>
+                <a:latin typeface="Courier"/>
+              </a:rPr>
+              <a:t>map_int</a:t>
+            </a:r>
+            <a:r>
+              <a:rPr/>
+              <a:t>, etc. that return different data types. Examine documentation with </a:t>
+            </a:r>
+            <a:r>
+              <a:rPr>
+                <a:latin typeface="Courier"/>
+              </a:rPr>
+              <a:t>?map</a:t>
+            </a:r>
+            <a:r>
+              <a:rPr/>
+              <a:t> for details.</a:t>
+            </a:r>
+          </a:p>
+        </p:txBody>
+      </p:sp>
+    </p:spTree>
+  </p:cSld>
+</p:sld>
+</file>
+
+<file path=ppt/slides/slide13.xml><?xml version="1.0" encoding="utf-8"?>
+<p:sld xmlns:a="http://schemas.openxmlformats.org/drawingml/2006/main" xmlns:r="http://schemas.openxmlformats.org/officeDocument/2006/relationships" xmlns:p="http://schemas.openxmlformats.org/presentationml/2006/main">
+  <p:cSld>
+    <p:spTree>
+      <p:nvGrpSpPr>
+        <p:cNvPr id="1" name=""/>
+        <p:cNvGrpSpPr/>
+        <p:nvPr/>
+      </p:nvGrpSpPr>
+      <p:grpSpPr>
+        <a:xfrm>
+          <a:off x="0" y="0"/>
+          <a:ext cx="0" cy="0"/>
+          <a:chOff x="0" y="0"/>
+          <a:chExt cx="0" cy="0"/>
+        </a:xfrm>
+      </p:grpSpPr>
+      <p:sp>
+        <p:nvSpPr>
+          <p:cNvPr id="2" name="Title 1"/>
+          <p:cNvSpPr>
+            <a:spLocks noGrp="1"/>
+          </p:cNvSpPr>
+          <p:nvPr>
+            <p:ph type="title"/>
+          </p:nvPr>
+        </p:nvSpPr>
+        <p:spPr/>
+        <p:txBody>
+          <a:bodyPr/>
+          <a:lstStyle/>
+          <a:p>
+            <a:pPr lvl="0" marL="0" indent="0">
+              <a:buNone/>
+            </a:pPr>
+            <a:r>
+              <a:rPr/>
+              <a:t>Example</a:t>
+            </a:r>
+            <a:r>
+              <a:rPr/>
+              <a:t> </a:t>
+            </a:r>
+            <a:r>
+              <a:rPr/>
+              <a:t>Output</a:t>
+            </a:r>
+          </a:p>
+        </p:txBody>
+      </p:sp>
+      <p:sp>
+        <p:nvSpPr>
+          <p:cNvPr id="3" name="Content Placeholder 2"/>
+          <p:cNvSpPr>
+            <a:spLocks noGrp="1"/>
+          </p:cNvSpPr>
+          <p:nvPr>
+            <p:ph idx="1"/>
+          </p:nvPr>
+        </p:nvSpPr>
+        <p:spPr/>
+        <p:txBody>
+          <a:bodyPr/>
+          <a:lstStyle/>
+          <a:p>
+            <a:pPr lvl="1"/>
+            <a:r>
+              <a:rPr/>
+              <a:t>For example,</a:t>
+            </a:r>
+          </a:p>
+          <a:p>
+            <a:pPr lvl="0" indent="0">
+              <a:buNone/>
+            </a:pPr>
+            <a:r>
+              <a:rPr>
+                <a:latin typeface="Courier"/>
+              </a:rPr>
+              <a:t>map_dbl(1:3,function(x){2*x})</a:t>
+            </a:r>
+          </a:p>
+          <a:p>
+            <a:pPr lvl="0" marL="0" indent="0">
+              <a:buNone/>
+            </a:pPr>
+            <a:r>
+              <a:rPr/>
+              <a:t>outputs</a:t>
+            </a:r>
+          </a:p>
+          <a:p>
+            <a:pPr lvl="0" indent="0">
+              <a:buNone/>
+            </a:pPr>
+            <a:r>
+              <a:rPr>
+                <a:latin typeface="Courier"/>
+              </a:rPr>
+              <a:t>## [1] 2 4 6</a:t>
+            </a:r>
+          </a:p>
+          <a:p>
+            <a:pPr lvl="1"/>
+            <a:r>
+              <a:rPr/>
+              <a:t>This is a simple (atomic) vector instead of a list.</a:t>
             </a:r>
           </a:p>
         </p:txBody>
@@ -3367,14 +3835,18 @@
             </a:r>
           </a:p>
           <a:p>
-            <a:pPr lvl="1"/>
+            <a:pPr lvl="1">
+              <a:buAutoNum type="arabicPeriod"/>
+            </a:pPr>
             <a:r>
               <a:rPr/>
               <a:t>Be familiar with common loop patterns.</a:t>
             </a:r>
           </a:p>
           <a:p>
-            <a:pPr lvl="1"/>
+            <a:pPr lvl="1">
+              <a:buAutoNum type="arabicPeriod"/>
+            </a:pPr>
             <a:r>
               <a:rPr/>
               <a:t>Have a feel for the map family of </a:t>
@@ -3391,7 +3863,9 @@
             </a:r>
           </a:p>
           <a:p>
-            <a:pPr lvl="1"/>
+            <a:pPr lvl="1">
+              <a:buAutoNum type="arabicPeriod"/>
+            </a:pPr>
             <a:r>
               <a:rPr/>
               <a:t>Be aware of some statistical applications of iteration using the </a:t>
@@ -4146,7 +4620,7 @@
             </a:pPr>
             <a:r>
               <a:rPr/>
-              <a:t>Cons</a:t>
+              <a:t>Functional</a:t>
             </a:r>
             <a:r>
               <a:rPr/>
@@ -4154,15 +4628,71 @@
             </a:r>
             <a:r>
               <a:rPr/>
-              <a:t>of</a:t>
-            </a:r>
-            <a:r>
-              <a:rPr/>
-              <a:t> </a:t>
-            </a:r>
-            <a:r>
-              <a:rPr/>
-              <a:t>Loops</a:t>
+              <a:t>Programming</a:t>
+            </a:r>
+          </a:p>
+        </p:txBody>
+      </p:sp>
+      <p:sp>
+        <p:nvSpPr>
+          <p:cNvPr id="3" name="Content Placeholder 2"/>
+          <p:cNvSpPr>
+            <a:spLocks noGrp="1"/>
+          </p:cNvSpPr>
+          <p:nvPr>
+            <p:ph idx="1"/>
+          </p:nvPr>
+        </p:nvSpPr>
+        <p:spPr/>
+        <p:txBody>
+          <a:bodyPr/>
+          <a:lstStyle/>
+          <a:p>
+            <a:pPr lvl="1"/>
+            <a:r>
+              <a:rPr/>
+              <a:t>Often, for loops are unnecessary in R because the language supports </a:t>
+            </a:r>
+            <a:r>
+              <a:rPr>
+                <a:hlinkClick r:id="rId2"/>
+              </a:rPr>
+              <a:t>functional programming</a:t>
+            </a:r>
+            <a:r>
+              <a:rPr/>
+              <a:t> (FP).</a:t>
+            </a:r>
+          </a:p>
+          <a:p>
+            <a:pPr lvl="1"/>
+            <a:r>
+              <a:rPr/>
+              <a:t>FP is a paradigm that utilizes functions and function composition to develop code.</a:t>
+            </a:r>
+          </a:p>
+          <a:p>
+            <a:pPr lvl="1"/>
+            <a:r>
+              <a:rPr/>
+              <a:t>Use of FP can lead to clean, concise code.</a:t>
+            </a:r>
+          </a:p>
+          <a:p>
+            <a:pPr lvl="1"/>
+            <a:r>
+              <a:rPr/>
+              <a:t>The </a:t>
+            </a:r>
+            <a:r>
+              <a:rPr>
+                <a:latin typeface="Courier"/>
+              </a:rPr>
+              <a:t>purrr</a:t>
+            </a:r>
+            <a:r>
+              <a:rPr/>
+              <a:t> package enhances FP in R.</a:t>
             </a:r>
           </a:p>
         </p:txBody>

--- a/slides/iteration_with_purrr.pptx
+++ b/slides/iteration_with_purrr.pptx
@@ -1,6 +1,6 @@
 
 <file path=ppt/presentation.xml><?xml version="1.0" encoding="utf-8"?>
-<p:presentation xmlns:a="http://schemas.openxmlformats.org/drawingml/2006/main" xmlns:p="http://schemas.openxmlformats.org/presentationml/2006/main" xmlns:r="http://schemas.openxmlformats.org/officeDocument/2006/relationships" autoCompressPictures="0" saveSubsetFonts="1">
+<p:presentation xmlns:a="http://schemas.openxmlformats.org/drawingml/2006/main" xmlns:p="http://schemas.openxmlformats.org/presentationml/2006/main" xmlns:r="http://schemas.openxmlformats.org/officeDocument/2006/relationships" saveSubsetFonts="1">
   <p:sldMasterIdLst>
     <p:sldMasterId id="2147483648" r:id="rId1"/>
   </p:sldMasterIdLst>
@@ -18,14 +18,23 @@
     <p:sldId id="266" r:id="rId12"/>
     <p:sldId id="267" r:id="rId13"/>
     <p:sldId id="268" r:id="rId14"/>
+    <p:sldId id="269" r:id="rId15"/>
+    <p:sldId id="270" r:id="rId16"/>
+    <p:sldId id="271" r:id="rId17"/>
+    <p:sldId id="272" r:id="rId18"/>
+    <p:sldId id="273" r:id="rId19"/>
+    <p:sldId id="274" r:id="rId20"/>
+    <p:sldId id="275" r:id="rId21"/>
+    <p:sldId id="276" r:id="rId22"/>
+    <p:sldId id="277" r:id="rId23"/>
   </p:sldIdLst>
-  <p:sldSz cx="9144000" cy="6858000" type="screen4x3"/>
+  <p:sldSz cx="12192000" cy="6858000"/>
   <p:notesSz cx="6858000" cy="9144000"/>
   <p:defaultTextStyle>
     <a:defPPr>
       <a:defRPr lang="en-US"/>
     </a:defPPr>
-    <a:lvl1pPr algn="l" defTabSz="457200" eaLnBrk="1" hangingPunct="1" latinLnBrk="0" marL="0" rtl="0">
+    <a:lvl1pPr algn="l" defTabSz="914400" eaLnBrk="1" hangingPunct="1" latinLnBrk="0" marL="0" rtl="0">
       <a:defRPr kern="1200" sz="1800">
         <a:solidFill>
           <a:schemeClr val="tx1"/>
@@ -35,7 +44,7 @@
         <a:cs typeface="+mn-cs"/>
       </a:defRPr>
     </a:lvl1pPr>
-    <a:lvl2pPr algn="l" defTabSz="457200" eaLnBrk="1" hangingPunct="1" latinLnBrk="0" marL="457200" rtl="0">
+    <a:lvl2pPr algn="l" defTabSz="914400" eaLnBrk="1" hangingPunct="1" latinLnBrk="0" marL="457200" rtl="0">
       <a:defRPr kern="1200" sz="1800">
         <a:solidFill>
           <a:schemeClr val="tx1"/>
@@ -45,7 +54,7 @@
         <a:cs typeface="+mn-cs"/>
       </a:defRPr>
     </a:lvl2pPr>
-    <a:lvl3pPr algn="l" defTabSz="457200" eaLnBrk="1" hangingPunct="1" latinLnBrk="0" marL="914400" rtl="0">
+    <a:lvl3pPr algn="l" defTabSz="914400" eaLnBrk="1" hangingPunct="1" latinLnBrk="0" marL="914400" rtl="0">
       <a:defRPr kern="1200" sz="1800">
         <a:solidFill>
           <a:schemeClr val="tx1"/>
@@ -55,7 +64,7 @@
         <a:cs typeface="+mn-cs"/>
       </a:defRPr>
     </a:lvl3pPr>
-    <a:lvl4pPr algn="l" defTabSz="457200" eaLnBrk="1" hangingPunct="1" latinLnBrk="0" marL="1371600" rtl="0">
+    <a:lvl4pPr algn="l" defTabSz="914400" eaLnBrk="1" hangingPunct="1" latinLnBrk="0" marL="1371600" rtl="0">
       <a:defRPr kern="1200" sz="1800">
         <a:solidFill>
           <a:schemeClr val="tx1"/>
@@ -65,7 +74,7 @@
         <a:cs typeface="+mn-cs"/>
       </a:defRPr>
     </a:lvl4pPr>
-    <a:lvl5pPr algn="l" defTabSz="457200" eaLnBrk="1" hangingPunct="1" latinLnBrk="0" marL="1828800" rtl="0">
+    <a:lvl5pPr algn="l" defTabSz="914400" eaLnBrk="1" hangingPunct="1" latinLnBrk="0" marL="1828800" rtl="0">
       <a:defRPr kern="1200" sz="1800">
         <a:solidFill>
           <a:schemeClr val="tx1"/>
@@ -75,7 +84,7 @@
         <a:cs typeface="+mn-cs"/>
       </a:defRPr>
     </a:lvl5pPr>
-    <a:lvl6pPr algn="l" defTabSz="457200" eaLnBrk="1" hangingPunct="1" latinLnBrk="0" marL="2286000" rtl="0">
+    <a:lvl6pPr algn="l" defTabSz="914400" eaLnBrk="1" hangingPunct="1" latinLnBrk="0" marL="2286000" rtl="0">
       <a:defRPr kern="1200" sz="1800">
         <a:solidFill>
           <a:schemeClr val="tx1"/>
@@ -85,7 +94,7 @@
         <a:cs typeface="+mn-cs"/>
       </a:defRPr>
     </a:lvl6pPr>
-    <a:lvl7pPr algn="l" defTabSz="457200" eaLnBrk="1" hangingPunct="1" latinLnBrk="0" marL="2743200" rtl="0">
+    <a:lvl7pPr algn="l" defTabSz="914400" eaLnBrk="1" hangingPunct="1" latinLnBrk="0" marL="2743200" rtl="0">
       <a:defRPr kern="1200" sz="1800">
         <a:solidFill>
           <a:schemeClr val="tx1"/>
@@ -95,7 +104,7 @@
         <a:cs typeface="+mn-cs"/>
       </a:defRPr>
     </a:lvl7pPr>
-    <a:lvl8pPr algn="l" defTabSz="457200" eaLnBrk="1" hangingPunct="1" latinLnBrk="0" marL="3200400" rtl="0">
+    <a:lvl8pPr algn="l" defTabSz="914400" eaLnBrk="1" hangingPunct="1" latinLnBrk="0" marL="3200400" rtl="0">
       <a:defRPr kern="1200" sz="1800">
         <a:solidFill>
           <a:schemeClr val="tx1"/>
@@ -105,7 +114,7 @@
         <a:cs typeface="+mn-cs"/>
       </a:defRPr>
     </a:lvl8pPr>
-    <a:lvl9pPr algn="l" defTabSz="457200" eaLnBrk="1" hangingPunct="1" latinLnBrk="0" marL="3657600" rtl="0">
+    <a:lvl9pPr algn="l" defTabSz="914400" eaLnBrk="1" hangingPunct="1" latinLnBrk="0" marL="3657600" rtl="0">
       <a:defRPr kern="1200" sz="1800">
         <a:solidFill>
           <a:schemeClr val="tx1"/>
@@ -118,18 +127,7 @@
   </p:defaultTextStyle>
   <p:extLst>
     <p:ext uri="{EFAFB233-063F-42B5-8137-9DF3F51BA10A}">
-      <p15:sldGuideLst xmlns:p15="http://schemas.microsoft.com/office/powerpoint/2012/main">
-        <p15:guide id="1" orient="horz" pos="2160">
-          <p15:clr>
-            <a:srgbClr val="A4A3A4"/>
-          </p15:clr>
-        </p15:guide>
-        <p15:guide id="2" pos="2880">
-          <p15:clr>
-            <a:srgbClr val="A4A3A4"/>
-          </p15:clr>
-        </p15:guide>
-      </p15:sldGuideLst>
+      <p15:sldGuideLst xmlns:p15="http://schemas.microsoft.com/office/powerpoint/2012/main"/>
     </p:ext>
   </p:extLst>
 </p:presentation>
@@ -154,7 +152,13 @@
       </p:grpSpPr>
       <p:sp>
         <p:nvSpPr>
-          <p:cNvPr id="2" name="Title 1"/>
+          <p:cNvPr id="2" name="Title 1">
+            <a:extLst>
+              <a:ext uri="{FF2B5EF4-FFF2-40B4-BE49-F238E27FC236}">
+                <a16:creationId xmlns:a16="http://schemas.microsoft.com/office/drawing/2014/main" id="{DCD944C5-98BB-442A-9446-DE55EC2FD4D6}"/>
+              </a:ext>
+            </a:extLst>
+          </p:cNvPr>
           <p:cNvSpPr>
             <a:spLocks noGrp="1"/>
           </p:cNvSpPr>
@@ -164,25 +168,34 @@
         </p:nvSpPr>
         <p:spPr>
           <a:xfrm>
-            <a:off x="685800" y="2130425"/>
-            <a:ext cx="7772400" cy="1470025"/>
+            <a:off x="1524000" y="1122363"/>
+            <a:ext cx="9144000" cy="2387600"/>
           </a:xfrm>
         </p:spPr>
         <p:txBody>
-          <a:bodyPr/>
-          <a:lstStyle/>
-          <a:p>
-            <a:r>
-              <a:rPr lang="en-US" smtClean="0"/>
+          <a:bodyPr anchor="b"/>
+          <a:lstStyle>
+            <a:lvl1pPr algn="ctr">
+              <a:defRPr sz="6000"/>
+            </a:lvl1pPr>
+          </a:lstStyle>
+          <a:p>
+            <a:r>
+              <a:rPr lang="en-US"/>
               <a:t>Click to edit Master title style</a:t>
             </a:r>
-            <a:endParaRPr lang="en-US"/>
-          </a:p>
-        </p:txBody>
-      </p:sp>
-      <p:sp>
-        <p:nvSpPr>
-          <p:cNvPr id="3" name="Subtitle 2"/>
+          </a:p>
+        </p:txBody>
+      </p:sp>
+      <p:sp>
+        <p:nvSpPr>
+          <p:cNvPr id="3" name="Subtitle 2">
+            <a:extLst>
+              <a:ext uri="{FF2B5EF4-FFF2-40B4-BE49-F238E27FC236}">
+                <a16:creationId xmlns:a16="http://schemas.microsoft.com/office/drawing/2014/main" id="{73208190-F810-45C0-AD70-3DC41867A161}"/>
+              </a:ext>
+            </a:extLst>
+          </p:cNvPr>
           <p:cNvSpPr>
             <a:spLocks noGrp="1"/>
           </p:cNvSpPr>
@@ -192,8 +205,8 @@
         </p:nvSpPr>
         <p:spPr>
           <a:xfrm>
-            <a:off x="1371600" y="3886200"/>
-            <a:ext cx="6400800" cy="1752600"/>
+            <a:off x="1524000" y="3602038"/>
+            <a:ext cx="9144000" cy="1655762"/>
           </a:xfrm>
         </p:spPr>
         <p:txBody>
@@ -201,122 +214,73 @@
           <a:lstStyle>
             <a:lvl1pPr marL="0" indent="0" algn="ctr">
               <a:buNone/>
-              <a:defRPr>
-                <a:solidFill>
-                  <a:schemeClr val="tx1">
-                    <a:tint val="75000"/>
-                  </a:schemeClr>
-                </a:solidFill>
-              </a:defRPr>
+              <a:defRPr sz="2400"/>
             </a:lvl1pPr>
             <a:lvl2pPr marL="457200" indent="0" algn="ctr">
               <a:buNone/>
-              <a:defRPr>
-                <a:solidFill>
-                  <a:schemeClr val="tx1">
-                    <a:tint val="75000"/>
-                  </a:schemeClr>
-                </a:solidFill>
-              </a:defRPr>
+              <a:defRPr sz="2000"/>
             </a:lvl2pPr>
             <a:lvl3pPr marL="914400" indent="0" algn="ctr">
               <a:buNone/>
-              <a:defRPr>
-                <a:solidFill>
-                  <a:schemeClr val="tx1">
-                    <a:tint val="75000"/>
-                  </a:schemeClr>
-                </a:solidFill>
-              </a:defRPr>
+              <a:defRPr sz="1800"/>
             </a:lvl3pPr>
             <a:lvl4pPr marL="1371600" indent="0" algn="ctr">
               <a:buNone/>
-              <a:defRPr>
-                <a:solidFill>
-                  <a:schemeClr val="tx1">
-                    <a:tint val="75000"/>
-                  </a:schemeClr>
-                </a:solidFill>
-              </a:defRPr>
+              <a:defRPr sz="1600"/>
             </a:lvl4pPr>
             <a:lvl5pPr marL="1828800" indent="0" algn="ctr">
               <a:buNone/>
-              <a:defRPr>
-                <a:solidFill>
-                  <a:schemeClr val="tx1">
-                    <a:tint val="75000"/>
-                  </a:schemeClr>
-                </a:solidFill>
-              </a:defRPr>
+              <a:defRPr sz="1600"/>
             </a:lvl5pPr>
             <a:lvl6pPr marL="2286000" indent="0" algn="ctr">
               <a:buNone/>
-              <a:defRPr>
-                <a:solidFill>
-                  <a:schemeClr val="tx1">
-                    <a:tint val="75000"/>
-                  </a:schemeClr>
-                </a:solidFill>
-              </a:defRPr>
+              <a:defRPr sz="1600"/>
             </a:lvl6pPr>
             <a:lvl7pPr marL="2743200" indent="0" algn="ctr">
               <a:buNone/>
-              <a:defRPr>
-                <a:solidFill>
-                  <a:schemeClr val="tx1">
-                    <a:tint val="75000"/>
-                  </a:schemeClr>
-                </a:solidFill>
-              </a:defRPr>
+              <a:defRPr sz="1600"/>
             </a:lvl7pPr>
             <a:lvl8pPr marL="3200400" indent="0" algn="ctr">
               <a:buNone/>
-              <a:defRPr>
-                <a:solidFill>
-                  <a:schemeClr val="tx1">
-                    <a:tint val="75000"/>
-                  </a:schemeClr>
-                </a:solidFill>
-              </a:defRPr>
+              <a:defRPr sz="1600"/>
             </a:lvl8pPr>
             <a:lvl9pPr marL="3657600" indent="0" algn="ctr">
               <a:buNone/>
-              <a:defRPr>
-                <a:solidFill>
-                  <a:schemeClr val="tx1">
-                    <a:tint val="75000"/>
-                  </a:schemeClr>
-                </a:solidFill>
-              </a:defRPr>
+              <a:defRPr sz="1600"/>
             </a:lvl9pPr>
           </a:lstStyle>
           <a:p>
             <a:r>
+              <a:rPr lang="en-US"/>
+              <a:t>Click to edit Master subtitle style</a:t>
+            </a:r>
+          </a:p>
+        </p:txBody>
+      </p:sp>
+      <p:sp>
+        <p:nvSpPr>
+          <p:cNvPr id="4" name="Date Placeholder 3">
+            <a:extLst>
+              <a:ext uri="{FF2B5EF4-FFF2-40B4-BE49-F238E27FC236}">
+                <a16:creationId xmlns:a16="http://schemas.microsoft.com/office/drawing/2014/main" id="{8D2BB01B-0727-4BEE-ACD5-C39C750FD12D}"/>
+              </a:ext>
+            </a:extLst>
+          </p:cNvPr>
+          <p:cNvSpPr>
+            <a:spLocks noGrp="1"/>
+          </p:cNvSpPr>
+          <p:nvPr>
+            <p:ph type="dt" sz="half" idx="10"/>
+          </p:nvPr>
+        </p:nvSpPr>
+        <p:spPr/>
+        <p:txBody>
+          <a:bodyPr/>
+          <a:lstStyle/>
+          <a:p>
+            <a:fld id="{3E321A48-21CD-4D63-9EA7-6CD8F73AC5FA}" type="datetime1">
               <a:rPr lang="en-US" smtClean="0"/>
-              <a:t>Click to edit Master subtitle style</a:t>
-            </a:r>
-            <a:endParaRPr lang="en-US"/>
-          </a:p>
-        </p:txBody>
-      </p:sp>
-      <p:sp>
-        <p:nvSpPr>
-          <p:cNvPr id="4" name="Date Placeholder 3"/>
-          <p:cNvSpPr>
-            <a:spLocks noGrp="1"/>
-          </p:cNvSpPr>
-          <p:nvPr>
-            <p:ph type="dt" sz="half" idx="10"/>
-          </p:nvPr>
-        </p:nvSpPr>
-        <p:spPr/>
-        <p:txBody>
-          <a:bodyPr/>
-          <a:lstStyle/>
-          <a:p>
-            <a:fld id="{241EB5C9-1307-BA42-ABA2-0BC069CD8E7F}" type="datetimeFigureOut">
-              <a:rPr lang="en-US" smtClean="0"/>
-              <a:t>4/5/2019</a:t>
+              <a:t>11/8/2021</a:t>
             </a:fld>
             <a:endParaRPr lang="en-US"/>
           </a:p>
@@ -324,7 +288,13 @@
       </p:sp>
       <p:sp>
         <p:nvSpPr>
-          <p:cNvPr id="5" name="Footer Placeholder 4"/>
+          <p:cNvPr id="5" name="Footer Placeholder 4">
+            <a:extLst>
+              <a:ext uri="{FF2B5EF4-FFF2-40B4-BE49-F238E27FC236}">
+                <a16:creationId xmlns:a16="http://schemas.microsoft.com/office/drawing/2014/main" id="{0EF485ED-5C62-4F1B-ADC0-D7DE64A4B6BB}"/>
+              </a:ext>
+            </a:extLst>
+          </p:cNvPr>
           <p:cNvSpPr>
             <a:spLocks noGrp="1"/>
           </p:cNvSpPr>
@@ -343,7 +313,13 @@
       </p:sp>
       <p:sp>
         <p:nvSpPr>
-          <p:cNvPr id="6" name="Slide Number Placeholder 5"/>
+          <p:cNvPr id="6" name="Slide Number Placeholder 5">
+            <a:extLst>
+              <a:ext uri="{FF2B5EF4-FFF2-40B4-BE49-F238E27FC236}">
+                <a16:creationId xmlns:a16="http://schemas.microsoft.com/office/drawing/2014/main" id="{3AFE3413-2E37-43D6-AA5A-8B4DD3147EF6}"/>
+              </a:ext>
+            </a:extLst>
+          </p:cNvPr>
           <p:cNvSpPr>
             <a:spLocks noGrp="1"/>
           </p:cNvSpPr>
@@ -356,7 +332,7 @@
           <a:bodyPr/>
           <a:lstStyle/>
           <a:p>
-            <a:fld id="{C5EF2332-01BF-834F-8236-50238282D533}" type="slidenum">
+            <a:fld id="{36DA6CAC-05BF-4AF1-AB20-42BAD72448F4}" type="slidenum">
               <a:rPr lang="en-US" smtClean="0"/>
               <a:t>‹#›</a:t>
             </a:fld>
@@ -367,7 +343,7 @@
     </p:spTree>
     <p:extLst>
       <p:ext uri="{BB962C8B-B14F-4D97-AF65-F5344CB8AC3E}">
-        <p14:creationId xmlns:p14="http://schemas.microsoft.com/office/powerpoint/2010/main" val="1444357513"/>
+        <p14:creationId xmlns:p14="http://schemas.microsoft.com/office/powerpoint/2010/main" val="3434531727"/>
       </p:ext>
     </p:extLst>
   </p:cSld>
@@ -396,7 +372,13 @@
       </p:grpSpPr>
       <p:sp>
         <p:nvSpPr>
-          <p:cNvPr id="2" name="Title 1"/>
+          <p:cNvPr id="2" name="Title 1">
+            <a:extLst>
+              <a:ext uri="{FF2B5EF4-FFF2-40B4-BE49-F238E27FC236}">
+                <a16:creationId xmlns:a16="http://schemas.microsoft.com/office/drawing/2014/main" id="{A3D1B0AA-E483-4C36-BCBD-74E7EAB51340}"/>
+              </a:ext>
+            </a:extLst>
+          </p:cNvPr>
           <p:cNvSpPr>
             <a:spLocks noGrp="1"/>
           </p:cNvSpPr>
@@ -410,83 +392,93 @@
           <a:lstStyle/>
           <a:p>
             <a:r>
+              <a:rPr lang="en-US"/>
+              <a:t>Click to edit Master title style</a:t>
+            </a:r>
+          </a:p>
+        </p:txBody>
+      </p:sp>
+      <p:sp>
+        <p:nvSpPr>
+          <p:cNvPr id="3" name="Vertical Text Placeholder 2">
+            <a:extLst>
+              <a:ext uri="{FF2B5EF4-FFF2-40B4-BE49-F238E27FC236}">
+                <a16:creationId xmlns:a16="http://schemas.microsoft.com/office/drawing/2014/main" id="{BF5144F5-5AB0-4C0A-B37F-49366BE0C367}"/>
+              </a:ext>
+            </a:extLst>
+          </p:cNvPr>
+          <p:cNvSpPr>
+            <a:spLocks noGrp="1"/>
+          </p:cNvSpPr>
+          <p:nvPr>
+            <p:ph type="body" orient="vert" idx="1"/>
+          </p:nvPr>
+        </p:nvSpPr>
+        <p:spPr/>
+        <p:txBody>
+          <a:bodyPr vert="eaVert"/>
+          <a:lstStyle/>
+          <a:p>
+            <a:pPr lvl="0"/>
+            <a:r>
+              <a:rPr lang="en-US"/>
+              <a:t>Click to edit Master text styles</a:t>
+            </a:r>
+          </a:p>
+          <a:p>
+            <a:pPr lvl="1"/>
+            <a:r>
+              <a:rPr lang="en-US"/>
+              <a:t>Second level</a:t>
+            </a:r>
+          </a:p>
+          <a:p>
+            <a:pPr lvl="2"/>
+            <a:r>
+              <a:rPr lang="en-US"/>
+              <a:t>Third level</a:t>
+            </a:r>
+          </a:p>
+          <a:p>
+            <a:pPr lvl="3"/>
+            <a:r>
+              <a:rPr lang="en-US"/>
+              <a:t>Fourth level</a:t>
+            </a:r>
+          </a:p>
+          <a:p>
+            <a:pPr lvl="4"/>
+            <a:r>
+              <a:rPr lang="en-US"/>
+              <a:t>Fifth level</a:t>
+            </a:r>
+          </a:p>
+        </p:txBody>
+      </p:sp>
+      <p:sp>
+        <p:nvSpPr>
+          <p:cNvPr id="4" name="Date Placeholder 3">
+            <a:extLst>
+              <a:ext uri="{FF2B5EF4-FFF2-40B4-BE49-F238E27FC236}">
+                <a16:creationId xmlns:a16="http://schemas.microsoft.com/office/drawing/2014/main" id="{6EE9EB8F-E9F0-4029-BCE6-A9769B8AD7F9}"/>
+              </a:ext>
+            </a:extLst>
+          </p:cNvPr>
+          <p:cNvSpPr>
+            <a:spLocks noGrp="1"/>
+          </p:cNvSpPr>
+          <p:nvPr>
+            <p:ph type="dt" sz="half" idx="10"/>
+          </p:nvPr>
+        </p:nvSpPr>
+        <p:spPr/>
+        <p:txBody>
+          <a:bodyPr/>
+          <a:lstStyle/>
+          <a:p>
+            <a:fld id="{2B0E1870-74B9-4C8E-BA11-9F2786A4D219}" type="datetime1">
               <a:rPr lang="en-US" smtClean="0"/>
-              <a:t>Click to edit Master title style</a:t>
-            </a:r>
-            <a:endParaRPr lang="en-US"/>
-          </a:p>
-        </p:txBody>
-      </p:sp>
-      <p:sp>
-        <p:nvSpPr>
-          <p:cNvPr id="3" name="Vertical Text Placeholder 2"/>
-          <p:cNvSpPr>
-            <a:spLocks noGrp="1"/>
-          </p:cNvSpPr>
-          <p:nvPr>
-            <p:ph type="body" orient="vert" idx="1"/>
-          </p:nvPr>
-        </p:nvSpPr>
-        <p:spPr/>
-        <p:txBody>
-          <a:bodyPr vert="eaVert"/>
-          <a:lstStyle/>
-          <a:p>
-            <a:pPr lvl="0"/>
-            <a:r>
-              <a:rPr lang="en-US" smtClean="0"/>
-              <a:t>Click to edit Master text styles</a:t>
-            </a:r>
-          </a:p>
-          <a:p>
-            <a:pPr lvl="1"/>
-            <a:r>
-              <a:rPr lang="en-US" smtClean="0"/>
-              <a:t>Second level</a:t>
-            </a:r>
-          </a:p>
-          <a:p>
-            <a:pPr lvl="2"/>
-            <a:r>
-              <a:rPr lang="en-US" smtClean="0"/>
-              <a:t>Third level</a:t>
-            </a:r>
-          </a:p>
-          <a:p>
-            <a:pPr lvl="3"/>
-            <a:r>
-              <a:rPr lang="en-US" smtClean="0"/>
-              <a:t>Fourth level</a:t>
-            </a:r>
-          </a:p>
-          <a:p>
-            <a:pPr lvl="4"/>
-            <a:r>
-              <a:rPr lang="en-US" smtClean="0"/>
-              <a:t>Fifth level</a:t>
-            </a:r>
-            <a:endParaRPr lang="en-US"/>
-          </a:p>
-        </p:txBody>
-      </p:sp>
-      <p:sp>
-        <p:nvSpPr>
-          <p:cNvPr id="4" name="Date Placeholder 3"/>
-          <p:cNvSpPr>
-            <a:spLocks noGrp="1"/>
-          </p:cNvSpPr>
-          <p:nvPr>
-            <p:ph type="dt" sz="half" idx="10"/>
-          </p:nvPr>
-        </p:nvSpPr>
-        <p:spPr/>
-        <p:txBody>
-          <a:bodyPr/>
-          <a:lstStyle/>
-          <a:p>
-            <a:fld id="{241EB5C9-1307-BA42-ABA2-0BC069CD8E7F}" type="datetimeFigureOut">
-              <a:rPr lang="en-US" smtClean="0"/>
-              <a:t>4/5/2019</a:t>
+              <a:t>11/8/2021</a:t>
             </a:fld>
             <a:endParaRPr lang="en-US"/>
           </a:p>
@@ -494,7 +486,13 @@
       </p:sp>
       <p:sp>
         <p:nvSpPr>
-          <p:cNvPr id="5" name="Footer Placeholder 4"/>
+          <p:cNvPr id="5" name="Footer Placeholder 4">
+            <a:extLst>
+              <a:ext uri="{FF2B5EF4-FFF2-40B4-BE49-F238E27FC236}">
+                <a16:creationId xmlns:a16="http://schemas.microsoft.com/office/drawing/2014/main" id="{A3FDE6C8-F759-4B1F-B141-99884FCA7071}"/>
+              </a:ext>
+            </a:extLst>
+          </p:cNvPr>
           <p:cNvSpPr>
             <a:spLocks noGrp="1"/>
           </p:cNvSpPr>
@@ -513,7 +511,13 @@
       </p:sp>
       <p:sp>
         <p:nvSpPr>
-          <p:cNvPr id="6" name="Slide Number Placeholder 5"/>
+          <p:cNvPr id="6" name="Slide Number Placeholder 5">
+            <a:extLst>
+              <a:ext uri="{FF2B5EF4-FFF2-40B4-BE49-F238E27FC236}">
+                <a16:creationId xmlns:a16="http://schemas.microsoft.com/office/drawing/2014/main" id="{C0FCFA17-102B-491E-8FBE-027F62A8A09F}"/>
+              </a:ext>
+            </a:extLst>
+          </p:cNvPr>
           <p:cNvSpPr>
             <a:spLocks noGrp="1"/>
           </p:cNvSpPr>
@@ -526,7 +530,7 @@
           <a:bodyPr/>
           <a:lstStyle/>
           <a:p>
-            <a:fld id="{C5EF2332-01BF-834F-8236-50238282D533}" type="slidenum">
+            <a:fld id="{36DA6CAC-05BF-4AF1-AB20-42BAD72448F4}" type="slidenum">
               <a:rPr lang="en-US" smtClean="0"/>
               <a:t>‹#›</a:t>
             </a:fld>
@@ -537,7 +541,7 @@
     </p:spTree>
     <p:extLst>
       <p:ext uri="{BB962C8B-B14F-4D97-AF65-F5344CB8AC3E}">
-        <p14:creationId xmlns:p14="http://schemas.microsoft.com/office/powerpoint/2010/main" val="313914798"/>
+        <p14:creationId xmlns:p14="http://schemas.microsoft.com/office/powerpoint/2010/main" val="3726036359"/>
       </p:ext>
     </p:extLst>
   </p:cSld>
@@ -566,7 +570,13 @@
       </p:grpSpPr>
       <p:sp>
         <p:nvSpPr>
-          <p:cNvPr id="2" name="Vertical Title 1"/>
+          <p:cNvPr id="2" name="Vertical Title 1">
+            <a:extLst>
+              <a:ext uri="{FF2B5EF4-FFF2-40B4-BE49-F238E27FC236}">
+                <a16:creationId xmlns:a16="http://schemas.microsoft.com/office/drawing/2014/main" id="{5E35CBB6-74D8-4D53-B46B-220C4AAEEFCB}"/>
+              </a:ext>
+            </a:extLst>
+          </p:cNvPr>
           <p:cNvSpPr>
             <a:spLocks noGrp="1"/>
           </p:cNvSpPr>
@@ -576,8 +586,8 @@
         </p:nvSpPr>
         <p:spPr>
           <a:xfrm>
-            <a:off x="6629400" y="274638"/>
-            <a:ext cx="2057400" cy="5851525"/>
+            <a:off x="8724900" y="365125"/>
+            <a:ext cx="2628900" cy="5811838"/>
           </a:xfrm>
         </p:spPr>
         <p:txBody>
@@ -585,16 +595,21 @@
           <a:lstStyle/>
           <a:p>
             <a:r>
-              <a:rPr lang="en-US" smtClean="0"/>
+              <a:rPr lang="en-US"/>
               <a:t>Click to edit Master title style</a:t>
             </a:r>
-            <a:endParaRPr lang="en-US"/>
-          </a:p>
-        </p:txBody>
-      </p:sp>
-      <p:sp>
-        <p:nvSpPr>
-          <p:cNvPr id="3" name="Vertical Text Placeholder 2"/>
+          </a:p>
+        </p:txBody>
+      </p:sp>
+      <p:sp>
+        <p:nvSpPr>
+          <p:cNvPr id="3" name="Vertical Text Placeholder 2">
+            <a:extLst>
+              <a:ext uri="{FF2B5EF4-FFF2-40B4-BE49-F238E27FC236}">
+                <a16:creationId xmlns:a16="http://schemas.microsoft.com/office/drawing/2014/main" id="{30B3C9AC-AC42-4C7C-819F-DEDE7E30B026}"/>
+              </a:ext>
+            </a:extLst>
+          </p:cNvPr>
           <p:cNvSpPr>
             <a:spLocks noGrp="1"/>
           </p:cNvSpPr>
@@ -604,8 +619,8 @@
         </p:nvSpPr>
         <p:spPr>
           <a:xfrm>
-            <a:off x="457200" y="274638"/>
-            <a:ext cx="6019800" cy="5851525"/>
+            <a:off x="838200" y="365125"/>
+            <a:ext cx="7734300" cy="5811838"/>
           </a:xfrm>
         </p:spPr>
         <p:txBody>
@@ -614,59 +629,64 @@
           <a:p>
             <a:pPr lvl="0"/>
             <a:r>
+              <a:rPr lang="en-US"/>
+              <a:t>Click to edit Master text styles</a:t>
+            </a:r>
+          </a:p>
+          <a:p>
+            <a:pPr lvl="1"/>
+            <a:r>
+              <a:rPr lang="en-US"/>
+              <a:t>Second level</a:t>
+            </a:r>
+          </a:p>
+          <a:p>
+            <a:pPr lvl="2"/>
+            <a:r>
+              <a:rPr lang="en-US"/>
+              <a:t>Third level</a:t>
+            </a:r>
+          </a:p>
+          <a:p>
+            <a:pPr lvl="3"/>
+            <a:r>
+              <a:rPr lang="en-US"/>
+              <a:t>Fourth level</a:t>
+            </a:r>
+          </a:p>
+          <a:p>
+            <a:pPr lvl="4"/>
+            <a:r>
+              <a:rPr lang="en-US"/>
+              <a:t>Fifth level</a:t>
+            </a:r>
+          </a:p>
+        </p:txBody>
+      </p:sp>
+      <p:sp>
+        <p:nvSpPr>
+          <p:cNvPr id="4" name="Date Placeholder 3">
+            <a:extLst>
+              <a:ext uri="{FF2B5EF4-FFF2-40B4-BE49-F238E27FC236}">
+                <a16:creationId xmlns:a16="http://schemas.microsoft.com/office/drawing/2014/main" id="{5C65EC1D-D2D9-46E8-A0C8-260818C0238C}"/>
+              </a:ext>
+            </a:extLst>
+          </p:cNvPr>
+          <p:cNvSpPr>
+            <a:spLocks noGrp="1"/>
+          </p:cNvSpPr>
+          <p:nvPr>
+            <p:ph type="dt" sz="half" idx="10"/>
+          </p:nvPr>
+        </p:nvSpPr>
+        <p:spPr/>
+        <p:txBody>
+          <a:bodyPr/>
+          <a:lstStyle/>
+          <a:p>
+            <a:fld id="{1D368E51-BDCE-44B5-A1FB-AF3840FB3A33}" type="datetime1">
               <a:rPr lang="en-US" smtClean="0"/>
-              <a:t>Click to edit Master text styles</a:t>
-            </a:r>
-          </a:p>
-          <a:p>
-            <a:pPr lvl="1"/>
-            <a:r>
-              <a:rPr lang="en-US" smtClean="0"/>
-              <a:t>Second level</a:t>
-            </a:r>
-          </a:p>
-          <a:p>
-            <a:pPr lvl="2"/>
-            <a:r>
-              <a:rPr lang="en-US" smtClean="0"/>
-              <a:t>Third level</a:t>
-            </a:r>
-          </a:p>
-          <a:p>
-            <a:pPr lvl="3"/>
-            <a:r>
-              <a:rPr lang="en-US" smtClean="0"/>
-              <a:t>Fourth level</a:t>
-            </a:r>
-          </a:p>
-          <a:p>
-            <a:pPr lvl="4"/>
-            <a:r>
-              <a:rPr lang="en-US" smtClean="0"/>
-              <a:t>Fifth level</a:t>
-            </a:r>
-            <a:endParaRPr lang="en-US"/>
-          </a:p>
-        </p:txBody>
-      </p:sp>
-      <p:sp>
-        <p:nvSpPr>
-          <p:cNvPr id="4" name="Date Placeholder 3"/>
-          <p:cNvSpPr>
-            <a:spLocks noGrp="1"/>
-          </p:cNvSpPr>
-          <p:nvPr>
-            <p:ph type="dt" sz="half" idx="10"/>
-          </p:nvPr>
-        </p:nvSpPr>
-        <p:spPr/>
-        <p:txBody>
-          <a:bodyPr/>
-          <a:lstStyle/>
-          <a:p>
-            <a:fld id="{241EB5C9-1307-BA42-ABA2-0BC069CD8E7F}" type="datetimeFigureOut">
-              <a:rPr lang="en-US" smtClean="0"/>
-              <a:t>4/5/2019</a:t>
+              <a:t>11/8/2021</a:t>
             </a:fld>
             <a:endParaRPr lang="en-US"/>
           </a:p>
@@ -674,7 +694,13 @@
       </p:sp>
       <p:sp>
         <p:nvSpPr>
-          <p:cNvPr id="5" name="Footer Placeholder 4"/>
+          <p:cNvPr id="5" name="Footer Placeholder 4">
+            <a:extLst>
+              <a:ext uri="{FF2B5EF4-FFF2-40B4-BE49-F238E27FC236}">
+                <a16:creationId xmlns:a16="http://schemas.microsoft.com/office/drawing/2014/main" id="{45EC317E-5E5C-4141-98A5-944CB2A6F352}"/>
+              </a:ext>
+            </a:extLst>
+          </p:cNvPr>
           <p:cNvSpPr>
             <a:spLocks noGrp="1"/>
           </p:cNvSpPr>
@@ -693,7 +719,13 @@
       </p:sp>
       <p:sp>
         <p:nvSpPr>
-          <p:cNvPr id="6" name="Slide Number Placeholder 5"/>
+          <p:cNvPr id="6" name="Slide Number Placeholder 5">
+            <a:extLst>
+              <a:ext uri="{FF2B5EF4-FFF2-40B4-BE49-F238E27FC236}">
+                <a16:creationId xmlns:a16="http://schemas.microsoft.com/office/drawing/2014/main" id="{47370B03-D080-41CD-95F8-A04B1A596EF1}"/>
+              </a:ext>
+            </a:extLst>
+          </p:cNvPr>
           <p:cNvSpPr>
             <a:spLocks noGrp="1"/>
           </p:cNvSpPr>
@@ -706,7 +738,7 @@
           <a:bodyPr/>
           <a:lstStyle/>
           <a:p>
-            <a:fld id="{C5EF2332-01BF-834F-8236-50238282D533}" type="slidenum">
+            <a:fld id="{36DA6CAC-05BF-4AF1-AB20-42BAD72448F4}" type="slidenum">
               <a:rPr lang="en-US" smtClean="0"/>
               <a:t>‹#›</a:t>
             </a:fld>
@@ -717,7 +749,7 @@
     </p:spTree>
     <p:extLst>
       <p:ext uri="{BB962C8B-B14F-4D97-AF65-F5344CB8AC3E}">
-        <p14:creationId xmlns:p14="http://schemas.microsoft.com/office/powerpoint/2010/main" val="2581529045"/>
+        <p14:creationId xmlns:p14="http://schemas.microsoft.com/office/powerpoint/2010/main" val="775102035"/>
       </p:ext>
     </p:extLst>
   </p:cSld>
@@ -746,7 +778,13 @@
       </p:grpSpPr>
       <p:sp>
         <p:nvSpPr>
-          <p:cNvPr id="2" name="Title 1"/>
+          <p:cNvPr id="2" name="Title 1">
+            <a:extLst>
+              <a:ext uri="{FF2B5EF4-FFF2-40B4-BE49-F238E27FC236}">
+                <a16:creationId xmlns:a16="http://schemas.microsoft.com/office/drawing/2014/main" id="{4A7312EB-0433-4B75-BFA3-EDC7DC383CBC}"/>
+              </a:ext>
+            </a:extLst>
+          </p:cNvPr>
           <p:cNvSpPr>
             <a:spLocks noGrp="1"/>
           </p:cNvSpPr>
@@ -760,83 +798,93 @@
           <a:lstStyle/>
           <a:p>
             <a:r>
+              <a:rPr lang="en-US"/>
+              <a:t>Click to edit Master title style</a:t>
+            </a:r>
+          </a:p>
+        </p:txBody>
+      </p:sp>
+      <p:sp>
+        <p:nvSpPr>
+          <p:cNvPr id="3" name="Content Placeholder 2">
+            <a:extLst>
+              <a:ext uri="{FF2B5EF4-FFF2-40B4-BE49-F238E27FC236}">
+                <a16:creationId xmlns:a16="http://schemas.microsoft.com/office/drawing/2014/main" id="{0CE84060-CA26-4E18-AB1F-5C4520C4E4A1}"/>
+              </a:ext>
+            </a:extLst>
+          </p:cNvPr>
+          <p:cNvSpPr>
+            <a:spLocks noGrp="1"/>
+          </p:cNvSpPr>
+          <p:nvPr>
+            <p:ph idx="1"/>
+          </p:nvPr>
+        </p:nvSpPr>
+        <p:spPr/>
+        <p:txBody>
+          <a:bodyPr/>
+          <a:lstStyle/>
+          <a:p>
+            <a:pPr lvl="0"/>
+            <a:r>
+              <a:rPr lang="en-US"/>
+              <a:t>Click to edit Master text styles</a:t>
+            </a:r>
+          </a:p>
+          <a:p>
+            <a:pPr lvl="1"/>
+            <a:r>
+              <a:rPr lang="en-US"/>
+              <a:t>Second level</a:t>
+            </a:r>
+          </a:p>
+          <a:p>
+            <a:pPr lvl="2"/>
+            <a:r>
+              <a:rPr lang="en-US"/>
+              <a:t>Third level</a:t>
+            </a:r>
+          </a:p>
+          <a:p>
+            <a:pPr lvl="3"/>
+            <a:r>
+              <a:rPr lang="en-US"/>
+              <a:t>Fourth level</a:t>
+            </a:r>
+          </a:p>
+          <a:p>
+            <a:pPr lvl="4"/>
+            <a:r>
+              <a:rPr lang="en-US"/>
+              <a:t>Fifth level</a:t>
+            </a:r>
+          </a:p>
+        </p:txBody>
+      </p:sp>
+      <p:sp>
+        <p:nvSpPr>
+          <p:cNvPr id="4" name="Date Placeholder 3">
+            <a:extLst>
+              <a:ext uri="{FF2B5EF4-FFF2-40B4-BE49-F238E27FC236}">
+                <a16:creationId xmlns:a16="http://schemas.microsoft.com/office/drawing/2014/main" id="{541FEBAB-ABB5-4885-A437-04A35BC72EC2}"/>
+              </a:ext>
+            </a:extLst>
+          </p:cNvPr>
+          <p:cNvSpPr>
+            <a:spLocks noGrp="1"/>
+          </p:cNvSpPr>
+          <p:nvPr>
+            <p:ph type="dt" sz="half" idx="10"/>
+          </p:nvPr>
+        </p:nvSpPr>
+        <p:spPr/>
+        <p:txBody>
+          <a:bodyPr/>
+          <a:lstStyle/>
+          <a:p>
+            <a:fld id="{F78DCE9C-F5A5-40E4-9759-E89AD5F35A88}" type="datetime1">
               <a:rPr lang="en-US" smtClean="0"/>
-              <a:t>Click to edit Master title style</a:t>
-            </a:r>
-            <a:endParaRPr lang="en-US"/>
-          </a:p>
-        </p:txBody>
-      </p:sp>
-      <p:sp>
-        <p:nvSpPr>
-          <p:cNvPr id="3" name="Content Placeholder 2"/>
-          <p:cNvSpPr>
-            <a:spLocks noGrp="1"/>
-          </p:cNvSpPr>
-          <p:nvPr>
-            <p:ph idx="1"/>
-          </p:nvPr>
-        </p:nvSpPr>
-        <p:spPr/>
-        <p:txBody>
-          <a:bodyPr/>
-          <a:lstStyle/>
-          <a:p>
-            <a:pPr lvl="0"/>
-            <a:r>
-              <a:rPr lang="en-US" smtClean="0"/>
-              <a:t>Click to edit Master text styles</a:t>
-            </a:r>
-          </a:p>
-          <a:p>
-            <a:pPr lvl="1"/>
-            <a:r>
-              <a:rPr lang="en-US" smtClean="0"/>
-              <a:t>Second level</a:t>
-            </a:r>
-          </a:p>
-          <a:p>
-            <a:pPr lvl="2"/>
-            <a:r>
-              <a:rPr lang="en-US" smtClean="0"/>
-              <a:t>Third level</a:t>
-            </a:r>
-          </a:p>
-          <a:p>
-            <a:pPr lvl="3"/>
-            <a:r>
-              <a:rPr lang="en-US" smtClean="0"/>
-              <a:t>Fourth level</a:t>
-            </a:r>
-          </a:p>
-          <a:p>
-            <a:pPr lvl="4"/>
-            <a:r>
-              <a:rPr lang="en-US" smtClean="0"/>
-              <a:t>Fifth level</a:t>
-            </a:r>
-            <a:endParaRPr lang="en-US"/>
-          </a:p>
-        </p:txBody>
-      </p:sp>
-      <p:sp>
-        <p:nvSpPr>
-          <p:cNvPr id="4" name="Date Placeholder 3"/>
-          <p:cNvSpPr>
-            <a:spLocks noGrp="1"/>
-          </p:cNvSpPr>
-          <p:nvPr>
-            <p:ph type="dt" sz="half" idx="10"/>
-          </p:nvPr>
-        </p:nvSpPr>
-        <p:spPr/>
-        <p:txBody>
-          <a:bodyPr/>
-          <a:lstStyle/>
-          <a:p>
-            <a:fld id="{241EB5C9-1307-BA42-ABA2-0BC069CD8E7F}" type="datetimeFigureOut">
-              <a:rPr lang="en-US" smtClean="0"/>
-              <a:t>4/5/2019</a:t>
+              <a:t>11/8/2021</a:t>
             </a:fld>
             <a:endParaRPr lang="en-US"/>
           </a:p>
@@ -844,7 +892,13 @@
       </p:sp>
       <p:sp>
         <p:nvSpPr>
-          <p:cNvPr id="5" name="Footer Placeholder 4"/>
+          <p:cNvPr id="5" name="Footer Placeholder 4">
+            <a:extLst>
+              <a:ext uri="{FF2B5EF4-FFF2-40B4-BE49-F238E27FC236}">
+                <a16:creationId xmlns:a16="http://schemas.microsoft.com/office/drawing/2014/main" id="{2F47CBF1-61DF-4D36-921E-569E6A7E318C}"/>
+              </a:ext>
+            </a:extLst>
+          </p:cNvPr>
           <p:cNvSpPr>
             <a:spLocks noGrp="1"/>
           </p:cNvSpPr>
@@ -863,7 +917,13 @@
       </p:sp>
       <p:sp>
         <p:nvSpPr>
-          <p:cNvPr id="6" name="Slide Number Placeholder 5"/>
+          <p:cNvPr id="6" name="Slide Number Placeholder 5">
+            <a:extLst>
+              <a:ext uri="{FF2B5EF4-FFF2-40B4-BE49-F238E27FC236}">
+                <a16:creationId xmlns:a16="http://schemas.microsoft.com/office/drawing/2014/main" id="{50A9E505-BDA1-4B25-97CF-F0B42C5D701E}"/>
+              </a:ext>
+            </a:extLst>
+          </p:cNvPr>
           <p:cNvSpPr>
             <a:spLocks noGrp="1"/>
           </p:cNvSpPr>
@@ -876,7 +936,7 @@
           <a:bodyPr/>
           <a:lstStyle/>
           <a:p>
-            <a:fld id="{C5EF2332-01BF-834F-8236-50238282D533}" type="slidenum">
+            <a:fld id="{36DA6CAC-05BF-4AF1-AB20-42BAD72448F4}" type="slidenum">
               <a:rPr lang="en-US" smtClean="0"/>
               <a:t>‹#›</a:t>
             </a:fld>
@@ -887,7 +947,7 @@
     </p:spTree>
     <p:extLst>
       <p:ext uri="{BB962C8B-B14F-4D97-AF65-F5344CB8AC3E}">
-        <p14:creationId xmlns:p14="http://schemas.microsoft.com/office/powerpoint/2010/main" val="338346009"/>
+        <p14:creationId xmlns:p14="http://schemas.microsoft.com/office/powerpoint/2010/main" val="1570325807"/>
       </p:ext>
     </p:extLst>
   </p:cSld>
@@ -916,7 +976,13 @@
       </p:grpSpPr>
       <p:sp>
         <p:nvSpPr>
-          <p:cNvPr id="2" name="Title 1"/>
+          <p:cNvPr id="2" name="Title 1">
+            <a:extLst>
+              <a:ext uri="{FF2B5EF4-FFF2-40B4-BE49-F238E27FC236}">
+                <a16:creationId xmlns:a16="http://schemas.microsoft.com/office/drawing/2014/main" id="{D9ACD88E-6740-4702-A841-AFB3996160FB}"/>
+              </a:ext>
+            </a:extLst>
+          </p:cNvPr>
           <p:cNvSpPr>
             <a:spLocks noGrp="1"/>
           </p:cNvSpPr>
@@ -926,29 +992,34 @@
         </p:nvSpPr>
         <p:spPr>
           <a:xfrm>
-            <a:off x="722313" y="4406900"/>
-            <a:ext cx="7772400" cy="1362075"/>
+            <a:off x="831850" y="1709738"/>
+            <a:ext cx="10515600" cy="2852737"/>
           </a:xfrm>
         </p:spPr>
         <p:txBody>
-          <a:bodyPr anchor="t"/>
+          <a:bodyPr anchor="b"/>
           <a:lstStyle>
-            <a:lvl1pPr algn="l">
-              <a:defRPr sz="4000" b="1" cap="all"/>
+            <a:lvl1pPr>
+              <a:defRPr sz="6000"/>
             </a:lvl1pPr>
           </a:lstStyle>
           <a:p>
             <a:r>
-              <a:rPr lang="en-US" smtClean="0"/>
+              <a:rPr lang="en-US"/>
               <a:t>Click to edit Master title style</a:t>
             </a:r>
-            <a:endParaRPr lang="en-US"/>
-          </a:p>
-        </p:txBody>
-      </p:sp>
-      <p:sp>
-        <p:nvSpPr>
-          <p:cNvPr id="3" name="Text Placeholder 2"/>
+          </a:p>
+        </p:txBody>
+      </p:sp>
+      <p:sp>
+        <p:nvSpPr>
+          <p:cNvPr id="3" name="Text Placeholder 2">
+            <a:extLst>
+              <a:ext uri="{FF2B5EF4-FFF2-40B4-BE49-F238E27FC236}">
+                <a16:creationId xmlns:a16="http://schemas.microsoft.com/office/drawing/2014/main" id="{6DC05590-0728-4B1C-94EC-648437702D4A}"/>
+              </a:ext>
+            </a:extLst>
+          </p:cNvPr>
           <p:cNvSpPr>
             <a:spLocks noGrp="1"/>
           </p:cNvSpPr>
@@ -958,16 +1029,16 @@
         </p:nvSpPr>
         <p:spPr>
           <a:xfrm>
-            <a:off x="722313" y="2906713"/>
-            <a:ext cx="7772400" cy="1500187"/>
+            <a:off x="831850" y="4589463"/>
+            <a:ext cx="10515600" cy="1500187"/>
           </a:xfrm>
         </p:spPr>
         <p:txBody>
-          <a:bodyPr anchor="b"/>
+          <a:bodyPr/>
           <a:lstStyle>
             <a:lvl1pPr marL="0" indent="0">
               <a:buNone/>
-              <a:defRPr sz="2000">
+              <a:defRPr sz="2400">
                 <a:solidFill>
                   <a:schemeClr val="tx1">
                     <a:tint val="75000"/>
@@ -977,7 +1048,7 @@
             </a:lvl1pPr>
             <a:lvl2pPr marL="457200" indent="0">
               <a:buNone/>
-              <a:defRPr sz="1800">
+              <a:defRPr sz="2000">
                 <a:solidFill>
                   <a:schemeClr val="tx1">
                     <a:tint val="75000"/>
@@ -987,7 +1058,7 @@
             </a:lvl2pPr>
             <a:lvl3pPr marL="914400" indent="0">
               <a:buNone/>
-              <a:defRPr sz="1600">
+              <a:defRPr sz="1800">
                 <a:solidFill>
                   <a:schemeClr val="tx1">
                     <a:tint val="75000"/>
@@ -997,7 +1068,7 @@
             </a:lvl3pPr>
             <a:lvl4pPr marL="1371600" indent="0">
               <a:buNone/>
-              <a:defRPr sz="1400">
+              <a:defRPr sz="1600">
                 <a:solidFill>
                   <a:schemeClr val="tx1">
                     <a:tint val="75000"/>
@@ -1007,7 +1078,7 @@
             </a:lvl4pPr>
             <a:lvl5pPr marL="1828800" indent="0">
               <a:buNone/>
-              <a:defRPr sz="1400">
+              <a:defRPr sz="1600">
                 <a:solidFill>
                   <a:schemeClr val="tx1">
                     <a:tint val="75000"/>
@@ -1017,7 +1088,7 @@
             </a:lvl5pPr>
             <a:lvl6pPr marL="2286000" indent="0">
               <a:buNone/>
-              <a:defRPr sz="1400">
+              <a:defRPr sz="1600">
                 <a:solidFill>
                   <a:schemeClr val="tx1">
                     <a:tint val="75000"/>
@@ -1027,7 +1098,7 @@
             </a:lvl6pPr>
             <a:lvl7pPr marL="2743200" indent="0">
               <a:buNone/>
-              <a:defRPr sz="1400">
+              <a:defRPr sz="1600">
                 <a:solidFill>
                   <a:schemeClr val="tx1">
                     <a:tint val="75000"/>
@@ -1037,7 +1108,7 @@
             </a:lvl7pPr>
             <a:lvl8pPr marL="3200400" indent="0">
               <a:buNone/>
-              <a:defRPr sz="1400">
+              <a:defRPr sz="1600">
                 <a:solidFill>
                   <a:schemeClr val="tx1">
                     <a:tint val="75000"/>
@@ -1047,7 +1118,7 @@
             </a:lvl8pPr>
             <a:lvl9pPr marL="3657600" indent="0">
               <a:buNone/>
-              <a:defRPr sz="1400">
+              <a:defRPr sz="1600">
                 <a:solidFill>
                   <a:schemeClr val="tx1">
                     <a:tint val="75000"/>
@@ -1059,30 +1130,36 @@
           <a:p>
             <a:pPr lvl="0"/>
             <a:r>
+              <a:rPr lang="en-US"/>
+              <a:t>Click to edit Master text styles</a:t>
+            </a:r>
+          </a:p>
+        </p:txBody>
+      </p:sp>
+      <p:sp>
+        <p:nvSpPr>
+          <p:cNvPr id="4" name="Date Placeholder 3">
+            <a:extLst>
+              <a:ext uri="{FF2B5EF4-FFF2-40B4-BE49-F238E27FC236}">
+                <a16:creationId xmlns:a16="http://schemas.microsoft.com/office/drawing/2014/main" id="{DFD713A0-9409-4A93-8B55-CA5B9C4825FB}"/>
+              </a:ext>
+            </a:extLst>
+          </p:cNvPr>
+          <p:cNvSpPr>
+            <a:spLocks noGrp="1"/>
+          </p:cNvSpPr>
+          <p:nvPr>
+            <p:ph type="dt" sz="half" idx="10"/>
+          </p:nvPr>
+        </p:nvSpPr>
+        <p:spPr/>
+        <p:txBody>
+          <a:bodyPr/>
+          <a:lstStyle/>
+          <a:p>
+            <a:fld id="{9C435C06-9DF9-4438-BE99-EEF05A6FE505}" type="datetime1">
               <a:rPr lang="en-US" smtClean="0"/>
-              <a:t>Click to edit Master text styles</a:t>
-            </a:r>
-          </a:p>
-        </p:txBody>
-      </p:sp>
-      <p:sp>
-        <p:nvSpPr>
-          <p:cNvPr id="4" name="Date Placeholder 3"/>
-          <p:cNvSpPr>
-            <a:spLocks noGrp="1"/>
-          </p:cNvSpPr>
-          <p:nvPr>
-            <p:ph type="dt" sz="half" idx="10"/>
-          </p:nvPr>
-        </p:nvSpPr>
-        <p:spPr/>
-        <p:txBody>
-          <a:bodyPr/>
-          <a:lstStyle/>
-          <a:p>
-            <a:fld id="{241EB5C9-1307-BA42-ABA2-0BC069CD8E7F}" type="datetimeFigureOut">
-              <a:rPr lang="en-US" smtClean="0"/>
-              <a:t>4/5/2019</a:t>
+              <a:t>11/8/2021</a:t>
             </a:fld>
             <a:endParaRPr lang="en-US"/>
           </a:p>
@@ -1090,7 +1167,13 @@
       </p:sp>
       <p:sp>
         <p:nvSpPr>
-          <p:cNvPr id="5" name="Footer Placeholder 4"/>
+          <p:cNvPr id="5" name="Footer Placeholder 4">
+            <a:extLst>
+              <a:ext uri="{FF2B5EF4-FFF2-40B4-BE49-F238E27FC236}">
+                <a16:creationId xmlns:a16="http://schemas.microsoft.com/office/drawing/2014/main" id="{918EA5C8-686D-4BFF-A0C6-47FBF4796917}"/>
+              </a:ext>
+            </a:extLst>
+          </p:cNvPr>
           <p:cNvSpPr>
             <a:spLocks noGrp="1"/>
           </p:cNvSpPr>
@@ -1109,7 +1192,13 @@
       </p:sp>
       <p:sp>
         <p:nvSpPr>
-          <p:cNvPr id="6" name="Slide Number Placeholder 5"/>
+          <p:cNvPr id="6" name="Slide Number Placeholder 5">
+            <a:extLst>
+              <a:ext uri="{FF2B5EF4-FFF2-40B4-BE49-F238E27FC236}">
+                <a16:creationId xmlns:a16="http://schemas.microsoft.com/office/drawing/2014/main" id="{41808AC6-F497-43CC-8A3F-69AE16E834CC}"/>
+              </a:ext>
+            </a:extLst>
+          </p:cNvPr>
           <p:cNvSpPr>
             <a:spLocks noGrp="1"/>
           </p:cNvSpPr>
@@ -1122,7 +1211,7 @@
           <a:bodyPr/>
           <a:lstStyle/>
           <a:p>
-            <a:fld id="{C5EF2332-01BF-834F-8236-50238282D533}" type="slidenum">
+            <a:fld id="{36DA6CAC-05BF-4AF1-AB20-42BAD72448F4}" type="slidenum">
               <a:rPr lang="en-US" smtClean="0"/>
               <a:t>‹#›</a:t>
             </a:fld>
@@ -1133,7 +1222,7 @@
     </p:spTree>
     <p:extLst>
       <p:ext uri="{BB962C8B-B14F-4D97-AF65-F5344CB8AC3E}">
-        <p14:creationId xmlns:p14="http://schemas.microsoft.com/office/powerpoint/2010/main" val="1073069076"/>
+        <p14:creationId xmlns:p14="http://schemas.microsoft.com/office/powerpoint/2010/main" val="244624482"/>
       </p:ext>
     </p:extLst>
   </p:cSld>
@@ -1162,7 +1251,13 @@
       </p:grpSpPr>
       <p:sp>
         <p:nvSpPr>
-          <p:cNvPr id="2" name="Title 1"/>
+          <p:cNvPr id="2" name="Title 1">
+            <a:extLst>
+              <a:ext uri="{FF2B5EF4-FFF2-40B4-BE49-F238E27FC236}">
+                <a16:creationId xmlns:a16="http://schemas.microsoft.com/office/drawing/2014/main" id="{39011CA1-77FF-4370-B4B7-15F5AA7EC8C5}"/>
+              </a:ext>
+            </a:extLst>
+          </p:cNvPr>
           <p:cNvSpPr>
             <a:spLocks noGrp="1"/>
           </p:cNvSpPr>
@@ -1176,16 +1271,21 @@
           <a:lstStyle/>
           <a:p>
             <a:r>
-              <a:rPr lang="en-US" smtClean="0"/>
+              <a:rPr lang="en-US"/>
               <a:t>Click to edit Master title style</a:t>
             </a:r>
-            <a:endParaRPr lang="en-US"/>
-          </a:p>
-        </p:txBody>
-      </p:sp>
-      <p:sp>
-        <p:nvSpPr>
-          <p:cNvPr id="3" name="Content Placeholder 2"/>
+          </a:p>
+        </p:txBody>
+      </p:sp>
+      <p:sp>
+        <p:nvSpPr>
+          <p:cNvPr id="3" name="Content Placeholder 2">
+            <a:extLst>
+              <a:ext uri="{FF2B5EF4-FFF2-40B4-BE49-F238E27FC236}">
+                <a16:creationId xmlns:a16="http://schemas.microsoft.com/office/drawing/2014/main" id="{FEDB4EA1-57B6-4B6D-8074-82EC171A1486}"/>
+              </a:ext>
+            </a:extLst>
+          </p:cNvPr>
           <p:cNvSpPr>
             <a:spLocks noGrp="1"/>
           </p:cNvSpPr>
@@ -1195,82 +1295,59 @@
         </p:nvSpPr>
         <p:spPr>
           <a:xfrm>
-            <a:off x="457200" y="1600200"/>
-            <a:ext cx="4038600" cy="4525963"/>
+            <a:off x="838200" y="1825625"/>
+            <a:ext cx="5181600" cy="4351338"/>
           </a:xfrm>
         </p:spPr>
         <p:txBody>
           <a:bodyPr/>
-          <a:lstStyle>
-            <a:lvl1pPr>
-              <a:defRPr sz="2800"/>
-            </a:lvl1pPr>
-            <a:lvl2pPr>
-              <a:defRPr sz="2400"/>
-            </a:lvl2pPr>
-            <a:lvl3pPr>
-              <a:defRPr sz="2000"/>
-            </a:lvl3pPr>
-            <a:lvl4pPr>
-              <a:defRPr sz="1800"/>
-            </a:lvl4pPr>
-            <a:lvl5pPr>
-              <a:defRPr sz="1800"/>
-            </a:lvl5pPr>
-            <a:lvl6pPr>
-              <a:defRPr sz="1800"/>
-            </a:lvl6pPr>
-            <a:lvl7pPr>
-              <a:defRPr sz="1800"/>
-            </a:lvl7pPr>
-            <a:lvl8pPr>
-              <a:defRPr sz="1800"/>
-            </a:lvl8pPr>
-            <a:lvl9pPr>
-              <a:defRPr sz="1800"/>
-            </a:lvl9pPr>
-          </a:lstStyle>
+          <a:lstStyle/>
           <a:p>
             <a:pPr lvl="0"/>
             <a:r>
-              <a:rPr lang="en-US" smtClean="0"/>
+              <a:rPr lang="en-US"/>
               <a:t>Click to edit Master text styles</a:t>
             </a:r>
           </a:p>
           <a:p>
             <a:pPr lvl="1"/>
             <a:r>
-              <a:rPr lang="en-US" smtClean="0"/>
+              <a:rPr lang="en-US"/>
               <a:t>Second level</a:t>
             </a:r>
           </a:p>
           <a:p>
             <a:pPr lvl="2"/>
             <a:r>
-              <a:rPr lang="en-US" smtClean="0"/>
+              <a:rPr lang="en-US"/>
               <a:t>Third level</a:t>
             </a:r>
           </a:p>
           <a:p>
             <a:pPr lvl="3"/>
             <a:r>
-              <a:rPr lang="en-US" smtClean="0"/>
+              <a:rPr lang="en-US"/>
               <a:t>Fourth level</a:t>
             </a:r>
           </a:p>
           <a:p>
             <a:pPr lvl="4"/>
             <a:r>
-              <a:rPr lang="en-US" smtClean="0"/>
+              <a:rPr lang="en-US"/>
               <a:t>Fifth level</a:t>
             </a:r>
-            <a:endParaRPr lang="en-US"/>
-          </a:p>
-        </p:txBody>
-      </p:sp>
-      <p:sp>
-        <p:nvSpPr>
-          <p:cNvPr id="4" name="Content Placeholder 3"/>
+          </a:p>
+        </p:txBody>
+      </p:sp>
+      <p:sp>
+        <p:nvSpPr>
+          <p:cNvPr id="4" name="Content Placeholder 3">
+            <a:extLst>
+              <a:ext uri="{FF2B5EF4-FFF2-40B4-BE49-F238E27FC236}">
+                <a16:creationId xmlns:a16="http://schemas.microsoft.com/office/drawing/2014/main" id="{B3487ED8-8D84-4433-BEA8-D54AEE1800B9}"/>
+              </a:ext>
+            </a:extLst>
+          </p:cNvPr>
           <p:cNvSpPr>
             <a:spLocks noGrp="1"/>
           </p:cNvSpPr>
@@ -1280,97 +1357,74 @@
         </p:nvSpPr>
         <p:spPr>
           <a:xfrm>
-            <a:off x="4648200" y="1600200"/>
-            <a:ext cx="4038600" cy="4525963"/>
+            <a:off x="6172200" y="1825625"/>
+            <a:ext cx="5181600" cy="4351338"/>
           </a:xfrm>
         </p:spPr>
         <p:txBody>
           <a:bodyPr/>
-          <a:lstStyle>
-            <a:lvl1pPr>
-              <a:defRPr sz="2800"/>
-            </a:lvl1pPr>
-            <a:lvl2pPr>
-              <a:defRPr sz="2400"/>
-            </a:lvl2pPr>
-            <a:lvl3pPr>
-              <a:defRPr sz="2000"/>
-            </a:lvl3pPr>
-            <a:lvl4pPr>
-              <a:defRPr sz="1800"/>
-            </a:lvl4pPr>
-            <a:lvl5pPr>
-              <a:defRPr sz="1800"/>
-            </a:lvl5pPr>
-            <a:lvl6pPr>
-              <a:defRPr sz="1800"/>
-            </a:lvl6pPr>
-            <a:lvl7pPr>
-              <a:defRPr sz="1800"/>
-            </a:lvl7pPr>
-            <a:lvl8pPr>
-              <a:defRPr sz="1800"/>
-            </a:lvl8pPr>
-            <a:lvl9pPr>
-              <a:defRPr sz="1800"/>
-            </a:lvl9pPr>
-          </a:lstStyle>
+          <a:lstStyle/>
           <a:p>
             <a:pPr lvl="0"/>
             <a:r>
+              <a:rPr lang="en-US"/>
+              <a:t>Click to edit Master text styles</a:t>
+            </a:r>
+          </a:p>
+          <a:p>
+            <a:pPr lvl="1"/>
+            <a:r>
+              <a:rPr lang="en-US"/>
+              <a:t>Second level</a:t>
+            </a:r>
+          </a:p>
+          <a:p>
+            <a:pPr lvl="2"/>
+            <a:r>
+              <a:rPr lang="en-US"/>
+              <a:t>Third level</a:t>
+            </a:r>
+          </a:p>
+          <a:p>
+            <a:pPr lvl="3"/>
+            <a:r>
+              <a:rPr lang="en-US"/>
+              <a:t>Fourth level</a:t>
+            </a:r>
+          </a:p>
+          <a:p>
+            <a:pPr lvl="4"/>
+            <a:r>
+              <a:rPr lang="en-US"/>
+              <a:t>Fifth level</a:t>
+            </a:r>
+          </a:p>
+        </p:txBody>
+      </p:sp>
+      <p:sp>
+        <p:nvSpPr>
+          <p:cNvPr id="5" name="Date Placeholder 4">
+            <a:extLst>
+              <a:ext uri="{FF2B5EF4-FFF2-40B4-BE49-F238E27FC236}">
+                <a16:creationId xmlns:a16="http://schemas.microsoft.com/office/drawing/2014/main" id="{C3FA07F4-4EFB-4D76-B9AB-069D5E45E0ED}"/>
+              </a:ext>
+            </a:extLst>
+          </p:cNvPr>
+          <p:cNvSpPr>
+            <a:spLocks noGrp="1"/>
+          </p:cNvSpPr>
+          <p:nvPr>
+            <p:ph type="dt" sz="half" idx="10"/>
+          </p:nvPr>
+        </p:nvSpPr>
+        <p:spPr/>
+        <p:txBody>
+          <a:bodyPr/>
+          <a:lstStyle/>
+          <a:p>
+            <a:fld id="{73524BA3-5532-4E68-8861-CA92B9A0C672}" type="datetime1">
               <a:rPr lang="en-US" smtClean="0"/>
-              <a:t>Click to edit Master text styles</a:t>
-            </a:r>
-          </a:p>
-          <a:p>
-            <a:pPr lvl="1"/>
-            <a:r>
-              <a:rPr lang="en-US" smtClean="0"/>
-              <a:t>Second level</a:t>
-            </a:r>
-          </a:p>
-          <a:p>
-            <a:pPr lvl="2"/>
-            <a:r>
-              <a:rPr lang="en-US" smtClean="0"/>
-              <a:t>Third level</a:t>
-            </a:r>
-          </a:p>
-          <a:p>
-            <a:pPr lvl="3"/>
-            <a:r>
-              <a:rPr lang="en-US" smtClean="0"/>
-              <a:t>Fourth level</a:t>
-            </a:r>
-          </a:p>
-          <a:p>
-            <a:pPr lvl="4"/>
-            <a:r>
-              <a:rPr lang="en-US" smtClean="0"/>
-              <a:t>Fifth level</a:t>
-            </a:r>
-            <a:endParaRPr lang="en-US"/>
-          </a:p>
-        </p:txBody>
-      </p:sp>
-      <p:sp>
-        <p:nvSpPr>
-          <p:cNvPr id="5" name="Date Placeholder 4"/>
-          <p:cNvSpPr>
-            <a:spLocks noGrp="1"/>
-          </p:cNvSpPr>
-          <p:nvPr>
-            <p:ph type="dt" sz="half" idx="10"/>
-          </p:nvPr>
-        </p:nvSpPr>
-        <p:spPr/>
-        <p:txBody>
-          <a:bodyPr/>
-          <a:lstStyle/>
-          <a:p>
-            <a:fld id="{241EB5C9-1307-BA42-ABA2-0BC069CD8E7F}" type="datetimeFigureOut">
-              <a:rPr lang="en-US" smtClean="0"/>
-              <a:t>4/5/2019</a:t>
+              <a:t>11/8/2021</a:t>
             </a:fld>
             <a:endParaRPr lang="en-US"/>
           </a:p>
@@ -1378,7 +1432,13 @@
       </p:sp>
       <p:sp>
         <p:nvSpPr>
-          <p:cNvPr id="6" name="Footer Placeholder 5"/>
+          <p:cNvPr id="6" name="Footer Placeholder 5">
+            <a:extLst>
+              <a:ext uri="{FF2B5EF4-FFF2-40B4-BE49-F238E27FC236}">
+                <a16:creationId xmlns:a16="http://schemas.microsoft.com/office/drawing/2014/main" id="{6A4A7AC5-6DA7-44AA-B716-45760D296294}"/>
+              </a:ext>
+            </a:extLst>
+          </p:cNvPr>
           <p:cNvSpPr>
             <a:spLocks noGrp="1"/>
           </p:cNvSpPr>
@@ -1397,7 +1457,13 @@
       </p:sp>
       <p:sp>
         <p:nvSpPr>
-          <p:cNvPr id="7" name="Slide Number Placeholder 6"/>
+          <p:cNvPr id="7" name="Slide Number Placeholder 6">
+            <a:extLst>
+              <a:ext uri="{FF2B5EF4-FFF2-40B4-BE49-F238E27FC236}">
+                <a16:creationId xmlns:a16="http://schemas.microsoft.com/office/drawing/2014/main" id="{72D41688-6B89-4CF0-94D4-FC90B8808680}"/>
+              </a:ext>
+            </a:extLst>
+          </p:cNvPr>
           <p:cNvSpPr>
             <a:spLocks noGrp="1"/>
           </p:cNvSpPr>
@@ -1410,7 +1476,7 @@
           <a:bodyPr/>
           <a:lstStyle/>
           <a:p>
-            <a:fld id="{C5EF2332-01BF-834F-8236-50238282D533}" type="slidenum">
+            <a:fld id="{36DA6CAC-05BF-4AF1-AB20-42BAD72448F4}" type="slidenum">
               <a:rPr lang="en-US" smtClean="0"/>
               <a:t>‹#›</a:t>
             </a:fld>
@@ -1421,7 +1487,7 @@
     </p:spTree>
     <p:extLst>
       <p:ext uri="{BB962C8B-B14F-4D97-AF65-F5344CB8AC3E}">
-        <p14:creationId xmlns:p14="http://schemas.microsoft.com/office/powerpoint/2010/main" val="2619886245"/>
+        <p14:creationId xmlns:p14="http://schemas.microsoft.com/office/powerpoint/2010/main" val="2514283163"/>
       </p:ext>
     </p:extLst>
   </p:cSld>
@@ -1450,45 +1516,57 @@
       </p:grpSpPr>
       <p:sp>
         <p:nvSpPr>
-          <p:cNvPr id="2" name="Title 1"/>
+          <p:cNvPr id="2" name="Title 1">
+            <a:extLst>
+              <a:ext uri="{FF2B5EF4-FFF2-40B4-BE49-F238E27FC236}">
+                <a16:creationId xmlns:a16="http://schemas.microsoft.com/office/drawing/2014/main" id="{F0BB82FB-69F4-4F27-940F-7286BB3F3B2A}"/>
+              </a:ext>
+            </a:extLst>
+          </p:cNvPr>
           <p:cNvSpPr>
             <a:spLocks noGrp="1"/>
           </p:cNvSpPr>
           <p:nvPr>
             <p:ph type="title"/>
-          </p:nvPr>
-        </p:nvSpPr>
-        <p:spPr/>
-        <p:txBody>
-          <a:bodyPr/>
-          <a:lstStyle>
-            <a:lvl1pPr>
-              <a:defRPr/>
-            </a:lvl1pPr>
-          </a:lstStyle>
-          <a:p>
-            <a:r>
-              <a:rPr lang="en-US" smtClean="0"/>
-              <a:t>Click to edit Master title style</a:t>
-            </a:r>
-            <a:endParaRPr lang="en-US"/>
-          </a:p>
-        </p:txBody>
-      </p:sp>
-      <p:sp>
-        <p:nvSpPr>
-          <p:cNvPr id="3" name="Text Placeholder 2"/>
-          <p:cNvSpPr>
-            <a:spLocks noGrp="1"/>
-          </p:cNvSpPr>
-          <p:nvPr>
-            <p:ph type="body" idx="1"/>
           </p:nvPr>
         </p:nvSpPr>
         <p:spPr>
           <a:xfrm>
-            <a:off x="457200" y="1535113"/>
-            <a:ext cx="4040188" cy="639762"/>
+            <a:off x="839788" y="365125"/>
+            <a:ext cx="10515600" cy="1325563"/>
+          </a:xfrm>
+        </p:spPr>
+        <p:txBody>
+          <a:bodyPr/>
+          <a:lstStyle/>
+          <a:p>
+            <a:r>
+              <a:rPr lang="en-US"/>
+              <a:t>Click to edit Master title style</a:t>
+            </a:r>
+          </a:p>
+        </p:txBody>
+      </p:sp>
+      <p:sp>
+        <p:nvSpPr>
+          <p:cNvPr id="3" name="Text Placeholder 2">
+            <a:extLst>
+              <a:ext uri="{FF2B5EF4-FFF2-40B4-BE49-F238E27FC236}">
+                <a16:creationId xmlns:a16="http://schemas.microsoft.com/office/drawing/2014/main" id="{A4DA39F6-BB44-4228-9B8E-A261223E0BE9}"/>
+              </a:ext>
+            </a:extLst>
+          </p:cNvPr>
+          <p:cNvSpPr>
+            <a:spLocks noGrp="1"/>
+          </p:cNvSpPr>
+          <p:nvPr>
+            <p:ph type="body" idx="1"/>
+          </p:nvPr>
+        </p:nvSpPr>
+        <p:spPr>
+          <a:xfrm>
+            <a:off x="839788" y="1681163"/>
+            <a:ext cx="5157787" cy="823912"/>
           </a:xfrm>
         </p:spPr>
         <p:txBody>
@@ -1534,7 +1612,7 @@
           <a:p>
             <a:pPr lvl="0"/>
             <a:r>
-              <a:rPr lang="en-US" smtClean="0"/>
+              <a:rPr lang="en-US"/>
               <a:t>Click to edit Master text styles</a:t>
             </a:r>
           </a:p>
@@ -1542,7 +1620,13 @@
       </p:sp>
       <p:sp>
         <p:nvSpPr>
-          <p:cNvPr id="4" name="Content Placeholder 3"/>
+          <p:cNvPr id="4" name="Content Placeholder 3">
+            <a:extLst>
+              <a:ext uri="{FF2B5EF4-FFF2-40B4-BE49-F238E27FC236}">
+                <a16:creationId xmlns:a16="http://schemas.microsoft.com/office/drawing/2014/main" id="{F61244CC-6D66-4982-A79C-B90A43DB89C3}"/>
+              </a:ext>
+            </a:extLst>
+          </p:cNvPr>
           <p:cNvSpPr>
             <a:spLocks noGrp="1"/>
           </p:cNvSpPr>
@@ -1552,82 +1636,59 @@
         </p:nvSpPr>
         <p:spPr>
           <a:xfrm>
-            <a:off x="457200" y="2174875"/>
-            <a:ext cx="4040188" cy="3951288"/>
+            <a:off x="839788" y="2505075"/>
+            <a:ext cx="5157787" cy="3684588"/>
           </a:xfrm>
         </p:spPr>
         <p:txBody>
           <a:bodyPr/>
-          <a:lstStyle>
-            <a:lvl1pPr>
-              <a:defRPr sz="2400"/>
-            </a:lvl1pPr>
-            <a:lvl2pPr>
-              <a:defRPr sz="2000"/>
-            </a:lvl2pPr>
-            <a:lvl3pPr>
-              <a:defRPr sz="1800"/>
-            </a:lvl3pPr>
-            <a:lvl4pPr>
-              <a:defRPr sz="1600"/>
-            </a:lvl4pPr>
-            <a:lvl5pPr>
-              <a:defRPr sz="1600"/>
-            </a:lvl5pPr>
-            <a:lvl6pPr>
-              <a:defRPr sz="1600"/>
-            </a:lvl6pPr>
-            <a:lvl7pPr>
-              <a:defRPr sz="1600"/>
-            </a:lvl7pPr>
-            <a:lvl8pPr>
-              <a:defRPr sz="1600"/>
-            </a:lvl8pPr>
-            <a:lvl9pPr>
-              <a:defRPr sz="1600"/>
-            </a:lvl9pPr>
-          </a:lstStyle>
+          <a:lstStyle/>
           <a:p>
             <a:pPr lvl="0"/>
             <a:r>
-              <a:rPr lang="en-US" smtClean="0"/>
+              <a:rPr lang="en-US"/>
               <a:t>Click to edit Master text styles</a:t>
             </a:r>
           </a:p>
           <a:p>
             <a:pPr lvl="1"/>
             <a:r>
-              <a:rPr lang="en-US" smtClean="0"/>
+              <a:rPr lang="en-US"/>
               <a:t>Second level</a:t>
             </a:r>
           </a:p>
           <a:p>
             <a:pPr lvl="2"/>
             <a:r>
-              <a:rPr lang="en-US" smtClean="0"/>
+              <a:rPr lang="en-US"/>
               <a:t>Third level</a:t>
             </a:r>
           </a:p>
           <a:p>
             <a:pPr lvl="3"/>
             <a:r>
-              <a:rPr lang="en-US" smtClean="0"/>
+              <a:rPr lang="en-US"/>
               <a:t>Fourth level</a:t>
             </a:r>
           </a:p>
           <a:p>
             <a:pPr lvl="4"/>
             <a:r>
-              <a:rPr lang="en-US" smtClean="0"/>
+              <a:rPr lang="en-US"/>
               <a:t>Fifth level</a:t>
             </a:r>
-            <a:endParaRPr lang="en-US"/>
-          </a:p>
-        </p:txBody>
-      </p:sp>
-      <p:sp>
-        <p:nvSpPr>
-          <p:cNvPr id="5" name="Text Placeholder 4"/>
+          </a:p>
+        </p:txBody>
+      </p:sp>
+      <p:sp>
+        <p:nvSpPr>
+          <p:cNvPr id="5" name="Text Placeholder 4">
+            <a:extLst>
+              <a:ext uri="{FF2B5EF4-FFF2-40B4-BE49-F238E27FC236}">
+                <a16:creationId xmlns:a16="http://schemas.microsoft.com/office/drawing/2014/main" id="{AE278080-1227-4C8F-9CC3-5B0E962C8068}"/>
+              </a:ext>
+            </a:extLst>
+          </p:cNvPr>
           <p:cNvSpPr>
             <a:spLocks noGrp="1"/>
           </p:cNvSpPr>
@@ -1637,8 +1698,8 @@
         </p:nvSpPr>
         <p:spPr>
           <a:xfrm>
-            <a:off x="4645025" y="1535113"/>
-            <a:ext cx="4041775" cy="639762"/>
+            <a:off x="6172200" y="1681163"/>
+            <a:ext cx="5183188" cy="823912"/>
           </a:xfrm>
         </p:spPr>
         <p:txBody>
@@ -1684,7 +1745,7 @@
           <a:p>
             <a:pPr lvl="0"/>
             <a:r>
-              <a:rPr lang="en-US" smtClean="0"/>
+              <a:rPr lang="en-US"/>
               <a:t>Click to edit Master text styles</a:t>
             </a:r>
           </a:p>
@@ -1692,7 +1753,13 @@
       </p:sp>
       <p:sp>
         <p:nvSpPr>
-          <p:cNvPr id="6" name="Content Placeholder 5"/>
+          <p:cNvPr id="6" name="Content Placeholder 5">
+            <a:extLst>
+              <a:ext uri="{FF2B5EF4-FFF2-40B4-BE49-F238E27FC236}">
+                <a16:creationId xmlns:a16="http://schemas.microsoft.com/office/drawing/2014/main" id="{3549F8E0-2FB2-4B99-B4DB-1BC71C538D22}"/>
+              </a:ext>
+            </a:extLst>
+          </p:cNvPr>
           <p:cNvSpPr>
             <a:spLocks noGrp="1"/>
           </p:cNvSpPr>
@@ -1702,97 +1769,74 @@
         </p:nvSpPr>
         <p:spPr>
           <a:xfrm>
-            <a:off x="4645025" y="2174875"/>
-            <a:ext cx="4041775" cy="3951288"/>
+            <a:off x="6172200" y="2505075"/>
+            <a:ext cx="5183188" cy="3684588"/>
           </a:xfrm>
         </p:spPr>
         <p:txBody>
           <a:bodyPr/>
-          <a:lstStyle>
-            <a:lvl1pPr>
-              <a:defRPr sz="2400"/>
-            </a:lvl1pPr>
-            <a:lvl2pPr>
-              <a:defRPr sz="2000"/>
-            </a:lvl2pPr>
-            <a:lvl3pPr>
-              <a:defRPr sz="1800"/>
-            </a:lvl3pPr>
-            <a:lvl4pPr>
-              <a:defRPr sz="1600"/>
-            </a:lvl4pPr>
-            <a:lvl5pPr>
-              <a:defRPr sz="1600"/>
-            </a:lvl5pPr>
-            <a:lvl6pPr>
-              <a:defRPr sz="1600"/>
-            </a:lvl6pPr>
-            <a:lvl7pPr>
-              <a:defRPr sz="1600"/>
-            </a:lvl7pPr>
-            <a:lvl8pPr>
-              <a:defRPr sz="1600"/>
-            </a:lvl8pPr>
-            <a:lvl9pPr>
-              <a:defRPr sz="1600"/>
-            </a:lvl9pPr>
-          </a:lstStyle>
+          <a:lstStyle/>
           <a:p>
             <a:pPr lvl="0"/>
             <a:r>
+              <a:rPr lang="en-US"/>
+              <a:t>Click to edit Master text styles</a:t>
+            </a:r>
+          </a:p>
+          <a:p>
+            <a:pPr lvl="1"/>
+            <a:r>
+              <a:rPr lang="en-US"/>
+              <a:t>Second level</a:t>
+            </a:r>
+          </a:p>
+          <a:p>
+            <a:pPr lvl="2"/>
+            <a:r>
+              <a:rPr lang="en-US"/>
+              <a:t>Third level</a:t>
+            </a:r>
+          </a:p>
+          <a:p>
+            <a:pPr lvl="3"/>
+            <a:r>
+              <a:rPr lang="en-US"/>
+              <a:t>Fourth level</a:t>
+            </a:r>
+          </a:p>
+          <a:p>
+            <a:pPr lvl="4"/>
+            <a:r>
+              <a:rPr lang="en-US"/>
+              <a:t>Fifth level</a:t>
+            </a:r>
+          </a:p>
+        </p:txBody>
+      </p:sp>
+      <p:sp>
+        <p:nvSpPr>
+          <p:cNvPr id="7" name="Date Placeholder 6">
+            <a:extLst>
+              <a:ext uri="{FF2B5EF4-FFF2-40B4-BE49-F238E27FC236}">
+                <a16:creationId xmlns:a16="http://schemas.microsoft.com/office/drawing/2014/main" id="{5B5F925F-E364-4F8C-B977-DC0253946D3A}"/>
+              </a:ext>
+            </a:extLst>
+          </p:cNvPr>
+          <p:cNvSpPr>
+            <a:spLocks noGrp="1"/>
+          </p:cNvSpPr>
+          <p:nvPr>
+            <p:ph type="dt" sz="half" idx="10"/>
+          </p:nvPr>
+        </p:nvSpPr>
+        <p:spPr/>
+        <p:txBody>
+          <a:bodyPr/>
+          <a:lstStyle/>
+          <a:p>
+            <a:fld id="{FEC2EAEC-40E4-4148-A51E-9A1FCD07F1EC}" type="datetime1">
               <a:rPr lang="en-US" smtClean="0"/>
-              <a:t>Click to edit Master text styles</a:t>
-            </a:r>
-          </a:p>
-          <a:p>
-            <a:pPr lvl="1"/>
-            <a:r>
-              <a:rPr lang="en-US" smtClean="0"/>
-              <a:t>Second level</a:t>
-            </a:r>
-          </a:p>
-          <a:p>
-            <a:pPr lvl="2"/>
-            <a:r>
-              <a:rPr lang="en-US" smtClean="0"/>
-              <a:t>Third level</a:t>
-            </a:r>
-          </a:p>
-          <a:p>
-            <a:pPr lvl="3"/>
-            <a:r>
-              <a:rPr lang="en-US" smtClean="0"/>
-              <a:t>Fourth level</a:t>
-            </a:r>
-          </a:p>
-          <a:p>
-            <a:pPr lvl="4"/>
-            <a:r>
-              <a:rPr lang="en-US" smtClean="0"/>
-              <a:t>Fifth level</a:t>
-            </a:r>
-            <a:endParaRPr lang="en-US"/>
-          </a:p>
-        </p:txBody>
-      </p:sp>
-      <p:sp>
-        <p:nvSpPr>
-          <p:cNvPr id="7" name="Date Placeholder 6"/>
-          <p:cNvSpPr>
-            <a:spLocks noGrp="1"/>
-          </p:cNvSpPr>
-          <p:nvPr>
-            <p:ph type="dt" sz="half" idx="10"/>
-          </p:nvPr>
-        </p:nvSpPr>
-        <p:spPr/>
-        <p:txBody>
-          <a:bodyPr/>
-          <a:lstStyle/>
-          <a:p>
-            <a:fld id="{241EB5C9-1307-BA42-ABA2-0BC069CD8E7F}" type="datetimeFigureOut">
-              <a:rPr lang="en-US" smtClean="0"/>
-              <a:t>4/5/2019</a:t>
+              <a:t>11/8/2021</a:t>
             </a:fld>
             <a:endParaRPr lang="en-US"/>
           </a:p>
@@ -1800,7 +1844,13 @@
       </p:sp>
       <p:sp>
         <p:nvSpPr>
-          <p:cNvPr id="8" name="Footer Placeholder 7"/>
+          <p:cNvPr id="8" name="Footer Placeholder 7">
+            <a:extLst>
+              <a:ext uri="{FF2B5EF4-FFF2-40B4-BE49-F238E27FC236}">
+                <a16:creationId xmlns:a16="http://schemas.microsoft.com/office/drawing/2014/main" id="{830BFF94-5D81-46BA-B896-8ED64B8B5028}"/>
+              </a:ext>
+            </a:extLst>
+          </p:cNvPr>
           <p:cNvSpPr>
             <a:spLocks noGrp="1"/>
           </p:cNvSpPr>
@@ -1819,7 +1869,13 @@
       </p:sp>
       <p:sp>
         <p:nvSpPr>
-          <p:cNvPr id="9" name="Slide Number Placeholder 8"/>
+          <p:cNvPr id="9" name="Slide Number Placeholder 8">
+            <a:extLst>
+              <a:ext uri="{FF2B5EF4-FFF2-40B4-BE49-F238E27FC236}">
+                <a16:creationId xmlns:a16="http://schemas.microsoft.com/office/drawing/2014/main" id="{A4C7029F-5DC5-4DED-95B2-944B14253BFF}"/>
+              </a:ext>
+            </a:extLst>
+          </p:cNvPr>
           <p:cNvSpPr>
             <a:spLocks noGrp="1"/>
           </p:cNvSpPr>
@@ -1832,7 +1888,7 @@
           <a:bodyPr/>
           <a:lstStyle/>
           <a:p>
-            <a:fld id="{C5EF2332-01BF-834F-8236-50238282D533}" type="slidenum">
+            <a:fld id="{36DA6CAC-05BF-4AF1-AB20-42BAD72448F4}" type="slidenum">
               <a:rPr lang="en-US" smtClean="0"/>
               <a:t>‹#›</a:t>
             </a:fld>
@@ -1843,7 +1899,7 @@
     </p:spTree>
     <p:extLst>
       <p:ext uri="{BB962C8B-B14F-4D97-AF65-F5344CB8AC3E}">
-        <p14:creationId xmlns:p14="http://schemas.microsoft.com/office/powerpoint/2010/main" val="2535793967"/>
+        <p14:creationId xmlns:p14="http://schemas.microsoft.com/office/powerpoint/2010/main" val="961117738"/>
       </p:ext>
     </p:extLst>
   </p:cSld>
@@ -1872,7 +1928,13 @@
       </p:grpSpPr>
       <p:sp>
         <p:nvSpPr>
-          <p:cNvPr id="2" name="Title 1"/>
+          <p:cNvPr id="2" name="Title 1">
+            <a:extLst>
+              <a:ext uri="{FF2B5EF4-FFF2-40B4-BE49-F238E27FC236}">
+                <a16:creationId xmlns:a16="http://schemas.microsoft.com/office/drawing/2014/main" id="{38825AD2-B81B-4C22-8615-C9B55B690276}"/>
+              </a:ext>
+            </a:extLst>
+          </p:cNvPr>
           <p:cNvSpPr>
             <a:spLocks noGrp="1"/>
           </p:cNvSpPr>
@@ -1886,31 +1948,36 @@
           <a:lstStyle/>
           <a:p>
             <a:r>
+              <a:rPr lang="en-US"/>
+              <a:t>Click to edit Master title style</a:t>
+            </a:r>
+          </a:p>
+        </p:txBody>
+      </p:sp>
+      <p:sp>
+        <p:nvSpPr>
+          <p:cNvPr id="3" name="Date Placeholder 2">
+            <a:extLst>
+              <a:ext uri="{FF2B5EF4-FFF2-40B4-BE49-F238E27FC236}">
+                <a16:creationId xmlns:a16="http://schemas.microsoft.com/office/drawing/2014/main" id="{44B45D37-8946-4FC8-94F0-3FCBAD1B17F6}"/>
+              </a:ext>
+            </a:extLst>
+          </p:cNvPr>
+          <p:cNvSpPr>
+            <a:spLocks noGrp="1"/>
+          </p:cNvSpPr>
+          <p:nvPr>
+            <p:ph type="dt" sz="half" idx="10"/>
+          </p:nvPr>
+        </p:nvSpPr>
+        <p:spPr/>
+        <p:txBody>
+          <a:bodyPr/>
+          <a:lstStyle/>
+          <a:p>
+            <a:fld id="{737263FF-EFBD-4DBA-B36D-9E2BD4072FAA}" type="datetime1">
               <a:rPr lang="en-US" smtClean="0"/>
-              <a:t>Click to edit Master title style</a:t>
-            </a:r>
-            <a:endParaRPr lang="en-US"/>
-          </a:p>
-        </p:txBody>
-      </p:sp>
-      <p:sp>
-        <p:nvSpPr>
-          <p:cNvPr id="3" name="Date Placeholder 2"/>
-          <p:cNvSpPr>
-            <a:spLocks noGrp="1"/>
-          </p:cNvSpPr>
-          <p:nvPr>
-            <p:ph type="dt" sz="half" idx="10"/>
-          </p:nvPr>
-        </p:nvSpPr>
-        <p:spPr/>
-        <p:txBody>
-          <a:bodyPr/>
-          <a:lstStyle/>
-          <a:p>
-            <a:fld id="{241EB5C9-1307-BA42-ABA2-0BC069CD8E7F}" type="datetimeFigureOut">
-              <a:rPr lang="en-US" smtClean="0"/>
-              <a:t>4/5/2019</a:t>
+              <a:t>11/8/2021</a:t>
             </a:fld>
             <a:endParaRPr lang="en-US"/>
           </a:p>
@@ -1918,7 +1985,13 @@
       </p:sp>
       <p:sp>
         <p:nvSpPr>
-          <p:cNvPr id="4" name="Footer Placeholder 3"/>
+          <p:cNvPr id="4" name="Footer Placeholder 3">
+            <a:extLst>
+              <a:ext uri="{FF2B5EF4-FFF2-40B4-BE49-F238E27FC236}">
+                <a16:creationId xmlns:a16="http://schemas.microsoft.com/office/drawing/2014/main" id="{D78FA034-1DED-469B-B0F8-B054F2D5DD3F}"/>
+              </a:ext>
+            </a:extLst>
+          </p:cNvPr>
           <p:cNvSpPr>
             <a:spLocks noGrp="1"/>
           </p:cNvSpPr>
@@ -1937,7 +2010,13 @@
       </p:sp>
       <p:sp>
         <p:nvSpPr>
-          <p:cNvPr id="5" name="Slide Number Placeholder 4"/>
+          <p:cNvPr id="5" name="Slide Number Placeholder 4">
+            <a:extLst>
+              <a:ext uri="{FF2B5EF4-FFF2-40B4-BE49-F238E27FC236}">
+                <a16:creationId xmlns:a16="http://schemas.microsoft.com/office/drawing/2014/main" id="{53CEEAB2-F49B-4838-BDBE-AA4D9CB501EB}"/>
+              </a:ext>
+            </a:extLst>
+          </p:cNvPr>
           <p:cNvSpPr>
             <a:spLocks noGrp="1"/>
           </p:cNvSpPr>
@@ -1950,7 +2029,7 @@
           <a:bodyPr/>
           <a:lstStyle/>
           <a:p>
-            <a:fld id="{C5EF2332-01BF-834F-8236-50238282D533}" type="slidenum">
+            <a:fld id="{36DA6CAC-05BF-4AF1-AB20-42BAD72448F4}" type="slidenum">
               <a:rPr lang="en-US" smtClean="0"/>
               <a:t>‹#›</a:t>
             </a:fld>
@@ -1961,7 +2040,7 @@
     </p:spTree>
     <p:extLst>
       <p:ext uri="{BB962C8B-B14F-4D97-AF65-F5344CB8AC3E}">
-        <p14:creationId xmlns:p14="http://schemas.microsoft.com/office/powerpoint/2010/main" val="3472721253"/>
+        <p14:creationId xmlns:p14="http://schemas.microsoft.com/office/powerpoint/2010/main" val="3952510234"/>
       </p:ext>
     </p:extLst>
   </p:cSld>
@@ -1990,7 +2069,13 @@
       </p:grpSpPr>
       <p:sp>
         <p:nvSpPr>
-          <p:cNvPr id="2" name="Date Placeholder 1"/>
+          <p:cNvPr id="2" name="Date Placeholder 1">
+            <a:extLst>
+              <a:ext uri="{FF2B5EF4-FFF2-40B4-BE49-F238E27FC236}">
+                <a16:creationId xmlns:a16="http://schemas.microsoft.com/office/drawing/2014/main" id="{20271270-8928-4689-9225-DE0BA2F7C8CA}"/>
+              </a:ext>
+            </a:extLst>
+          </p:cNvPr>
           <p:cNvSpPr>
             <a:spLocks noGrp="1"/>
           </p:cNvSpPr>
@@ -2003,9 +2088,9 @@
           <a:bodyPr/>
           <a:lstStyle/>
           <a:p>
-            <a:fld id="{241EB5C9-1307-BA42-ABA2-0BC069CD8E7F}" type="datetimeFigureOut">
+            <a:fld id="{66C141D0-DCB6-4FB2-B249-591D7B846DA8}" type="datetime1">
               <a:rPr lang="en-US" smtClean="0"/>
-              <a:t>4/5/2019</a:t>
+              <a:t>11/8/2021</a:t>
             </a:fld>
             <a:endParaRPr lang="en-US"/>
           </a:p>
@@ -2013,7 +2098,13 @@
       </p:sp>
       <p:sp>
         <p:nvSpPr>
-          <p:cNvPr id="3" name="Footer Placeholder 2"/>
+          <p:cNvPr id="3" name="Footer Placeholder 2">
+            <a:extLst>
+              <a:ext uri="{FF2B5EF4-FFF2-40B4-BE49-F238E27FC236}">
+                <a16:creationId xmlns:a16="http://schemas.microsoft.com/office/drawing/2014/main" id="{D1D5D2F7-95C3-46D0-B4C6-9C22D2571FFB}"/>
+              </a:ext>
+            </a:extLst>
+          </p:cNvPr>
           <p:cNvSpPr>
             <a:spLocks noGrp="1"/>
           </p:cNvSpPr>
@@ -2032,7 +2123,13 @@
       </p:sp>
       <p:sp>
         <p:nvSpPr>
-          <p:cNvPr id="4" name="Slide Number Placeholder 3"/>
+          <p:cNvPr id="4" name="Slide Number Placeholder 3">
+            <a:extLst>
+              <a:ext uri="{FF2B5EF4-FFF2-40B4-BE49-F238E27FC236}">
+                <a16:creationId xmlns:a16="http://schemas.microsoft.com/office/drawing/2014/main" id="{10523725-C9B2-462D-972D-76AE9FC8AF1C}"/>
+              </a:ext>
+            </a:extLst>
+          </p:cNvPr>
           <p:cNvSpPr>
             <a:spLocks noGrp="1"/>
           </p:cNvSpPr>
@@ -2045,7 +2142,7 @@
           <a:bodyPr/>
           <a:lstStyle/>
           <a:p>
-            <a:fld id="{C5EF2332-01BF-834F-8236-50238282D533}" type="slidenum">
+            <a:fld id="{36DA6CAC-05BF-4AF1-AB20-42BAD72448F4}" type="slidenum">
               <a:rPr lang="en-US" smtClean="0"/>
               <a:t>‹#›</a:t>
             </a:fld>
@@ -2056,7 +2153,7 @@
     </p:spTree>
     <p:extLst>
       <p:ext uri="{BB962C8B-B14F-4D97-AF65-F5344CB8AC3E}">
-        <p14:creationId xmlns:p14="http://schemas.microsoft.com/office/powerpoint/2010/main" val="2130901097"/>
+        <p14:creationId xmlns:p14="http://schemas.microsoft.com/office/powerpoint/2010/main" val="3692630418"/>
       </p:ext>
     </p:extLst>
   </p:cSld>
@@ -2085,7 +2182,13 @@
       </p:grpSpPr>
       <p:sp>
         <p:nvSpPr>
-          <p:cNvPr id="2" name="Title 1"/>
+          <p:cNvPr id="2" name="Title 1">
+            <a:extLst>
+              <a:ext uri="{FF2B5EF4-FFF2-40B4-BE49-F238E27FC236}">
+                <a16:creationId xmlns:a16="http://schemas.microsoft.com/office/drawing/2014/main" id="{B7EE206E-36AA-42B5-84C7-04F6808A2E37}"/>
+              </a:ext>
+            </a:extLst>
+          </p:cNvPr>
           <p:cNvSpPr>
             <a:spLocks noGrp="1"/>
           </p:cNvSpPr>
@@ -2095,29 +2198,34 @@
         </p:nvSpPr>
         <p:spPr>
           <a:xfrm>
-            <a:off x="457200" y="273050"/>
-            <a:ext cx="3008313" cy="1162050"/>
+            <a:off x="839788" y="457200"/>
+            <a:ext cx="3932237" cy="1600200"/>
           </a:xfrm>
         </p:spPr>
         <p:txBody>
           <a:bodyPr anchor="b"/>
           <a:lstStyle>
-            <a:lvl1pPr algn="l">
-              <a:defRPr sz="2000" b="1"/>
+            <a:lvl1pPr>
+              <a:defRPr sz="3200"/>
             </a:lvl1pPr>
           </a:lstStyle>
           <a:p>
             <a:r>
-              <a:rPr lang="en-US" smtClean="0"/>
+              <a:rPr lang="en-US"/>
               <a:t>Click to edit Master title style</a:t>
             </a:r>
-            <a:endParaRPr lang="en-US"/>
-          </a:p>
-        </p:txBody>
-      </p:sp>
-      <p:sp>
-        <p:nvSpPr>
-          <p:cNvPr id="3" name="Content Placeholder 2"/>
+          </a:p>
+        </p:txBody>
+      </p:sp>
+      <p:sp>
+        <p:nvSpPr>
+          <p:cNvPr id="3" name="Content Placeholder 2">
+            <a:extLst>
+              <a:ext uri="{FF2B5EF4-FFF2-40B4-BE49-F238E27FC236}">
+                <a16:creationId xmlns:a16="http://schemas.microsoft.com/office/drawing/2014/main" id="{EFDBB715-10BE-4B76-A542-262FB3CABEA7}"/>
+              </a:ext>
+            </a:extLst>
+          </p:cNvPr>
           <p:cNvSpPr>
             <a:spLocks noGrp="1"/>
           </p:cNvSpPr>
@@ -2127,8 +2235,8 @@
         </p:nvSpPr>
         <p:spPr>
           <a:xfrm>
-            <a:off x="3575050" y="273050"/>
-            <a:ext cx="5111750" cy="5853113"/>
+            <a:off x="5183188" y="987425"/>
+            <a:ext cx="6172200" cy="4873625"/>
           </a:xfrm>
         </p:spPr>
         <p:txBody>
@@ -2165,44 +2273,49 @@
           <a:p>
             <a:pPr lvl="0"/>
             <a:r>
-              <a:rPr lang="en-US" smtClean="0"/>
+              <a:rPr lang="en-US"/>
               <a:t>Click to edit Master text styles</a:t>
             </a:r>
           </a:p>
           <a:p>
             <a:pPr lvl="1"/>
             <a:r>
-              <a:rPr lang="en-US" smtClean="0"/>
+              <a:rPr lang="en-US"/>
               <a:t>Second level</a:t>
             </a:r>
           </a:p>
           <a:p>
             <a:pPr lvl="2"/>
             <a:r>
-              <a:rPr lang="en-US" smtClean="0"/>
+              <a:rPr lang="en-US"/>
               <a:t>Third level</a:t>
             </a:r>
           </a:p>
           <a:p>
             <a:pPr lvl="3"/>
             <a:r>
-              <a:rPr lang="en-US" smtClean="0"/>
+              <a:rPr lang="en-US"/>
               <a:t>Fourth level</a:t>
             </a:r>
           </a:p>
           <a:p>
             <a:pPr lvl="4"/>
             <a:r>
-              <a:rPr lang="en-US" smtClean="0"/>
+              <a:rPr lang="en-US"/>
               <a:t>Fifth level</a:t>
             </a:r>
-            <a:endParaRPr lang="en-US"/>
-          </a:p>
-        </p:txBody>
-      </p:sp>
-      <p:sp>
-        <p:nvSpPr>
-          <p:cNvPr id="4" name="Text Placeholder 3"/>
+          </a:p>
+        </p:txBody>
+      </p:sp>
+      <p:sp>
+        <p:nvSpPr>
+          <p:cNvPr id="4" name="Text Placeholder 3">
+            <a:extLst>
+              <a:ext uri="{FF2B5EF4-FFF2-40B4-BE49-F238E27FC236}">
+                <a16:creationId xmlns:a16="http://schemas.microsoft.com/office/drawing/2014/main" id="{49620F0A-5046-44D7-A30C-3A9D956F97C3}"/>
+              </a:ext>
+            </a:extLst>
+          </p:cNvPr>
           <p:cNvSpPr>
             <a:spLocks noGrp="1"/>
           </p:cNvSpPr>
@@ -2212,8 +2325,8 @@
         </p:nvSpPr>
         <p:spPr>
           <a:xfrm>
-            <a:off x="457200" y="1435100"/>
-            <a:ext cx="3008313" cy="4691063"/>
+            <a:off x="839788" y="2057400"/>
+            <a:ext cx="3932237" cy="3811588"/>
           </a:xfrm>
         </p:spPr>
         <p:txBody>
@@ -2221,68 +2334,74 @@
           <a:lstStyle>
             <a:lvl1pPr marL="0" indent="0">
               <a:buNone/>
-              <a:defRPr sz="1400"/>
+              <a:defRPr sz="1600"/>
             </a:lvl1pPr>
             <a:lvl2pPr marL="457200" indent="0">
               <a:buNone/>
-              <a:defRPr sz="1200"/>
+              <a:defRPr sz="1400"/>
             </a:lvl2pPr>
             <a:lvl3pPr marL="914400" indent="0">
               <a:buNone/>
-              <a:defRPr sz="1000"/>
+              <a:defRPr sz="1200"/>
             </a:lvl3pPr>
             <a:lvl4pPr marL="1371600" indent="0">
               <a:buNone/>
-              <a:defRPr sz="900"/>
+              <a:defRPr sz="1000"/>
             </a:lvl4pPr>
             <a:lvl5pPr marL="1828800" indent="0">
               <a:buNone/>
-              <a:defRPr sz="900"/>
+              <a:defRPr sz="1000"/>
             </a:lvl5pPr>
             <a:lvl6pPr marL="2286000" indent="0">
               <a:buNone/>
-              <a:defRPr sz="900"/>
+              <a:defRPr sz="1000"/>
             </a:lvl6pPr>
             <a:lvl7pPr marL="2743200" indent="0">
               <a:buNone/>
-              <a:defRPr sz="900"/>
+              <a:defRPr sz="1000"/>
             </a:lvl7pPr>
             <a:lvl8pPr marL="3200400" indent="0">
               <a:buNone/>
-              <a:defRPr sz="900"/>
+              <a:defRPr sz="1000"/>
             </a:lvl8pPr>
             <a:lvl9pPr marL="3657600" indent="0">
               <a:buNone/>
-              <a:defRPr sz="900"/>
+              <a:defRPr sz="1000"/>
             </a:lvl9pPr>
           </a:lstStyle>
           <a:p>
             <a:pPr lvl="0"/>
             <a:r>
+              <a:rPr lang="en-US"/>
+              <a:t>Click to edit Master text styles</a:t>
+            </a:r>
+          </a:p>
+        </p:txBody>
+      </p:sp>
+      <p:sp>
+        <p:nvSpPr>
+          <p:cNvPr id="5" name="Date Placeholder 4">
+            <a:extLst>
+              <a:ext uri="{FF2B5EF4-FFF2-40B4-BE49-F238E27FC236}">
+                <a16:creationId xmlns:a16="http://schemas.microsoft.com/office/drawing/2014/main" id="{D7E60E5F-8D9D-4946-98EB-3F87B32AEFB5}"/>
+              </a:ext>
+            </a:extLst>
+          </p:cNvPr>
+          <p:cNvSpPr>
+            <a:spLocks noGrp="1"/>
+          </p:cNvSpPr>
+          <p:nvPr>
+            <p:ph type="dt" sz="half" idx="10"/>
+          </p:nvPr>
+        </p:nvSpPr>
+        <p:spPr/>
+        <p:txBody>
+          <a:bodyPr/>
+          <a:lstStyle/>
+          <a:p>
+            <a:fld id="{DB66EA14-0229-4F56-B692-87AED5525B37}" type="datetime1">
               <a:rPr lang="en-US" smtClean="0"/>
-              <a:t>Click to edit Master text styles</a:t>
-            </a:r>
-          </a:p>
-        </p:txBody>
-      </p:sp>
-      <p:sp>
-        <p:nvSpPr>
-          <p:cNvPr id="5" name="Date Placeholder 4"/>
-          <p:cNvSpPr>
-            <a:spLocks noGrp="1"/>
-          </p:cNvSpPr>
-          <p:nvPr>
-            <p:ph type="dt" sz="half" idx="10"/>
-          </p:nvPr>
-        </p:nvSpPr>
-        <p:spPr/>
-        <p:txBody>
-          <a:bodyPr/>
-          <a:lstStyle/>
-          <a:p>
-            <a:fld id="{241EB5C9-1307-BA42-ABA2-0BC069CD8E7F}" type="datetimeFigureOut">
-              <a:rPr lang="en-US" smtClean="0"/>
-              <a:t>4/5/2019</a:t>
+              <a:t>11/8/2021</a:t>
             </a:fld>
             <a:endParaRPr lang="en-US"/>
           </a:p>
@@ -2290,7 +2409,13 @@
       </p:sp>
       <p:sp>
         <p:nvSpPr>
-          <p:cNvPr id="6" name="Footer Placeholder 5"/>
+          <p:cNvPr id="6" name="Footer Placeholder 5">
+            <a:extLst>
+              <a:ext uri="{FF2B5EF4-FFF2-40B4-BE49-F238E27FC236}">
+                <a16:creationId xmlns:a16="http://schemas.microsoft.com/office/drawing/2014/main" id="{05705FD5-D2DF-4AF1-81FC-558747E4FDC2}"/>
+              </a:ext>
+            </a:extLst>
+          </p:cNvPr>
           <p:cNvSpPr>
             <a:spLocks noGrp="1"/>
           </p:cNvSpPr>
@@ -2309,7 +2434,13 @@
       </p:sp>
       <p:sp>
         <p:nvSpPr>
-          <p:cNvPr id="7" name="Slide Number Placeholder 6"/>
+          <p:cNvPr id="7" name="Slide Number Placeholder 6">
+            <a:extLst>
+              <a:ext uri="{FF2B5EF4-FFF2-40B4-BE49-F238E27FC236}">
+                <a16:creationId xmlns:a16="http://schemas.microsoft.com/office/drawing/2014/main" id="{30E2A5B2-9C59-4D5E-B6B0-84192C29341C}"/>
+              </a:ext>
+            </a:extLst>
+          </p:cNvPr>
           <p:cNvSpPr>
             <a:spLocks noGrp="1"/>
           </p:cNvSpPr>
@@ -2322,7 +2453,7 @@
           <a:bodyPr/>
           <a:lstStyle/>
           <a:p>
-            <a:fld id="{C5EF2332-01BF-834F-8236-50238282D533}" type="slidenum">
+            <a:fld id="{36DA6CAC-05BF-4AF1-AB20-42BAD72448F4}" type="slidenum">
               <a:rPr lang="en-US" smtClean="0"/>
               <a:t>‹#›</a:t>
             </a:fld>
@@ -2333,7 +2464,7 @@
     </p:spTree>
     <p:extLst>
       <p:ext uri="{BB962C8B-B14F-4D97-AF65-F5344CB8AC3E}">
-        <p14:creationId xmlns:p14="http://schemas.microsoft.com/office/powerpoint/2010/main" val="3540895647"/>
+        <p14:creationId xmlns:p14="http://schemas.microsoft.com/office/powerpoint/2010/main" val="680695864"/>
       </p:ext>
     </p:extLst>
   </p:cSld>
@@ -2362,7 +2493,13 @@
       </p:grpSpPr>
       <p:sp>
         <p:nvSpPr>
-          <p:cNvPr id="2" name="Title 1"/>
+          <p:cNvPr id="2" name="Title 1">
+            <a:extLst>
+              <a:ext uri="{FF2B5EF4-FFF2-40B4-BE49-F238E27FC236}">
+                <a16:creationId xmlns:a16="http://schemas.microsoft.com/office/drawing/2014/main" id="{2E2AD1F0-F0CC-44CE-B844-FF18F93706C5}"/>
+              </a:ext>
+            </a:extLst>
+          </p:cNvPr>
           <p:cNvSpPr>
             <a:spLocks noGrp="1"/>
           </p:cNvSpPr>
@@ -2372,29 +2509,34 @@
         </p:nvSpPr>
         <p:spPr>
           <a:xfrm>
-            <a:off x="1792288" y="4800600"/>
-            <a:ext cx="5486400" cy="566738"/>
+            <a:off x="839788" y="457200"/>
+            <a:ext cx="3932237" cy="1600200"/>
           </a:xfrm>
         </p:spPr>
         <p:txBody>
           <a:bodyPr anchor="b"/>
           <a:lstStyle>
-            <a:lvl1pPr algn="l">
-              <a:defRPr sz="2000" b="1"/>
+            <a:lvl1pPr>
+              <a:defRPr sz="3200"/>
             </a:lvl1pPr>
           </a:lstStyle>
           <a:p>
             <a:r>
-              <a:rPr lang="en-US" smtClean="0"/>
+              <a:rPr lang="en-US"/>
               <a:t>Click to edit Master title style</a:t>
             </a:r>
-            <a:endParaRPr lang="en-US"/>
-          </a:p>
-        </p:txBody>
-      </p:sp>
-      <p:sp>
-        <p:nvSpPr>
-          <p:cNvPr id="3" name="Picture Placeholder 2"/>
+          </a:p>
+        </p:txBody>
+      </p:sp>
+      <p:sp>
+        <p:nvSpPr>
+          <p:cNvPr id="3" name="Picture Placeholder 2">
+            <a:extLst>
+              <a:ext uri="{FF2B5EF4-FFF2-40B4-BE49-F238E27FC236}">
+                <a16:creationId xmlns:a16="http://schemas.microsoft.com/office/drawing/2014/main" id="{25DFD107-21C1-4AE9-B787-35FD65A0C1C5}"/>
+              </a:ext>
+            </a:extLst>
+          </p:cNvPr>
           <p:cNvSpPr>
             <a:spLocks noGrp="1"/>
           </p:cNvSpPr>
@@ -2404,8 +2546,8 @@
         </p:nvSpPr>
         <p:spPr>
           <a:xfrm>
-            <a:off x="1792288" y="612775"/>
-            <a:ext cx="5486400" cy="4114800"/>
+            <a:off x="5183188" y="987425"/>
+            <a:ext cx="6172200" cy="4873625"/>
           </a:xfrm>
         </p:spPr>
         <p:txBody>
@@ -2455,7 +2597,13 @@
       </p:sp>
       <p:sp>
         <p:nvSpPr>
-          <p:cNvPr id="4" name="Text Placeholder 3"/>
+          <p:cNvPr id="4" name="Text Placeholder 3">
+            <a:extLst>
+              <a:ext uri="{FF2B5EF4-FFF2-40B4-BE49-F238E27FC236}">
+                <a16:creationId xmlns:a16="http://schemas.microsoft.com/office/drawing/2014/main" id="{E7164A71-60A2-4747-BE2E-0284629AF2C2}"/>
+              </a:ext>
+            </a:extLst>
+          </p:cNvPr>
           <p:cNvSpPr>
             <a:spLocks noGrp="1"/>
           </p:cNvSpPr>
@@ -2465,8 +2613,8 @@
         </p:nvSpPr>
         <p:spPr>
           <a:xfrm>
-            <a:off x="1792288" y="5367338"/>
-            <a:ext cx="5486400" cy="804862"/>
+            <a:off x="839788" y="2057400"/>
+            <a:ext cx="3932237" cy="3811588"/>
           </a:xfrm>
         </p:spPr>
         <p:txBody>
@@ -2474,68 +2622,74 @@
           <a:lstStyle>
             <a:lvl1pPr marL="0" indent="0">
               <a:buNone/>
-              <a:defRPr sz="1400"/>
+              <a:defRPr sz="1600"/>
             </a:lvl1pPr>
             <a:lvl2pPr marL="457200" indent="0">
               <a:buNone/>
-              <a:defRPr sz="1200"/>
+              <a:defRPr sz="1400"/>
             </a:lvl2pPr>
             <a:lvl3pPr marL="914400" indent="0">
               <a:buNone/>
-              <a:defRPr sz="1000"/>
+              <a:defRPr sz="1200"/>
             </a:lvl3pPr>
             <a:lvl4pPr marL="1371600" indent="0">
               <a:buNone/>
-              <a:defRPr sz="900"/>
+              <a:defRPr sz="1000"/>
             </a:lvl4pPr>
             <a:lvl5pPr marL="1828800" indent="0">
               <a:buNone/>
-              <a:defRPr sz="900"/>
+              <a:defRPr sz="1000"/>
             </a:lvl5pPr>
             <a:lvl6pPr marL="2286000" indent="0">
               <a:buNone/>
-              <a:defRPr sz="900"/>
+              <a:defRPr sz="1000"/>
             </a:lvl6pPr>
             <a:lvl7pPr marL="2743200" indent="0">
               <a:buNone/>
-              <a:defRPr sz="900"/>
+              <a:defRPr sz="1000"/>
             </a:lvl7pPr>
             <a:lvl8pPr marL="3200400" indent="0">
               <a:buNone/>
-              <a:defRPr sz="900"/>
+              <a:defRPr sz="1000"/>
             </a:lvl8pPr>
             <a:lvl9pPr marL="3657600" indent="0">
               <a:buNone/>
-              <a:defRPr sz="900"/>
+              <a:defRPr sz="1000"/>
             </a:lvl9pPr>
           </a:lstStyle>
           <a:p>
             <a:pPr lvl="0"/>
             <a:r>
+              <a:rPr lang="en-US"/>
+              <a:t>Click to edit Master text styles</a:t>
+            </a:r>
+          </a:p>
+        </p:txBody>
+      </p:sp>
+      <p:sp>
+        <p:nvSpPr>
+          <p:cNvPr id="5" name="Date Placeholder 4">
+            <a:extLst>
+              <a:ext uri="{FF2B5EF4-FFF2-40B4-BE49-F238E27FC236}">
+                <a16:creationId xmlns:a16="http://schemas.microsoft.com/office/drawing/2014/main" id="{5CABA8D2-59F0-4E4B-829A-AA92BDE1948F}"/>
+              </a:ext>
+            </a:extLst>
+          </p:cNvPr>
+          <p:cNvSpPr>
+            <a:spLocks noGrp="1"/>
+          </p:cNvSpPr>
+          <p:nvPr>
+            <p:ph type="dt" sz="half" idx="10"/>
+          </p:nvPr>
+        </p:nvSpPr>
+        <p:spPr/>
+        <p:txBody>
+          <a:bodyPr/>
+          <a:lstStyle/>
+          <a:p>
+            <a:fld id="{E99EBBD1-3740-46EA-897B-3A73624B6135}" type="datetime1">
               <a:rPr lang="en-US" smtClean="0"/>
-              <a:t>Click to edit Master text styles</a:t>
-            </a:r>
-          </a:p>
-        </p:txBody>
-      </p:sp>
-      <p:sp>
-        <p:nvSpPr>
-          <p:cNvPr id="5" name="Date Placeholder 4"/>
-          <p:cNvSpPr>
-            <a:spLocks noGrp="1"/>
-          </p:cNvSpPr>
-          <p:nvPr>
-            <p:ph type="dt" sz="half" idx="10"/>
-          </p:nvPr>
-        </p:nvSpPr>
-        <p:spPr/>
-        <p:txBody>
-          <a:bodyPr/>
-          <a:lstStyle/>
-          <a:p>
-            <a:fld id="{241EB5C9-1307-BA42-ABA2-0BC069CD8E7F}" type="datetimeFigureOut">
-              <a:rPr lang="en-US" smtClean="0"/>
-              <a:t>4/5/2019</a:t>
+              <a:t>11/8/2021</a:t>
             </a:fld>
             <a:endParaRPr lang="en-US"/>
           </a:p>
@@ -2543,7 +2697,13 @@
       </p:sp>
       <p:sp>
         <p:nvSpPr>
-          <p:cNvPr id="6" name="Footer Placeholder 5"/>
+          <p:cNvPr id="6" name="Footer Placeholder 5">
+            <a:extLst>
+              <a:ext uri="{FF2B5EF4-FFF2-40B4-BE49-F238E27FC236}">
+                <a16:creationId xmlns:a16="http://schemas.microsoft.com/office/drawing/2014/main" id="{A9CEEDC3-A251-45FA-B281-E2374E956A30}"/>
+              </a:ext>
+            </a:extLst>
+          </p:cNvPr>
           <p:cNvSpPr>
             <a:spLocks noGrp="1"/>
           </p:cNvSpPr>
@@ -2562,7 +2722,13 @@
       </p:sp>
       <p:sp>
         <p:nvSpPr>
-          <p:cNvPr id="7" name="Slide Number Placeholder 6"/>
+          <p:cNvPr id="7" name="Slide Number Placeholder 6">
+            <a:extLst>
+              <a:ext uri="{FF2B5EF4-FFF2-40B4-BE49-F238E27FC236}">
+                <a16:creationId xmlns:a16="http://schemas.microsoft.com/office/drawing/2014/main" id="{7EAFDEF6-B530-4BE1-8C58-428310A98E4A}"/>
+              </a:ext>
+            </a:extLst>
+          </p:cNvPr>
           <p:cNvSpPr>
             <a:spLocks noGrp="1"/>
           </p:cNvSpPr>
@@ -2575,7 +2741,7 @@
           <a:bodyPr/>
           <a:lstStyle/>
           <a:p>
-            <a:fld id="{C5EF2332-01BF-834F-8236-50238282D533}" type="slidenum">
+            <a:fld id="{36DA6CAC-05BF-4AF1-AB20-42BAD72448F4}" type="slidenum">
               <a:rPr lang="en-US" smtClean="0"/>
               <a:t>‹#›</a:t>
             </a:fld>
@@ -2586,7 +2752,7 @@
     </p:spTree>
     <p:extLst>
       <p:ext uri="{BB962C8B-B14F-4D97-AF65-F5344CB8AC3E}">
-        <p14:creationId xmlns:p14="http://schemas.microsoft.com/office/powerpoint/2010/main" val="3566899855"/>
+        <p14:creationId xmlns:p14="http://schemas.microsoft.com/office/powerpoint/2010/main" val="2131250421"/>
       </p:ext>
     </p:extLst>
   </p:cSld>
@@ -2620,7 +2786,13 @@
       </p:grpSpPr>
       <p:sp>
         <p:nvSpPr>
-          <p:cNvPr id="2" name="Title Placeholder 1"/>
+          <p:cNvPr id="2" name="Title Placeholder 1">
+            <a:extLst>
+              <a:ext uri="{FF2B5EF4-FFF2-40B4-BE49-F238E27FC236}">
+                <a16:creationId xmlns:a16="http://schemas.microsoft.com/office/drawing/2014/main" id="{D6386AB2-3154-4647-BA00-363DBF83B6F3}"/>
+              </a:ext>
+            </a:extLst>
+          </p:cNvPr>
           <p:cNvSpPr>
             <a:spLocks noGrp="1"/>
           </p:cNvSpPr>
@@ -2630,8 +2802,8 @@
         </p:nvSpPr>
         <p:spPr>
           <a:xfrm>
-            <a:off x="457200" y="274638"/>
-            <a:ext cx="8229600" cy="1143000"/>
+            <a:off x="838200" y="365125"/>
+            <a:ext cx="10515600" cy="1325563"/>
           </a:xfrm>
           <a:prstGeom prst="rect">
             <a:avLst/>
@@ -2644,16 +2816,21 @@
           <a:lstStyle/>
           <a:p>
             <a:r>
-              <a:rPr lang="en-US" smtClean="0"/>
+              <a:rPr lang="en-US"/>
               <a:t>Click to edit Master title style</a:t>
             </a:r>
-            <a:endParaRPr lang="en-US"/>
-          </a:p>
-        </p:txBody>
-      </p:sp>
-      <p:sp>
-        <p:nvSpPr>
-          <p:cNvPr id="3" name="Text Placeholder 2"/>
+          </a:p>
+        </p:txBody>
+      </p:sp>
+      <p:sp>
+        <p:nvSpPr>
+          <p:cNvPr id="3" name="Text Placeholder 2">
+            <a:extLst>
+              <a:ext uri="{FF2B5EF4-FFF2-40B4-BE49-F238E27FC236}">
+                <a16:creationId xmlns:a16="http://schemas.microsoft.com/office/drawing/2014/main" id="{23CC8FC6-3C09-4B69-BC84-4EF498F089FA}"/>
+              </a:ext>
+            </a:extLst>
+          </p:cNvPr>
           <p:cNvSpPr>
             <a:spLocks noGrp="1"/>
           </p:cNvSpPr>
@@ -2663,8 +2840,8 @@
         </p:nvSpPr>
         <p:spPr>
           <a:xfrm>
-            <a:off x="457200" y="1600200"/>
-            <a:ext cx="8229600" cy="4525963"/>
+            <a:off x="838200" y="1825625"/>
+            <a:ext cx="10515600" cy="4351338"/>
           </a:xfrm>
           <a:prstGeom prst="rect">
             <a:avLst/>
@@ -2678,44 +2855,49 @@
           <a:p>
             <a:pPr lvl="0"/>
             <a:r>
-              <a:rPr lang="en-US" smtClean="0"/>
+              <a:rPr lang="en-US"/>
               <a:t>Click to edit Master text styles</a:t>
             </a:r>
           </a:p>
           <a:p>
             <a:pPr lvl="1"/>
             <a:r>
-              <a:rPr lang="en-US" smtClean="0"/>
+              <a:rPr lang="en-US"/>
               <a:t>Second level</a:t>
             </a:r>
           </a:p>
           <a:p>
             <a:pPr lvl="2"/>
             <a:r>
-              <a:rPr lang="en-US" smtClean="0"/>
+              <a:rPr lang="en-US"/>
               <a:t>Third level</a:t>
             </a:r>
           </a:p>
           <a:p>
             <a:pPr lvl="3"/>
             <a:r>
-              <a:rPr lang="en-US" smtClean="0"/>
+              <a:rPr lang="en-US"/>
               <a:t>Fourth level</a:t>
             </a:r>
           </a:p>
           <a:p>
             <a:pPr lvl="4"/>
             <a:r>
-              <a:rPr lang="en-US" smtClean="0"/>
+              <a:rPr lang="en-US"/>
               <a:t>Fifth level</a:t>
             </a:r>
-            <a:endParaRPr lang="en-US"/>
-          </a:p>
-        </p:txBody>
-      </p:sp>
-      <p:sp>
-        <p:nvSpPr>
-          <p:cNvPr id="4" name="Date Placeholder 3"/>
+          </a:p>
+        </p:txBody>
+      </p:sp>
+      <p:sp>
+        <p:nvSpPr>
+          <p:cNvPr id="4" name="Date Placeholder 3">
+            <a:extLst>
+              <a:ext uri="{FF2B5EF4-FFF2-40B4-BE49-F238E27FC236}">
+                <a16:creationId xmlns:a16="http://schemas.microsoft.com/office/drawing/2014/main" id="{9B4B410C-C6DB-4C51-B355-EB553C491948}"/>
+              </a:ext>
+            </a:extLst>
+          </p:cNvPr>
           <p:cNvSpPr>
             <a:spLocks noGrp="1"/>
           </p:cNvSpPr>
@@ -2725,8 +2907,8 @@
         </p:nvSpPr>
         <p:spPr>
           <a:xfrm>
-            <a:off x="457200" y="6356350"/>
-            <a:ext cx="2133600" cy="365125"/>
+            <a:off x="838200" y="6356350"/>
+            <a:ext cx="2743200" cy="365125"/>
           </a:xfrm>
           <a:prstGeom prst="rect">
             <a:avLst/>
@@ -2746,9 +2928,9 @@
             </a:lvl1pPr>
           </a:lstStyle>
           <a:p>
-            <a:fld id="{241EB5C9-1307-BA42-ABA2-0BC069CD8E7F}" type="datetimeFigureOut">
+            <a:fld id="{007BC287-B3D5-41E7-8BF6-A85A14F18987}" type="datetime1">
               <a:rPr lang="en-US" smtClean="0"/>
-              <a:t>4/5/2019</a:t>
+              <a:t>11/8/2021</a:t>
             </a:fld>
             <a:endParaRPr lang="en-US"/>
           </a:p>
@@ -2756,7 +2938,13 @@
       </p:sp>
       <p:sp>
         <p:nvSpPr>
-          <p:cNvPr id="5" name="Footer Placeholder 4"/>
+          <p:cNvPr id="5" name="Footer Placeholder 4">
+            <a:extLst>
+              <a:ext uri="{FF2B5EF4-FFF2-40B4-BE49-F238E27FC236}">
+                <a16:creationId xmlns:a16="http://schemas.microsoft.com/office/drawing/2014/main" id="{82CEB8E7-7474-4EC8-A590-584825A53BFB}"/>
+              </a:ext>
+            </a:extLst>
+          </p:cNvPr>
           <p:cNvSpPr>
             <a:spLocks noGrp="1"/>
           </p:cNvSpPr>
@@ -2766,8 +2954,8 @@
         </p:nvSpPr>
         <p:spPr>
           <a:xfrm>
-            <a:off x="3124200" y="6356350"/>
-            <a:ext cx="2895600" cy="365125"/>
+            <a:off x="4038600" y="6356350"/>
+            <a:ext cx="4114800" cy="365125"/>
           </a:xfrm>
           <a:prstGeom prst="rect">
             <a:avLst/>
@@ -2793,7 +2981,13 @@
       </p:sp>
       <p:sp>
         <p:nvSpPr>
-          <p:cNvPr id="6" name="Slide Number Placeholder 5"/>
+          <p:cNvPr id="6" name="Slide Number Placeholder 5">
+            <a:extLst>
+              <a:ext uri="{FF2B5EF4-FFF2-40B4-BE49-F238E27FC236}">
+                <a16:creationId xmlns:a16="http://schemas.microsoft.com/office/drawing/2014/main" id="{286F98E5-0DA2-4896-959F-8BD0FE5794FD}"/>
+              </a:ext>
+            </a:extLst>
+          </p:cNvPr>
           <p:cNvSpPr>
             <a:spLocks noGrp="1"/>
           </p:cNvSpPr>
@@ -2803,8 +2997,8 @@
         </p:nvSpPr>
         <p:spPr>
           <a:xfrm>
-            <a:off x="6553200" y="6356350"/>
-            <a:ext cx="2133600" cy="365125"/>
+            <a:off x="8610600" y="6356350"/>
+            <a:ext cx="2743200" cy="365125"/>
           </a:xfrm>
           <a:prstGeom prst="rect">
             <a:avLst/>
@@ -2824,7 +3018,7 @@
             </a:lvl1pPr>
           </a:lstStyle>
           <a:p>
-            <a:fld id="{C5EF2332-01BF-834F-8236-50238282D533}" type="slidenum">
+            <a:fld id="{36DA6CAC-05BF-4AF1-AB20-42BAD72448F4}" type="slidenum">
               <a:rPr lang="en-US" smtClean="0"/>
               <a:t>‹#›</a:t>
             </a:fld>
@@ -2835,7 +3029,7 @@
     </p:spTree>
     <p:extLst>
       <p:ext uri="{BB962C8B-B14F-4D97-AF65-F5344CB8AC3E}">
-        <p14:creationId xmlns:p14="http://schemas.microsoft.com/office/powerpoint/2010/main" val="3676200875"/>
+        <p14:creationId xmlns:p14="http://schemas.microsoft.com/office/powerpoint/2010/main" val="1851193920"/>
       </p:ext>
     </p:extLst>
   </p:cSld>
@@ -2853,9 +3047,13 @@
     <p:sldLayoutId id="2147483658" r:id="rId10"/>
     <p:sldLayoutId id="2147483659" r:id="rId11"/>
   </p:sldLayoutIdLst>
+  <p:hf hdr="0" ftr="0" dt="0"/>
   <p:txStyles>
     <p:titleStyle>
-      <a:lvl1pPr algn="ctr" defTabSz="457200" rtl="0" eaLnBrk="1" latinLnBrk="0" hangingPunct="1">
+      <a:lvl1pPr algn="l" defTabSz="914400" rtl="0" eaLnBrk="1" latinLnBrk="0" hangingPunct="1">
+        <a:lnSpc>
+          <a:spcPct val="90000"/>
+        </a:lnSpc>
         <a:spcBef>
           <a:spcPct val="0"/>
         </a:spcBef>
@@ -2871,13 +3069,16 @@
       </a:lvl1pPr>
     </p:titleStyle>
     <p:bodyStyle>
-      <a:lvl1pPr marL="342900" indent="-342900" algn="l" defTabSz="457200" rtl="0" eaLnBrk="1" latinLnBrk="0" hangingPunct="1">
+      <a:lvl1pPr marL="228600" indent="-228600" algn="l" defTabSz="914400" rtl="0" eaLnBrk="1" latinLnBrk="0" hangingPunct="1">
+        <a:lnSpc>
+          <a:spcPct val="90000"/>
+        </a:lnSpc>
         <a:spcBef>
-          <a:spcPct val="20000"/>
+          <a:spcPts val="1000"/>
         </a:spcBef>
-        <a:buFont typeface="Arial"/>
+        <a:buFont typeface="Arial" panose="020B0604020202020204" pitchFamily="34" charset="0"/>
         <a:buChar char="•"/>
-        <a:defRPr sz="3200" kern="1200">
+        <a:defRPr sz="2800" kern="1200">
           <a:solidFill>
             <a:schemeClr val="tx1"/>
           </a:solidFill>
@@ -2886,26 +3087,14 @@
           <a:cs typeface="+mn-cs"/>
         </a:defRPr>
       </a:lvl1pPr>
-      <a:lvl2pPr marL="742950" indent="-285750" algn="l" defTabSz="457200" rtl="0" eaLnBrk="1" latinLnBrk="0" hangingPunct="1">
+      <a:lvl2pPr marL="685800" indent="-228600" algn="l" defTabSz="914400" rtl="0" eaLnBrk="1" latinLnBrk="0" hangingPunct="1">
+        <a:lnSpc>
+          <a:spcPct val="90000"/>
+        </a:lnSpc>
         <a:spcBef>
-          <a:spcPct val="20000"/>
+          <a:spcPts val="500"/>
         </a:spcBef>
-        <a:buFont typeface="Arial"/>
-        <a:buChar char="–"/>
-        <a:defRPr sz="2800" kern="1200">
-          <a:solidFill>
-            <a:schemeClr val="tx1"/>
-          </a:solidFill>
-          <a:latin typeface="+mn-lt"/>
-          <a:ea typeface="+mn-ea"/>
-          <a:cs typeface="+mn-cs"/>
-        </a:defRPr>
-      </a:lvl2pPr>
-      <a:lvl3pPr marL="1143000" indent="-228600" algn="l" defTabSz="457200" rtl="0" eaLnBrk="1" latinLnBrk="0" hangingPunct="1">
-        <a:spcBef>
-          <a:spcPct val="20000"/>
-        </a:spcBef>
-        <a:buFont typeface="Arial"/>
+        <a:buFont typeface="Arial" panose="020B0604020202020204" pitchFamily="34" charset="0"/>
         <a:buChar char="•"/>
         <a:defRPr sz="2400" kern="1200">
           <a:solidFill>
@@ -2915,42 +3104,15 @@
           <a:ea typeface="+mn-ea"/>
           <a:cs typeface="+mn-cs"/>
         </a:defRPr>
-      </a:lvl3pPr>
-      <a:lvl4pPr marL="1600200" indent="-228600" algn="l" defTabSz="457200" rtl="0" eaLnBrk="1" latinLnBrk="0" hangingPunct="1">
+      </a:lvl2pPr>
+      <a:lvl3pPr marL="1143000" indent="-228600" algn="l" defTabSz="914400" rtl="0" eaLnBrk="1" latinLnBrk="0" hangingPunct="1">
+        <a:lnSpc>
+          <a:spcPct val="90000"/>
+        </a:lnSpc>
         <a:spcBef>
-          <a:spcPct val="20000"/>
+          <a:spcPts val="500"/>
         </a:spcBef>
-        <a:buFont typeface="Arial"/>
-        <a:buChar char="–"/>
-        <a:defRPr sz="2000" kern="1200">
-          <a:solidFill>
-            <a:schemeClr val="tx1"/>
-          </a:solidFill>
-          <a:latin typeface="+mn-lt"/>
-          <a:ea typeface="+mn-ea"/>
-          <a:cs typeface="+mn-cs"/>
-        </a:defRPr>
-      </a:lvl4pPr>
-      <a:lvl5pPr marL="2057400" indent="-228600" algn="l" defTabSz="457200" rtl="0" eaLnBrk="1" latinLnBrk="0" hangingPunct="1">
-        <a:spcBef>
-          <a:spcPct val="20000"/>
-        </a:spcBef>
-        <a:buFont typeface="Arial"/>
-        <a:buChar char="»"/>
-        <a:defRPr sz="2000" kern="1200">
-          <a:solidFill>
-            <a:schemeClr val="tx1"/>
-          </a:solidFill>
-          <a:latin typeface="+mn-lt"/>
-          <a:ea typeface="+mn-ea"/>
-          <a:cs typeface="+mn-cs"/>
-        </a:defRPr>
-      </a:lvl5pPr>
-      <a:lvl6pPr marL="2514600" indent="-228600" algn="l" defTabSz="457200" rtl="0" eaLnBrk="1" latinLnBrk="0" hangingPunct="1">
-        <a:spcBef>
-          <a:spcPct val="20000"/>
-        </a:spcBef>
-        <a:buFont typeface="Arial"/>
+        <a:buFont typeface="Arial" panose="020B0604020202020204" pitchFamily="34" charset="0"/>
         <a:buChar char="•"/>
         <a:defRPr sz="2000" kern="1200">
           <a:solidFill>
@@ -2960,14 +3122,71 @@
           <a:ea typeface="+mn-ea"/>
           <a:cs typeface="+mn-cs"/>
         </a:defRPr>
+      </a:lvl3pPr>
+      <a:lvl4pPr marL="1600200" indent="-228600" algn="l" defTabSz="914400" rtl="0" eaLnBrk="1" latinLnBrk="0" hangingPunct="1">
+        <a:lnSpc>
+          <a:spcPct val="90000"/>
+        </a:lnSpc>
+        <a:spcBef>
+          <a:spcPts val="500"/>
+        </a:spcBef>
+        <a:buFont typeface="Arial" panose="020B0604020202020204" pitchFamily="34" charset="0"/>
+        <a:buChar char="•"/>
+        <a:defRPr sz="1800" kern="1200">
+          <a:solidFill>
+            <a:schemeClr val="tx1"/>
+          </a:solidFill>
+          <a:latin typeface="+mn-lt"/>
+          <a:ea typeface="+mn-ea"/>
+          <a:cs typeface="+mn-cs"/>
+        </a:defRPr>
+      </a:lvl4pPr>
+      <a:lvl5pPr marL="2057400" indent="-228600" algn="l" defTabSz="914400" rtl="0" eaLnBrk="1" latinLnBrk="0" hangingPunct="1">
+        <a:lnSpc>
+          <a:spcPct val="90000"/>
+        </a:lnSpc>
+        <a:spcBef>
+          <a:spcPts val="500"/>
+        </a:spcBef>
+        <a:buFont typeface="Arial" panose="020B0604020202020204" pitchFamily="34" charset="0"/>
+        <a:buChar char="•"/>
+        <a:defRPr sz="1800" kern="1200">
+          <a:solidFill>
+            <a:schemeClr val="tx1"/>
+          </a:solidFill>
+          <a:latin typeface="+mn-lt"/>
+          <a:ea typeface="+mn-ea"/>
+          <a:cs typeface="+mn-cs"/>
+        </a:defRPr>
+      </a:lvl5pPr>
+      <a:lvl6pPr marL="2514600" indent="-228600" algn="l" defTabSz="914400" rtl="0" eaLnBrk="1" latinLnBrk="0" hangingPunct="1">
+        <a:lnSpc>
+          <a:spcPct val="90000"/>
+        </a:lnSpc>
+        <a:spcBef>
+          <a:spcPts val="500"/>
+        </a:spcBef>
+        <a:buFont typeface="Arial" panose="020B0604020202020204" pitchFamily="34" charset="0"/>
+        <a:buChar char="•"/>
+        <a:defRPr sz="1800" kern="1200">
+          <a:solidFill>
+            <a:schemeClr val="tx1"/>
+          </a:solidFill>
+          <a:latin typeface="+mn-lt"/>
+          <a:ea typeface="+mn-ea"/>
+          <a:cs typeface="+mn-cs"/>
+        </a:defRPr>
       </a:lvl6pPr>
-      <a:lvl7pPr marL="2971800" indent="-228600" algn="l" defTabSz="457200" rtl="0" eaLnBrk="1" latinLnBrk="0" hangingPunct="1">
+      <a:lvl7pPr marL="2971800" indent="-228600" algn="l" defTabSz="914400" rtl="0" eaLnBrk="1" latinLnBrk="0" hangingPunct="1">
+        <a:lnSpc>
+          <a:spcPct val="90000"/>
+        </a:lnSpc>
         <a:spcBef>
-          <a:spcPct val="20000"/>
+          <a:spcPts val="500"/>
         </a:spcBef>
-        <a:buFont typeface="Arial"/>
+        <a:buFont typeface="Arial" panose="020B0604020202020204" pitchFamily="34" charset="0"/>
         <a:buChar char="•"/>
-        <a:defRPr sz="2000" kern="1200">
+        <a:defRPr sz="1800" kern="1200">
           <a:solidFill>
             <a:schemeClr val="tx1"/>
           </a:solidFill>
@@ -2976,13 +3195,16 @@
           <a:cs typeface="+mn-cs"/>
         </a:defRPr>
       </a:lvl7pPr>
-      <a:lvl8pPr marL="3429000" indent="-228600" algn="l" defTabSz="457200" rtl="0" eaLnBrk="1" latinLnBrk="0" hangingPunct="1">
+      <a:lvl8pPr marL="3429000" indent="-228600" algn="l" defTabSz="914400" rtl="0" eaLnBrk="1" latinLnBrk="0" hangingPunct="1">
+        <a:lnSpc>
+          <a:spcPct val="90000"/>
+        </a:lnSpc>
         <a:spcBef>
-          <a:spcPct val="20000"/>
+          <a:spcPts val="500"/>
         </a:spcBef>
-        <a:buFont typeface="Arial"/>
+        <a:buFont typeface="Arial" panose="020B0604020202020204" pitchFamily="34" charset="0"/>
         <a:buChar char="•"/>
-        <a:defRPr sz="2000" kern="1200">
+        <a:defRPr sz="1800" kern="1200">
           <a:solidFill>
             <a:schemeClr val="tx1"/>
           </a:solidFill>
@@ -2991,13 +3213,16 @@
           <a:cs typeface="+mn-cs"/>
         </a:defRPr>
       </a:lvl8pPr>
-      <a:lvl9pPr marL="3886200" indent="-228600" algn="l" defTabSz="457200" rtl="0" eaLnBrk="1" latinLnBrk="0" hangingPunct="1">
+      <a:lvl9pPr marL="3886200" indent="-228600" algn="l" defTabSz="914400" rtl="0" eaLnBrk="1" latinLnBrk="0" hangingPunct="1">
+        <a:lnSpc>
+          <a:spcPct val="90000"/>
+        </a:lnSpc>
         <a:spcBef>
-          <a:spcPct val="20000"/>
+          <a:spcPts val="500"/>
         </a:spcBef>
-        <a:buFont typeface="Arial"/>
+        <a:buFont typeface="Arial" panose="020B0604020202020204" pitchFamily="34" charset="0"/>
         <a:buChar char="•"/>
-        <a:defRPr sz="2000" kern="1200">
+        <a:defRPr sz="1800" kern="1200">
           <a:solidFill>
             <a:schemeClr val="tx1"/>
           </a:solidFill>
@@ -3011,7 +3236,7 @@
       <a:defPPr>
         <a:defRPr lang="en-US"/>
       </a:defPPr>
-      <a:lvl1pPr marL="0" algn="l" defTabSz="457200" rtl="0" eaLnBrk="1" latinLnBrk="0" hangingPunct="1">
+      <a:lvl1pPr marL="0" algn="l" defTabSz="914400" rtl="0" eaLnBrk="1" latinLnBrk="0" hangingPunct="1">
         <a:defRPr sz="1800" kern="1200">
           <a:solidFill>
             <a:schemeClr val="tx1"/>
@@ -3021,7 +3246,7 @@
           <a:cs typeface="+mn-cs"/>
         </a:defRPr>
       </a:lvl1pPr>
-      <a:lvl2pPr marL="457200" algn="l" defTabSz="457200" rtl="0" eaLnBrk="1" latinLnBrk="0" hangingPunct="1">
+      <a:lvl2pPr marL="457200" algn="l" defTabSz="914400" rtl="0" eaLnBrk="1" latinLnBrk="0" hangingPunct="1">
         <a:defRPr sz="1800" kern="1200">
           <a:solidFill>
             <a:schemeClr val="tx1"/>
@@ -3031,7 +3256,7 @@
           <a:cs typeface="+mn-cs"/>
         </a:defRPr>
       </a:lvl2pPr>
-      <a:lvl3pPr marL="914400" algn="l" defTabSz="457200" rtl="0" eaLnBrk="1" latinLnBrk="0" hangingPunct="1">
+      <a:lvl3pPr marL="914400" algn="l" defTabSz="914400" rtl="0" eaLnBrk="1" latinLnBrk="0" hangingPunct="1">
         <a:defRPr sz="1800" kern="1200">
           <a:solidFill>
             <a:schemeClr val="tx1"/>
@@ -3041,7 +3266,7 @@
           <a:cs typeface="+mn-cs"/>
         </a:defRPr>
       </a:lvl3pPr>
-      <a:lvl4pPr marL="1371600" algn="l" defTabSz="457200" rtl="0" eaLnBrk="1" latinLnBrk="0" hangingPunct="1">
+      <a:lvl4pPr marL="1371600" algn="l" defTabSz="914400" rtl="0" eaLnBrk="1" latinLnBrk="0" hangingPunct="1">
         <a:defRPr sz="1800" kern="1200">
           <a:solidFill>
             <a:schemeClr val="tx1"/>
@@ -3051,7 +3276,7 @@
           <a:cs typeface="+mn-cs"/>
         </a:defRPr>
       </a:lvl4pPr>
-      <a:lvl5pPr marL="1828800" algn="l" defTabSz="457200" rtl="0" eaLnBrk="1" latinLnBrk="0" hangingPunct="1">
+      <a:lvl5pPr marL="1828800" algn="l" defTabSz="914400" rtl="0" eaLnBrk="1" latinLnBrk="0" hangingPunct="1">
         <a:defRPr sz="1800" kern="1200">
           <a:solidFill>
             <a:schemeClr val="tx1"/>
@@ -3061,7 +3286,7 @@
           <a:cs typeface="+mn-cs"/>
         </a:defRPr>
       </a:lvl5pPr>
-      <a:lvl6pPr marL="2286000" algn="l" defTabSz="457200" rtl="0" eaLnBrk="1" latinLnBrk="0" hangingPunct="1">
+      <a:lvl6pPr marL="2286000" algn="l" defTabSz="914400" rtl="0" eaLnBrk="1" latinLnBrk="0" hangingPunct="1">
         <a:defRPr sz="1800" kern="1200">
           <a:solidFill>
             <a:schemeClr val="tx1"/>
@@ -3071,7 +3296,7 @@
           <a:cs typeface="+mn-cs"/>
         </a:defRPr>
       </a:lvl6pPr>
-      <a:lvl7pPr marL="2743200" algn="l" defTabSz="457200" rtl="0" eaLnBrk="1" latinLnBrk="0" hangingPunct="1">
+      <a:lvl7pPr marL="2743200" algn="l" defTabSz="914400" rtl="0" eaLnBrk="1" latinLnBrk="0" hangingPunct="1">
         <a:defRPr sz="1800" kern="1200">
           <a:solidFill>
             <a:schemeClr val="tx1"/>
@@ -3081,7 +3306,7 @@
           <a:cs typeface="+mn-cs"/>
         </a:defRPr>
       </a:lvl7pPr>
-      <a:lvl8pPr marL="3200400" algn="l" defTabSz="457200" rtl="0" eaLnBrk="1" latinLnBrk="0" hangingPunct="1">
+      <a:lvl8pPr marL="3200400" algn="l" defTabSz="914400" rtl="0" eaLnBrk="1" latinLnBrk="0" hangingPunct="1">
         <a:defRPr sz="1800" kern="1200">
           <a:solidFill>
             <a:schemeClr val="tx1"/>
@@ -3091,7 +3316,7 @@
           <a:cs typeface="+mn-cs"/>
         </a:defRPr>
       </a:lvl8pPr>
-      <a:lvl9pPr marL="3657600" algn="l" defTabSz="457200" rtl="0" eaLnBrk="1" latinLnBrk="0" hangingPunct="1">
+      <a:lvl9pPr marL="3657600" algn="l" defTabSz="914400" rtl="0" eaLnBrk="1" latinLnBrk="0" hangingPunct="1">
         <a:defRPr sz="1800" kern="1200">
           <a:solidFill>
             <a:schemeClr val="tx1"/>
@@ -3125,7 +3350,13 @@
       </p:grpSpPr>
       <p:sp>
         <p:nvSpPr>
-          <p:cNvPr id="2" name="Title 1"/>
+          <p:cNvPr id="2" name="Title 1">
+            <a:extLst>
+              <a:ext uri="{FF2B5EF4-FFF2-40B4-BE49-F238E27FC236}">
+                <a16:creationId xmlns:a16="http://schemas.microsoft.com/office/drawing/2014/main" id="{DCD944C5-98BB-442A-9446-DE55EC2FD4D6}"/>
+              </a:ext>
+            </a:extLst>
+          </p:cNvPr>
           <p:cNvSpPr>
             <a:spLocks noGrp="1"/>
           </p:cNvSpPr>
@@ -3135,8 +3366,8 @@
         </p:nvSpPr>
         <p:spPr>
           <a:xfrm>
-            <a:off x="685800" y="2130425"/>
-            <a:ext cx="7772400" cy="1470025"/>
+            <a:off x="1524000" y="1122363"/>
+            <a:ext cx="9144000" cy="2387600"/>
           </a:xfrm>
         </p:spPr>
         <p:txBody>
@@ -3171,7 +3402,13 @@
       </p:sp>
       <p:sp>
         <p:nvSpPr>
-          <p:cNvPr id="3" name="Subtitle 2"/>
+          <p:cNvPr id="3" name="Subtitle 2">
+            <a:extLst>
+              <a:ext uri="{FF2B5EF4-FFF2-40B4-BE49-F238E27FC236}">
+                <a16:creationId xmlns:a16="http://schemas.microsoft.com/office/drawing/2014/main" id="{73208190-F810-45C0-AD70-3DC41867A161}"/>
+              </a:ext>
+            </a:extLst>
+          </p:cNvPr>
           <p:cNvSpPr>
             <a:spLocks noGrp="1"/>
           </p:cNvSpPr>
@@ -3181,8 +3418,8 @@
         </p:nvSpPr>
         <p:spPr>
           <a:xfrm>
-            <a:off x="1371600" y="3886200"/>
-            <a:ext cx="6400800" cy="1752600"/>
+            <a:off x="1524000" y="3602038"/>
+            <a:ext cx="9144000" cy="1655762"/>
           </a:xfrm>
         </p:spPr>
         <p:txBody>
@@ -3203,7 +3440,13 @@
       </p:sp>
       <p:sp>
         <p:nvSpPr>
-          <p:cNvPr id="4" name="Date Placeholder 3"/>
+          <p:cNvPr id="4" name="Date Placeholder 3">
+            <a:extLst>
+              <a:ext uri="{FF2B5EF4-FFF2-40B4-BE49-F238E27FC236}">
+                <a16:creationId xmlns:a16="http://schemas.microsoft.com/office/drawing/2014/main" id="{8D2BB01B-0727-4BEE-ACD5-C39C750FD12D}"/>
+              </a:ext>
+            </a:extLst>
+          </p:cNvPr>
           <p:cNvSpPr>
             <a:spLocks noGrp="1"/>
           </p:cNvSpPr>
@@ -3250,7 +3493,13 @@
       </p:grpSpPr>
       <p:sp>
         <p:nvSpPr>
-          <p:cNvPr id="2" name="Title 1"/>
+          <p:cNvPr id="2" name="Title 1">
+            <a:extLst>
+              <a:ext uri="{FF2B5EF4-FFF2-40B4-BE49-F238E27FC236}">
+                <a16:creationId xmlns:a16="http://schemas.microsoft.com/office/drawing/2014/main" id="{4A7312EB-0433-4B75-BFA3-EDC7DC383CBC}"/>
+              </a:ext>
+            </a:extLst>
+          </p:cNvPr>
           <p:cNvSpPr>
             <a:spLocks noGrp="1"/>
           </p:cNvSpPr>
@@ -3291,7 +3540,13 @@
       </p:sp>
       <p:sp>
         <p:nvSpPr>
-          <p:cNvPr id="3" name="Content Placeholder 2"/>
+          <p:cNvPr id="3" name="Content Placeholder 2">
+            <a:extLst>
+              <a:ext uri="{FF2B5EF4-FFF2-40B4-BE49-F238E27FC236}">
+                <a16:creationId xmlns:a16="http://schemas.microsoft.com/office/drawing/2014/main" id="{0CE84060-CA26-4E18-AB1F-5C4520C4E4A1}"/>
+              </a:ext>
+            </a:extLst>
+          </p:cNvPr>
           <p:cNvSpPr>
             <a:spLocks noGrp="1"/>
           </p:cNvSpPr>
@@ -3383,7 +3638,13 @@
       </p:grpSpPr>
       <p:sp>
         <p:nvSpPr>
-          <p:cNvPr id="2" name="Title 1"/>
+          <p:cNvPr id="2" name="Title 1">
+            <a:extLst>
+              <a:ext uri="{FF2B5EF4-FFF2-40B4-BE49-F238E27FC236}">
+                <a16:creationId xmlns:a16="http://schemas.microsoft.com/office/drawing/2014/main" id="{4A7312EB-0433-4B75-BFA3-EDC7DC383CBC}"/>
+              </a:ext>
+            </a:extLst>
+          </p:cNvPr>
           <p:cNvSpPr>
             <a:spLocks noGrp="1"/>
           </p:cNvSpPr>
@@ -3432,7 +3693,13 @@
       </p:sp>
       <p:sp>
         <p:nvSpPr>
-          <p:cNvPr id="3" name="Content Placeholder 2"/>
+          <p:cNvPr id="3" name="Content Placeholder 2">
+            <a:extLst>
+              <a:ext uri="{FF2B5EF4-FFF2-40B4-BE49-F238E27FC236}">
+                <a16:creationId xmlns:a16="http://schemas.microsoft.com/office/drawing/2014/main" id="{0CE84060-CA26-4E18-AB1F-5C4520C4E4A1}"/>
+              </a:ext>
+            </a:extLst>
+          </p:cNvPr>
           <p:cNvSpPr>
             <a:spLocks noGrp="1"/>
           </p:cNvSpPr>
@@ -3488,7 +3755,13 @@
       </p:grpSpPr>
       <p:sp>
         <p:nvSpPr>
-          <p:cNvPr id="2" name="Title 1"/>
+          <p:cNvPr id="2" name="Title 1">
+            <a:extLst>
+              <a:ext uri="{FF2B5EF4-FFF2-40B4-BE49-F238E27FC236}">
+                <a16:creationId xmlns:a16="http://schemas.microsoft.com/office/drawing/2014/main" id="{4A7312EB-0433-4B75-BFA3-EDC7DC383CBC}"/>
+              </a:ext>
+            </a:extLst>
+          </p:cNvPr>
           <p:cNvSpPr>
             <a:spLocks noGrp="1"/>
           </p:cNvSpPr>
@@ -3529,7 +3802,13 @@
       </p:sp>
       <p:sp>
         <p:nvSpPr>
-          <p:cNvPr id="3" name="Content Placeholder 2"/>
+          <p:cNvPr id="3" name="Content Placeholder 2">
+            <a:extLst>
+              <a:ext uri="{FF2B5EF4-FFF2-40B4-BE49-F238E27FC236}">
+                <a16:creationId xmlns:a16="http://schemas.microsoft.com/office/drawing/2014/main" id="{0CE84060-CA26-4E18-AB1F-5C4520C4E4A1}"/>
+              </a:ext>
+            </a:extLst>
+          </p:cNvPr>
           <p:cNvSpPr>
             <a:spLocks noGrp="1"/>
           </p:cNvSpPr>
@@ -3581,7 +3860,7 @@
               <a:rPr>
                 <a:latin typeface="Courier"/>
               </a:rPr>
-              <a:t>ma_lgl</a:t>
+              <a:t>map_lgl</a:t>
             </a:r>
             <a:r>
               <a:rPr/>
@@ -3654,7 +3933,13 @@
       </p:grpSpPr>
       <p:sp>
         <p:nvSpPr>
-          <p:cNvPr id="2" name="Title 1"/>
+          <p:cNvPr id="2" name="Title 1">
+            <a:extLst>
+              <a:ext uri="{FF2B5EF4-FFF2-40B4-BE49-F238E27FC236}">
+                <a16:creationId xmlns:a16="http://schemas.microsoft.com/office/drawing/2014/main" id="{4A7312EB-0433-4B75-BFA3-EDC7DC383CBC}"/>
+              </a:ext>
+            </a:extLst>
+          </p:cNvPr>
           <p:cNvSpPr>
             <a:spLocks noGrp="1"/>
           </p:cNvSpPr>
@@ -3687,7 +3972,13 @@
       </p:sp>
       <p:sp>
         <p:nvSpPr>
-          <p:cNvPr id="3" name="Content Placeholder 2"/>
+          <p:cNvPr id="3" name="Content Placeholder 2">
+            <a:extLst>
+              <a:ext uri="{FF2B5EF4-FFF2-40B4-BE49-F238E27FC236}">
+                <a16:creationId xmlns:a16="http://schemas.microsoft.com/office/drawing/2014/main" id="{0CE84060-CA26-4E18-AB1F-5C4520C4E4A1}"/>
+              </a:ext>
+            </a:extLst>
+          </p:cNvPr>
           <p:cNvSpPr>
             <a:spLocks noGrp="1"/>
           </p:cNvSpPr>
@@ -3742,6 +4033,848 @@
             <a:r>
               <a:rPr/>
               <a:t>This is a simple (atomic) vector instead of a list.</a:t>
+            </a:r>
+          </a:p>
+          <a:p>
+            <a:pPr lvl="1"/>
+            <a:r>
+              <a:rPr/>
+              <a:t>Let’s see some more interesting use cases.</a:t>
+            </a:r>
+          </a:p>
+        </p:txBody>
+      </p:sp>
+    </p:spTree>
+  </p:cSld>
+</p:sld>
+</file>
+
+<file path=ppt/slides/slide14.xml><?xml version="1.0" encoding="utf-8"?>
+<p:sld xmlns:a="http://schemas.openxmlformats.org/drawingml/2006/main" xmlns:r="http://schemas.openxmlformats.org/officeDocument/2006/relationships" xmlns:p="http://schemas.openxmlformats.org/presentationml/2006/main">
+  <p:cSld>
+    <p:spTree>
+      <p:nvGrpSpPr>
+        <p:cNvPr id="1" name=""/>
+        <p:cNvGrpSpPr/>
+        <p:nvPr/>
+      </p:nvGrpSpPr>
+      <p:grpSpPr>
+        <a:xfrm>
+          <a:off x="0" y="0"/>
+          <a:ext cx="0" cy="0"/>
+          <a:chOff x="0" y="0"/>
+          <a:chExt cx="0" cy="0"/>
+        </a:xfrm>
+      </p:grpSpPr>
+      <p:sp>
+        <p:nvSpPr>
+          <p:cNvPr id="2" name="Title 1">
+            <a:extLst>
+              <a:ext uri="{FF2B5EF4-FFF2-40B4-BE49-F238E27FC236}">
+                <a16:creationId xmlns:a16="http://schemas.microsoft.com/office/drawing/2014/main" id="{4A7312EB-0433-4B75-BFA3-EDC7DC383CBC}"/>
+              </a:ext>
+            </a:extLst>
+          </p:cNvPr>
+          <p:cNvSpPr>
+            <a:spLocks noGrp="1"/>
+          </p:cNvSpPr>
+          <p:nvPr>
+            <p:ph type="title"/>
+          </p:nvPr>
+        </p:nvSpPr>
+        <p:spPr/>
+        <p:txBody>
+          <a:bodyPr/>
+          <a:lstStyle/>
+          <a:p>
+            <a:pPr lvl="0" marL="0" indent="0">
+              <a:buNone/>
+            </a:pPr>
+            <a:r>
+              <a:rPr/>
+              <a:t>Compute</a:t>
+            </a:r>
+            <a:r>
+              <a:rPr/>
+              <a:t> </a:t>
+            </a:r>
+            <a:r>
+              <a:rPr/>
+              <a:t>Multi-Column</a:t>
+            </a:r>
+            <a:r>
+              <a:rPr/>
+              <a:t> </a:t>
+            </a:r>
+            <a:r>
+              <a:rPr/>
+              <a:t>Medians</a:t>
+            </a:r>
+          </a:p>
+        </p:txBody>
+      </p:sp>
+      <p:sp>
+        <p:nvSpPr>
+          <p:cNvPr id="3" name="Content Placeholder 2">
+            <a:extLst>
+              <a:ext uri="{FF2B5EF4-FFF2-40B4-BE49-F238E27FC236}">
+                <a16:creationId xmlns:a16="http://schemas.microsoft.com/office/drawing/2014/main" id="{0CE84060-CA26-4E18-AB1F-5C4520C4E4A1}"/>
+              </a:ext>
+            </a:extLst>
+          </p:cNvPr>
+          <p:cNvSpPr>
+            <a:spLocks noGrp="1"/>
+          </p:cNvSpPr>
+          <p:nvPr>
+            <p:ph idx="1"/>
+          </p:nvPr>
+        </p:nvSpPr>
+        <p:spPr/>
+        <p:txBody>
+          <a:bodyPr/>
+          <a:lstStyle/>
+          <a:p>
+            <a:pPr lvl="1"/>
+            <a:r>
+              <a:rPr/>
+              <a:t>Suppose we have a data frame named </a:t>
+            </a:r>
+            <a:r>
+              <a:rPr>
+                <a:latin typeface="Courier"/>
+              </a:rPr>
+              <a:t>sim_data</a:t>
+            </a:r>
+            <a:r>
+              <a:rPr/>
+              <a:t> with 4 numerical columns and we want to compute the median for each column.</a:t>
+            </a:r>
+          </a:p>
+          <a:p>
+            <a:pPr lvl="0" indent="0">
+              <a:buNone/>
+            </a:pPr>
+            <a:r>
+              <a:rPr>
+                <a:latin typeface="Courier"/>
+              </a:rPr>
+              <a:t>map_dbl(sim_data,median)</a:t>
+            </a:r>
+          </a:p>
+          <a:p>
+            <a:pPr lvl="0" indent="0">
+              <a:buNone/>
+            </a:pPr>
+            <a:r>
+              <a:rPr>
+                <a:latin typeface="Courier"/>
+              </a:rPr>
+              <a:t>##    a    b    c    d 
+## 0.02 0.39 0.00 1.96</a:t>
+            </a:r>
+          </a:p>
+        </p:txBody>
+      </p:sp>
+    </p:spTree>
+  </p:cSld>
+</p:sld>
+</file>
+
+<file path=ppt/slides/slide15.xml><?xml version="1.0" encoding="utf-8"?>
+<p:sld xmlns:a="http://schemas.openxmlformats.org/drawingml/2006/main" xmlns:r="http://schemas.openxmlformats.org/officeDocument/2006/relationships" xmlns:p="http://schemas.openxmlformats.org/presentationml/2006/main">
+  <p:cSld>
+    <p:spTree>
+      <p:nvGrpSpPr>
+        <p:cNvPr id="1" name=""/>
+        <p:cNvGrpSpPr/>
+        <p:nvPr/>
+      </p:nvGrpSpPr>
+      <p:grpSpPr>
+        <a:xfrm>
+          <a:off x="0" y="0"/>
+          <a:ext cx="0" cy="0"/>
+          <a:chOff x="0" y="0"/>
+          <a:chExt cx="0" cy="0"/>
+        </a:xfrm>
+      </p:grpSpPr>
+      <p:sp>
+        <p:nvSpPr>
+          <p:cNvPr id="2" name="Title 1">
+            <a:extLst>
+              <a:ext uri="{FF2B5EF4-FFF2-40B4-BE49-F238E27FC236}">
+                <a16:creationId xmlns:a16="http://schemas.microsoft.com/office/drawing/2014/main" id="{4A7312EB-0433-4B75-BFA3-EDC7DC383CBC}"/>
+              </a:ext>
+            </a:extLst>
+          </p:cNvPr>
+          <p:cNvSpPr>
+            <a:spLocks noGrp="1"/>
+          </p:cNvSpPr>
+          <p:nvPr>
+            <p:ph type="title"/>
+          </p:nvPr>
+        </p:nvSpPr>
+        <p:spPr/>
+        <p:txBody>
+          <a:bodyPr/>
+          <a:lstStyle/>
+          <a:p>
+            <a:pPr lvl="0" marL="0" indent="0">
+              <a:buNone/>
+            </a:pPr>
+            <a:r>
+              <a:rPr/>
+              <a:t>Bootstrap</a:t>
+            </a:r>
+            <a:r>
+              <a:rPr/>
+              <a:t> </a:t>
+            </a:r>
+            <a:r>
+              <a:rPr/>
+              <a:t>Confidence</a:t>
+            </a:r>
+            <a:r>
+              <a:rPr/>
+              <a:t> </a:t>
+            </a:r>
+            <a:r>
+              <a:rPr/>
+              <a:t>Intervals</a:t>
+            </a:r>
+          </a:p>
+        </p:txBody>
+      </p:sp>
+      <p:sp>
+        <p:nvSpPr>
+          <p:cNvPr id="3" name="Content Placeholder 2">
+            <a:extLst>
+              <a:ext uri="{FF2B5EF4-FFF2-40B4-BE49-F238E27FC236}">
+                <a16:creationId xmlns:a16="http://schemas.microsoft.com/office/drawing/2014/main" id="{0CE84060-CA26-4E18-AB1F-5C4520C4E4A1}"/>
+              </a:ext>
+            </a:extLst>
+          </p:cNvPr>
+          <p:cNvSpPr>
+            <a:spLocks noGrp="1"/>
+          </p:cNvSpPr>
+          <p:nvPr>
+            <p:ph idx="1"/>
+          </p:nvPr>
+        </p:nvSpPr>
+        <p:spPr/>
+        <p:txBody>
+          <a:bodyPr/>
+          <a:lstStyle/>
+          <a:p>
+            <a:pPr lvl="1"/>
+            <a:r>
+              <a:rPr/>
+              <a:t>Bootstrapping approximates a sampling distribution by sampling </a:t>
+            </a:r>
+            <a:r>
+              <a:rPr b="1"/>
+              <a:t>with replacement</a:t>
+            </a:r>
+            <a:r>
+              <a:rPr/>
+              <a:t> many times the original sample.</a:t>
+            </a:r>
+          </a:p>
+          <a:p>
+            <a:pPr lvl="1"/>
+            <a:r>
+              <a:rPr/>
+              <a:t>We will see an application of using </a:t>
+            </a:r>
+            <a:r>
+              <a:rPr>
+                <a:latin typeface="Courier"/>
+              </a:rPr>
+              <a:t>purrr</a:t>
+            </a:r>
+            <a:r>
+              <a:rPr/>
+              <a:t> to implement a bootstrap to approximate a confidence interval for a mean and confidence intervals for parameters in a linear model.</a:t>
+            </a:r>
+          </a:p>
+        </p:txBody>
+      </p:sp>
+    </p:spTree>
+  </p:cSld>
+</p:sld>
+</file>
+
+<file path=ppt/slides/slide16.xml><?xml version="1.0" encoding="utf-8"?>
+<p:sld xmlns:a="http://schemas.openxmlformats.org/drawingml/2006/main" xmlns:r="http://schemas.openxmlformats.org/officeDocument/2006/relationships" xmlns:p="http://schemas.openxmlformats.org/presentationml/2006/main">
+  <p:cSld>
+    <p:spTree>
+      <p:nvGrpSpPr>
+        <p:cNvPr id="1" name=""/>
+        <p:cNvGrpSpPr/>
+        <p:nvPr/>
+      </p:nvGrpSpPr>
+      <p:grpSpPr>
+        <a:xfrm>
+          <a:off x="0" y="0"/>
+          <a:ext cx="0" cy="0"/>
+          <a:chOff x="0" y="0"/>
+          <a:chExt cx="0" cy="0"/>
+        </a:xfrm>
+      </p:grpSpPr>
+      <p:sp>
+        <p:nvSpPr>
+          <p:cNvPr id="2" name="Title 1">
+            <a:extLst>
+              <a:ext uri="{FF2B5EF4-FFF2-40B4-BE49-F238E27FC236}">
+                <a16:creationId xmlns:a16="http://schemas.microsoft.com/office/drawing/2014/main" id="{4A7312EB-0433-4B75-BFA3-EDC7DC383CBC}"/>
+              </a:ext>
+            </a:extLst>
+          </p:cNvPr>
+          <p:cNvSpPr>
+            <a:spLocks noGrp="1"/>
+          </p:cNvSpPr>
+          <p:nvPr>
+            <p:ph type="title"/>
+          </p:nvPr>
+        </p:nvSpPr>
+        <p:spPr/>
+        <p:txBody>
+          <a:bodyPr/>
+          <a:lstStyle/>
+          <a:p>
+            <a:pPr lvl="0" marL="0" indent="0">
+              <a:buNone/>
+            </a:pPr>
+            <a:r>
+              <a:rPr/>
+              <a:t>Bootstrapping</a:t>
+            </a:r>
+            <a:r>
+              <a:rPr/>
+              <a:t> </a:t>
+            </a:r>
+            <a:r>
+              <a:rPr/>
+              <a:t>a</a:t>
+            </a:r>
+            <a:r>
+              <a:rPr/>
+              <a:t> </a:t>
+            </a:r>
+            <a:r>
+              <a:rPr/>
+              <a:t>Mean</a:t>
+            </a:r>
+          </a:p>
+        </p:txBody>
+      </p:sp>
+      <p:sp>
+        <p:nvSpPr>
+          <p:cNvPr id="3" name="Content Placeholder 2">
+            <a:extLst>
+              <a:ext uri="{FF2B5EF4-FFF2-40B4-BE49-F238E27FC236}">
+                <a16:creationId xmlns:a16="http://schemas.microsoft.com/office/drawing/2014/main" id="{0CE84060-CA26-4E18-AB1F-5C4520C4E4A1}"/>
+              </a:ext>
+            </a:extLst>
+          </p:cNvPr>
+          <p:cNvSpPr>
+            <a:spLocks noGrp="1"/>
+          </p:cNvSpPr>
+          <p:nvPr>
+            <p:ph idx="1"/>
+          </p:nvPr>
+        </p:nvSpPr>
+        <p:spPr/>
+        <p:txBody>
+          <a:bodyPr/>
+          <a:lstStyle/>
+          <a:p>
+            <a:pPr lvl="1"/>
+            <a:r>
+              <a:rPr/>
+              <a:t>We start with some simulated data:</a:t>
+            </a:r>
+          </a:p>
+          <a:p>
+            <a:pPr lvl="0" indent="0">
+              <a:buNone/>
+            </a:pPr>
+            <a:r>
+              <a:rPr>
+                <a:latin typeface="Courier"/>
+              </a:rPr>
+              <a:t>set.seed(42)
+x &lt;- rnorm(35,10,6.7)</a:t>
+            </a:r>
+          </a:p>
+          <a:p>
+            <a:pPr lvl="1"/>
+            <a:r>
+              <a:rPr/>
+              <a:t>Then we define a function that will return a single sample with replacement of out data:</a:t>
+            </a:r>
+          </a:p>
+          <a:p>
+            <a:pPr lvl="0" indent="0">
+              <a:buNone/>
+            </a:pPr>
+            <a:r>
+              <a:rPr>
+                <a:latin typeface="Courier"/>
+              </a:rPr>
+              <a:t>my_boot_samp &lt;- function(i){
+  return(sample(x,replace=TRUE))
+}</a:t>
+            </a:r>
+          </a:p>
+        </p:txBody>
+      </p:sp>
+    </p:spTree>
+  </p:cSld>
+</p:sld>
+</file>
+
+<file path=ppt/slides/slide17.xml><?xml version="1.0" encoding="utf-8"?>
+<p:sld xmlns:a="http://schemas.openxmlformats.org/drawingml/2006/main" xmlns:r="http://schemas.openxmlformats.org/officeDocument/2006/relationships" xmlns:p="http://schemas.openxmlformats.org/presentationml/2006/main">
+  <p:cSld>
+    <p:spTree>
+      <p:nvGrpSpPr>
+        <p:cNvPr id="1" name=""/>
+        <p:cNvGrpSpPr/>
+        <p:nvPr/>
+      </p:nvGrpSpPr>
+      <p:grpSpPr>
+        <a:xfrm>
+          <a:off x="0" y="0"/>
+          <a:ext cx="0" cy="0"/>
+          <a:chOff x="0" y="0"/>
+          <a:chExt cx="0" cy="0"/>
+        </a:xfrm>
+      </p:grpSpPr>
+      <p:sp>
+        <p:nvSpPr>
+          <p:cNvPr id="2" name="Title 1">
+            <a:extLst>
+              <a:ext uri="{FF2B5EF4-FFF2-40B4-BE49-F238E27FC236}">
+                <a16:creationId xmlns:a16="http://schemas.microsoft.com/office/drawing/2014/main" id="{4A7312EB-0433-4B75-BFA3-EDC7DC383CBC}"/>
+              </a:ext>
+            </a:extLst>
+          </p:cNvPr>
+          <p:cNvSpPr>
+            <a:spLocks noGrp="1"/>
+          </p:cNvSpPr>
+          <p:nvPr>
+            <p:ph type="title"/>
+          </p:nvPr>
+        </p:nvSpPr>
+        <p:spPr/>
+        <p:txBody>
+          <a:bodyPr/>
+          <a:lstStyle/>
+          <a:p>
+            <a:pPr lvl="0" marL="0" indent="0">
+              <a:buNone/>
+            </a:pPr>
+            <a:r>
+              <a:rPr/>
+              <a:t>Applying</a:t>
+            </a:r>
+            <a:r>
+              <a:rPr/>
+              <a:t> </a:t>
+            </a:r>
+            <a:r>
+              <a:rPr/>
+              <a:t>map</a:t>
+            </a:r>
+            <a:r>
+              <a:rPr/>
+              <a:t> </a:t>
+            </a:r>
+            <a:r>
+              <a:rPr/>
+              <a:t>to</a:t>
+            </a:r>
+            <a:r>
+              <a:rPr/>
+              <a:t> </a:t>
+            </a:r>
+            <a:r>
+              <a:rPr/>
+              <a:t>Obtain</a:t>
+            </a:r>
+            <a:r>
+              <a:rPr/>
+              <a:t> </a:t>
+            </a:r>
+            <a:r>
+              <a:rPr/>
+              <a:t>Resamples</a:t>
+            </a:r>
+          </a:p>
+        </p:txBody>
+      </p:sp>
+      <p:sp>
+        <p:nvSpPr>
+          <p:cNvPr id="3" name="Content Placeholder 2">
+            <a:extLst>
+              <a:ext uri="{FF2B5EF4-FFF2-40B4-BE49-F238E27FC236}">
+                <a16:creationId xmlns:a16="http://schemas.microsoft.com/office/drawing/2014/main" id="{0CE84060-CA26-4E18-AB1F-5C4520C4E4A1}"/>
+              </a:ext>
+            </a:extLst>
+          </p:cNvPr>
+          <p:cNvSpPr>
+            <a:spLocks noGrp="1"/>
+          </p:cNvSpPr>
+          <p:nvPr>
+            <p:ph idx="1"/>
+          </p:nvPr>
+        </p:nvSpPr>
+        <p:spPr/>
+        <p:txBody>
+          <a:bodyPr/>
+          <a:lstStyle/>
+          <a:p>
+            <a:pPr lvl="1"/>
+            <a:r>
+              <a:rPr/>
+              <a:t>Next, we apply </a:t>
+            </a:r>
+            <a:r>
+              <a:rPr>
+                <a:latin typeface="Courier"/>
+              </a:rPr>
+              <a:t>map</a:t>
+            </a:r>
+            <a:r>
+              <a:rPr/>
+              <a:t> to obtain a list of 500 resamples:</a:t>
+            </a:r>
+          </a:p>
+          <a:p>
+            <a:pPr lvl="0" indent="0">
+              <a:buNone/>
+            </a:pPr>
+            <a:r>
+              <a:rPr>
+                <a:latin typeface="Courier"/>
+              </a:rPr>
+              <a:t>boot_samps &lt;- map(1:500,my_boot_samp)</a:t>
+            </a:r>
+          </a:p>
+          <a:p>
+            <a:pPr lvl="1"/>
+            <a:r>
+              <a:rPr/>
+              <a:t>Finally, we use </a:t>
+            </a:r>
+            <a:r>
+              <a:rPr>
+                <a:latin typeface="Courier"/>
+              </a:rPr>
+              <a:t>map_dbl</a:t>
+            </a:r>
+            <a:r>
+              <a:rPr/>
+              <a:t> to compute the mean for each of our bootstrap resamples:</a:t>
+            </a:r>
+          </a:p>
+          <a:p>
+            <a:pPr lvl="0" indent="0">
+              <a:buNone/>
+            </a:pPr>
+            <a:r>
+              <a:rPr>
+                <a:latin typeface="Courier"/>
+              </a:rPr>
+              <a:t>boot_means &lt;- map_dbl(boot_samps,mean)</a:t>
+            </a:r>
+          </a:p>
+        </p:txBody>
+      </p:sp>
+    </p:spTree>
+  </p:cSld>
+</p:sld>
+</file>
+
+<file path=ppt/slides/slide18.xml><?xml version="1.0" encoding="utf-8"?>
+<p:sld xmlns:a="http://schemas.openxmlformats.org/drawingml/2006/main" xmlns:r="http://schemas.openxmlformats.org/officeDocument/2006/relationships" xmlns:p="http://schemas.openxmlformats.org/presentationml/2006/main">
+  <p:cSld>
+    <p:spTree>
+      <p:nvGrpSpPr>
+        <p:cNvPr id="1" name=""/>
+        <p:cNvGrpSpPr/>
+        <p:nvPr/>
+      </p:nvGrpSpPr>
+      <p:grpSpPr>
+        <a:xfrm>
+          <a:off x="0" y="0"/>
+          <a:ext cx="0" cy="0"/>
+          <a:chOff x="0" y="0"/>
+          <a:chExt cx="0" cy="0"/>
+        </a:xfrm>
+      </p:grpSpPr>
+      <p:sp>
+        <p:nvSpPr>
+          <p:cNvPr id="2" name="Title 1">
+            <a:extLst>
+              <a:ext uri="{FF2B5EF4-FFF2-40B4-BE49-F238E27FC236}">
+                <a16:creationId xmlns:a16="http://schemas.microsoft.com/office/drawing/2014/main" id="{4A7312EB-0433-4B75-BFA3-EDC7DC383CBC}"/>
+              </a:ext>
+            </a:extLst>
+          </p:cNvPr>
+          <p:cNvSpPr>
+            <a:spLocks noGrp="1"/>
+          </p:cNvSpPr>
+          <p:nvPr>
+            <p:ph type="title"/>
+          </p:nvPr>
+        </p:nvSpPr>
+        <p:spPr/>
+        <p:txBody>
+          <a:bodyPr/>
+          <a:lstStyle/>
+          <a:p>
+            <a:pPr lvl="0" marL="0" indent="0">
+              <a:buNone/>
+            </a:pPr>
+            <a:r>
+              <a:rPr/>
+              <a:t>Results</a:t>
+            </a:r>
+          </a:p>
+        </p:txBody>
+      </p:sp>
+      <p:sp>
+        <p:nvSpPr>
+          <p:cNvPr id="3" name="Content Placeholder 2">
+            <a:extLst>
+              <a:ext uri="{FF2B5EF4-FFF2-40B4-BE49-F238E27FC236}">
+                <a16:creationId xmlns:a16="http://schemas.microsoft.com/office/drawing/2014/main" id="{0CE84060-CA26-4E18-AB1F-5C4520C4E4A1}"/>
+              </a:ext>
+            </a:extLst>
+          </p:cNvPr>
+          <p:cNvSpPr>
+            <a:spLocks noGrp="1"/>
+          </p:cNvSpPr>
+          <p:nvPr>
+            <p:ph idx="1"/>
+          </p:nvPr>
+        </p:nvSpPr>
+        <p:spPr/>
+        <p:txBody>
+          <a:bodyPr/>
+          <a:lstStyle/>
+          <a:p>
+            <a:pPr lvl="1"/>
+            <a:r>
+              <a:rPr/>
+              <a:t>We compare the bootstrap CI with the usual formula:</a:t>
+            </a:r>
+          </a:p>
+          <a:p>
+            <a:pPr lvl="2"/>
+            <a:r>
+              <a:rPr/>
+              <a:t>Bootstrap CI</a:t>
+            </a:r>
+          </a:p>
+          <a:p>
+            <a:pPr lvl="1" indent="0">
+              <a:buNone/>
+            </a:pPr>
+            <a:r>
+              <a:rPr>
+                <a:latin typeface="Courier"/>
+              </a:rPr>
+              <a:t>quantile(boot_means,probs = c(0.025,0.975))</a:t>
+            </a:r>
+          </a:p>
+          <a:p>
+            <a:pPr lvl="1" indent="0">
+              <a:buNone/>
+            </a:pPr>
+            <a:r>
+              <a:rPr>
+                <a:latin typeface="Courier"/>
+              </a:rPr>
+              <a:t>##     2.5%    97.5% 
+##  8.17372 13.61412</a:t>
+            </a:r>
+          </a:p>
+          <a:p>
+            <a:pPr lvl="2"/>
+            <a:r>
+              <a:rPr/>
+              <a:t>Usual CI</a:t>
+            </a:r>
+          </a:p>
+          <a:p>
+            <a:pPr lvl="1" indent="0">
+              <a:buNone/>
+            </a:pPr>
+            <a:r>
+              <a:rPr>
+                <a:latin typeface="Courier"/>
+              </a:rPr>
+              <a:t>mean(x) + 1.96*c(-1,1)*(sd(x)/sqrt(length(x)))</a:t>
+            </a:r>
+          </a:p>
+          <a:p>
+            <a:pPr lvl="1" indent="0">
+              <a:buNone/>
+            </a:pPr>
+            <a:r>
+              <a:rPr>
+                <a:latin typeface="Courier"/>
+              </a:rPr>
+              <a:t>## [1]  8.164299 13.424184</a:t>
+            </a:r>
+          </a:p>
+        </p:txBody>
+      </p:sp>
+    </p:spTree>
+  </p:cSld>
+</p:sld>
+</file>
+
+<file path=ppt/slides/slide19.xml><?xml version="1.0" encoding="utf-8"?>
+<p:sld xmlns:a="http://schemas.openxmlformats.org/drawingml/2006/main" xmlns:r="http://schemas.openxmlformats.org/officeDocument/2006/relationships" xmlns:p="http://schemas.openxmlformats.org/presentationml/2006/main">
+  <p:cSld>
+    <p:spTree>
+      <p:nvGrpSpPr>
+        <p:cNvPr id="1" name=""/>
+        <p:cNvGrpSpPr/>
+        <p:nvPr/>
+      </p:nvGrpSpPr>
+      <p:grpSpPr>
+        <a:xfrm>
+          <a:off x="0" y="0"/>
+          <a:ext cx="0" cy="0"/>
+          <a:chOff x="0" y="0"/>
+          <a:chExt cx="0" cy="0"/>
+        </a:xfrm>
+      </p:grpSpPr>
+      <p:sp>
+        <p:nvSpPr>
+          <p:cNvPr id="2" name="Title 1">
+            <a:extLst>
+              <a:ext uri="{FF2B5EF4-FFF2-40B4-BE49-F238E27FC236}">
+                <a16:creationId xmlns:a16="http://schemas.microsoft.com/office/drawing/2014/main" id="{4A7312EB-0433-4B75-BFA3-EDC7DC383CBC}"/>
+              </a:ext>
+            </a:extLst>
+          </p:cNvPr>
+          <p:cNvSpPr>
+            <a:spLocks noGrp="1"/>
+          </p:cNvSpPr>
+          <p:nvPr>
+            <p:ph type="title"/>
+          </p:nvPr>
+        </p:nvSpPr>
+        <p:spPr/>
+        <p:txBody>
+          <a:bodyPr/>
+          <a:lstStyle/>
+          <a:p>
+            <a:pPr lvl="0" marL="0" indent="0">
+              <a:buNone/>
+            </a:pPr>
+            <a:r>
+              <a:rPr/>
+              <a:t>Bootstrap</a:t>
+            </a:r>
+            <a:r>
+              <a:rPr/>
+              <a:t> </a:t>
+            </a:r>
+            <a:r>
+              <a:rPr/>
+              <a:t>Linear</a:t>
+            </a:r>
+            <a:r>
+              <a:rPr/>
+              <a:t> </a:t>
+            </a:r>
+            <a:r>
+              <a:rPr/>
+              <a:t>Model</a:t>
+            </a:r>
+            <a:r>
+              <a:rPr/>
+              <a:t> </a:t>
+            </a:r>
+            <a:r>
+              <a:rPr/>
+              <a:t>Parameters</a:t>
+            </a:r>
+          </a:p>
+        </p:txBody>
+      </p:sp>
+      <p:sp>
+        <p:nvSpPr>
+          <p:cNvPr id="3" name="Content Placeholder 2">
+            <a:extLst>
+              <a:ext uri="{FF2B5EF4-FFF2-40B4-BE49-F238E27FC236}">
+                <a16:creationId xmlns:a16="http://schemas.microsoft.com/office/drawing/2014/main" id="{0CE84060-CA26-4E18-AB1F-5C4520C4E4A1}"/>
+              </a:ext>
+            </a:extLst>
+          </p:cNvPr>
+          <p:cNvSpPr>
+            <a:spLocks noGrp="1"/>
+          </p:cNvSpPr>
+          <p:nvPr>
+            <p:ph idx="1"/>
+          </p:nvPr>
+        </p:nvSpPr>
+        <p:spPr/>
+        <p:txBody>
+          <a:bodyPr/>
+          <a:lstStyle/>
+          <a:p>
+            <a:pPr lvl="1"/>
+            <a:r>
+              <a:rPr/>
+              <a:t>Given a function </a:t>
+            </a:r>
+            <a:r>
+              <a:rPr>
+                <a:latin typeface="Courier"/>
+              </a:rPr>
+              <a:t>boot_samp_leafburn</a:t>
+            </a:r>
+            <a:r>
+              <a:rPr/>
+              <a:t> that samples from the dataset, the following code obtains 500 bootstrap resamples of the </a:t>
+            </a:r>
+            <a:r>
+              <a:rPr>
+                <a:latin typeface="Courier"/>
+              </a:rPr>
+              <a:t>leafburn</a:t>
+            </a:r>
+            <a:r>
+              <a:rPr/>
+              <a:t> data from the </a:t>
+            </a:r>
+            <a:r>
+              <a:rPr>
+                <a:latin typeface="Courier"/>
+              </a:rPr>
+              <a:t>faraway</a:t>
+            </a:r>
+            <a:r>
+              <a:rPr/>
+              <a:t> package:</a:t>
+            </a:r>
+          </a:p>
+          <a:p>
+            <a:pPr lvl="0" indent="0">
+              <a:buNone/>
+            </a:pPr>
+            <a:r>
+              <a:rPr>
+                <a:latin typeface="Courier"/>
+              </a:rPr>
+              <a:t>leafburn_boots &lt;- map(1:500,boot_samp_leafburn)</a:t>
             </a:r>
           </a:p>
         </p:txBody>
@@ -3770,7 +4903,13 @@
       </p:grpSpPr>
       <p:sp>
         <p:nvSpPr>
-          <p:cNvPr id="2" name="Title 1"/>
+          <p:cNvPr id="2" name="Title 1">
+            <a:extLst>
+              <a:ext uri="{FF2B5EF4-FFF2-40B4-BE49-F238E27FC236}">
+                <a16:creationId xmlns:a16="http://schemas.microsoft.com/office/drawing/2014/main" id="{4A7312EB-0433-4B75-BFA3-EDC7DC383CBC}"/>
+              </a:ext>
+            </a:extLst>
+          </p:cNvPr>
           <p:cNvSpPr>
             <a:spLocks noGrp="1"/>
           </p:cNvSpPr>
@@ -3803,7 +4942,13 @@
       </p:sp>
       <p:sp>
         <p:nvSpPr>
-          <p:cNvPr id="3" name="Content Placeholder 2"/>
+          <p:cNvPr id="3" name="Content Placeholder 2">
+            <a:extLst>
+              <a:ext uri="{FF2B5EF4-FFF2-40B4-BE49-F238E27FC236}">
+                <a16:creationId xmlns:a16="http://schemas.microsoft.com/office/drawing/2014/main" id="{0CE84060-CA26-4E18-AB1F-5C4520C4E4A1}"/>
+              </a:ext>
+            </a:extLst>
+          </p:cNvPr>
           <p:cNvSpPr>
             <a:spLocks noGrp="1"/>
           </p:cNvSpPr>
@@ -3840,15 +4985,6 @@
             </a:pPr>
             <a:r>
               <a:rPr/>
-              <a:t>Be familiar with common loop patterns.</a:t>
-            </a:r>
-          </a:p>
-          <a:p>
-            <a:pPr lvl="1">
-              <a:buAutoNum type="arabicPeriod"/>
-            </a:pPr>
-            <a:r>
-              <a:rPr/>
               <a:t>Have a feel for the map family of </a:t>
             </a:r>
             <a:r>
@@ -3868,6 +5004,25 @@
             </a:pPr>
             <a:r>
               <a:rPr/>
+              <a:t>Have an understanding of how </a:t>
+            </a:r>
+            <a:r>
+              <a:rPr>
+                <a:latin typeface="Courier"/>
+              </a:rPr>
+              <a:t>purr</a:t>
+            </a:r>
+            <a:r>
+              <a:rPr/>
+              <a:t> functions can be used in place of loops.</a:t>
+            </a:r>
+          </a:p>
+          <a:p>
+            <a:pPr lvl="1">
+              <a:buAutoNum type="arabicPeriod"/>
+            </a:pPr>
+            <a:r>
+              <a:rPr/>
               <a:t>Be aware of some statistical applications of iteration using the </a:t>
             </a:r>
             <a:r>
@@ -3879,6 +5034,408 @@
             <a:r>
               <a:rPr/>
               <a:t> package.</a:t>
+            </a:r>
+          </a:p>
+        </p:txBody>
+      </p:sp>
+    </p:spTree>
+  </p:cSld>
+</p:sld>
+</file>
+
+<file path=ppt/slides/slide20.xml><?xml version="1.0" encoding="utf-8"?>
+<p:sld xmlns:a="http://schemas.openxmlformats.org/drawingml/2006/main" xmlns:r="http://schemas.openxmlformats.org/officeDocument/2006/relationships" xmlns:p="http://schemas.openxmlformats.org/presentationml/2006/main">
+  <p:cSld>
+    <p:spTree>
+      <p:nvGrpSpPr>
+        <p:cNvPr id="1" name=""/>
+        <p:cNvGrpSpPr/>
+        <p:nvPr/>
+      </p:nvGrpSpPr>
+      <p:grpSpPr>
+        <a:xfrm>
+          <a:off x="0" y="0"/>
+          <a:ext cx="0" cy="0"/>
+          <a:chOff x="0" y="0"/>
+          <a:chExt cx="0" cy="0"/>
+        </a:xfrm>
+      </p:grpSpPr>
+      <p:sp>
+        <p:nvSpPr>
+          <p:cNvPr id="2" name="Title 1">
+            <a:extLst>
+              <a:ext uri="{FF2B5EF4-FFF2-40B4-BE49-F238E27FC236}">
+                <a16:creationId xmlns:a16="http://schemas.microsoft.com/office/drawing/2014/main" id="{4A7312EB-0433-4B75-BFA3-EDC7DC383CBC}"/>
+              </a:ext>
+            </a:extLst>
+          </p:cNvPr>
+          <p:cNvSpPr>
+            <a:spLocks noGrp="1"/>
+          </p:cNvSpPr>
+          <p:nvPr>
+            <p:ph type="title"/>
+          </p:nvPr>
+        </p:nvSpPr>
+        <p:spPr/>
+        <p:txBody>
+          <a:bodyPr/>
+          <a:lstStyle/>
+          <a:p>
+            <a:pPr lvl="0" marL="0" indent="0">
+              <a:buNone/>
+            </a:pPr>
+            <a:r>
+              <a:rPr/>
+              <a:t>Bootstrap</a:t>
+            </a:r>
+            <a:r>
+              <a:rPr/>
+              <a:t> </a:t>
+            </a:r>
+            <a:r>
+              <a:rPr/>
+              <a:t>Linear</a:t>
+            </a:r>
+            <a:r>
+              <a:rPr/>
+              <a:t> </a:t>
+            </a:r>
+            <a:r>
+              <a:rPr/>
+              <a:t>Model</a:t>
+            </a:r>
+            <a:r>
+              <a:rPr/>
+              <a:t> </a:t>
+            </a:r>
+            <a:r>
+              <a:rPr/>
+              <a:t>Parameters,</a:t>
+            </a:r>
+            <a:r>
+              <a:rPr/>
+              <a:t> </a:t>
+            </a:r>
+            <a:r>
+              <a:rPr/>
+              <a:t>Cont.</a:t>
+            </a:r>
+          </a:p>
+        </p:txBody>
+      </p:sp>
+      <p:sp>
+        <p:nvSpPr>
+          <p:cNvPr id="3" name="Content Placeholder 2">
+            <a:extLst>
+              <a:ext uri="{FF2B5EF4-FFF2-40B4-BE49-F238E27FC236}">
+                <a16:creationId xmlns:a16="http://schemas.microsoft.com/office/drawing/2014/main" id="{0CE84060-CA26-4E18-AB1F-5C4520C4E4A1}"/>
+              </a:ext>
+            </a:extLst>
+          </p:cNvPr>
+          <p:cNvSpPr>
+            <a:spLocks noGrp="1"/>
+          </p:cNvSpPr>
+          <p:nvPr>
+            <p:ph idx="1"/>
+          </p:nvPr>
+        </p:nvSpPr>
+        <p:spPr/>
+        <p:txBody>
+          <a:bodyPr/>
+          <a:lstStyle/>
+          <a:p>
+            <a:pPr lvl="1"/>
+            <a:r>
+              <a:rPr/>
+              <a:t>Now, given a function </a:t>
+            </a:r>
+            <a:r>
+              <a:rPr>
+                <a:latin typeface="Courier"/>
+              </a:rPr>
+              <a:t>leafburn_boot_fit</a:t>
+            </a:r>
+            <a:r>
+              <a:rPr/>
+              <a:t> that returns the parameters from a linear fit, we obtain bootstrapped estimates:</a:t>
+            </a:r>
+          </a:p>
+          <a:p>
+            <a:pPr lvl="0" indent="0">
+              <a:buNone/>
+            </a:pPr>
+            <a:r>
+              <a:rPr>
+                <a:latin typeface="Courier"/>
+              </a:rPr>
+              <a:t>boot_leafburn_df &lt;- boot_leafburn_df %&gt;%
+  mutate(fits=map(boot_samps,leafburn_boot_fit))</a:t>
+            </a:r>
+          </a:p>
+        </p:txBody>
+      </p:sp>
+    </p:spTree>
+  </p:cSld>
+</p:sld>
+</file>
+
+<file path=ppt/slides/slide21.xml><?xml version="1.0" encoding="utf-8"?>
+<p:sld xmlns:a="http://schemas.openxmlformats.org/drawingml/2006/main" xmlns:r="http://schemas.openxmlformats.org/officeDocument/2006/relationships" xmlns:p="http://schemas.openxmlformats.org/presentationml/2006/main">
+  <p:cSld>
+    <p:spTree>
+      <p:nvGrpSpPr>
+        <p:cNvPr id="1" name=""/>
+        <p:cNvGrpSpPr/>
+        <p:nvPr/>
+      </p:nvGrpSpPr>
+      <p:grpSpPr>
+        <a:xfrm>
+          <a:off x="0" y="0"/>
+          <a:ext cx="0" cy="0"/>
+          <a:chOff x="0" y="0"/>
+          <a:chExt cx="0" cy="0"/>
+        </a:xfrm>
+      </p:grpSpPr>
+      <p:sp>
+        <p:nvSpPr>
+          <p:cNvPr id="2" name="Title 1">
+            <a:extLst>
+              <a:ext uri="{FF2B5EF4-FFF2-40B4-BE49-F238E27FC236}">
+                <a16:creationId xmlns:a16="http://schemas.microsoft.com/office/drawing/2014/main" id="{4A7312EB-0433-4B75-BFA3-EDC7DC383CBC}"/>
+              </a:ext>
+            </a:extLst>
+          </p:cNvPr>
+          <p:cNvSpPr>
+            <a:spLocks noGrp="1"/>
+          </p:cNvSpPr>
+          <p:nvPr>
+            <p:ph type="title"/>
+          </p:nvPr>
+        </p:nvSpPr>
+        <p:spPr/>
+        <p:txBody>
+          <a:bodyPr/>
+          <a:lstStyle/>
+          <a:p>
+            <a:pPr lvl="0" marL="0" indent="0">
+              <a:buNone/>
+            </a:pPr>
+            <a:r>
+              <a:rPr/>
+              <a:t>Results</a:t>
+            </a:r>
+          </a:p>
+        </p:txBody>
+      </p:sp>
+      <p:pic>
+        <p:nvPicPr>
+          <p:cNvPr descr="iteration_with_purrr_files/figure-pptx/unnamed-chunk-9-1.png" id="0" name="Picture 1"/>
+          <p:cNvPicPr>
+            <a:picLocks noGrp="1" noChangeAspect="1"/>
+          </p:cNvPicPr>
+          <p:nvPr/>
+        </p:nvPicPr>
+        <p:blipFill>
+          <a:blip r:embed="rId2"/>
+          <a:stretch>
+            <a:fillRect/>
+          </a:stretch>
+        </p:blipFill>
+        <p:spPr bwMode="auto">
+          <a:xfrm>
+            <a:off x="3378200" y="1816100"/>
+            <a:ext cx="5435600" cy="4343400"/>
+          </a:xfrm>
+          <a:prstGeom prst="rect">
+            <a:avLst/>
+          </a:prstGeom>
+          <a:noFill/>
+          <a:ln w="9525">
+            <a:noFill/>
+            <a:headEnd/>
+            <a:tailEnd/>
+          </a:ln>
+        </p:spPr>
+      </p:pic>
+    </p:spTree>
+  </p:cSld>
+</p:sld>
+</file>
+
+<file path=ppt/slides/slide22.xml><?xml version="1.0" encoding="utf-8"?>
+<p:sld xmlns:a="http://schemas.openxmlformats.org/drawingml/2006/main" xmlns:r="http://schemas.openxmlformats.org/officeDocument/2006/relationships" xmlns:p="http://schemas.openxmlformats.org/presentationml/2006/main">
+  <p:cSld>
+    <p:spTree>
+      <p:nvGrpSpPr>
+        <p:cNvPr id="1" name=""/>
+        <p:cNvGrpSpPr/>
+        <p:nvPr/>
+      </p:nvGrpSpPr>
+      <p:grpSpPr>
+        <a:xfrm>
+          <a:off x="0" y="0"/>
+          <a:ext cx="0" cy="0"/>
+          <a:chOff x="0" y="0"/>
+          <a:chExt cx="0" cy="0"/>
+        </a:xfrm>
+      </p:grpSpPr>
+      <p:sp>
+        <p:nvSpPr>
+          <p:cNvPr id="2" name="Title 1">
+            <a:extLst>
+              <a:ext uri="{FF2B5EF4-FFF2-40B4-BE49-F238E27FC236}">
+                <a16:creationId xmlns:a16="http://schemas.microsoft.com/office/drawing/2014/main" id="{4A7312EB-0433-4B75-BFA3-EDC7DC383CBC}"/>
+              </a:ext>
+            </a:extLst>
+          </p:cNvPr>
+          <p:cNvSpPr>
+            <a:spLocks noGrp="1"/>
+          </p:cNvSpPr>
+          <p:nvPr>
+            <p:ph type="title"/>
+          </p:nvPr>
+        </p:nvSpPr>
+        <p:spPr/>
+        <p:txBody>
+          <a:bodyPr/>
+          <a:lstStyle/>
+          <a:p>
+            <a:pPr lvl="0" marL="0" indent="0">
+              <a:buNone/>
+            </a:pPr>
+            <a:r>
+              <a:rPr/>
+              <a:t>Conclusion</a:t>
+            </a:r>
+          </a:p>
+        </p:txBody>
+      </p:sp>
+      <p:sp>
+        <p:nvSpPr>
+          <p:cNvPr id="3" name="Content Placeholder 2">
+            <a:extLst>
+              <a:ext uri="{FF2B5EF4-FFF2-40B4-BE49-F238E27FC236}">
+                <a16:creationId xmlns:a16="http://schemas.microsoft.com/office/drawing/2014/main" id="{0CE84060-CA26-4E18-AB1F-5C4520C4E4A1}"/>
+              </a:ext>
+            </a:extLst>
+          </p:cNvPr>
+          <p:cNvSpPr>
+            <a:spLocks noGrp="1"/>
+          </p:cNvSpPr>
+          <p:nvPr>
+            <p:ph idx="1"/>
+          </p:nvPr>
+        </p:nvSpPr>
+        <p:spPr/>
+        <p:txBody>
+          <a:bodyPr/>
+          <a:lstStyle/>
+          <a:p>
+            <a:pPr lvl="1"/>
+            <a:r>
+              <a:rPr/>
+              <a:t>We have introduced and demonstrated iteration in R using the </a:t>
+            </a:r>
+            <a:r>
+              <a:rPr>
+                <a:latin typeface="Courier"/>
+              </a:rPr>
+              <a:t>map</a:t>
+            </a:r>
+            <a:r>
+              <a:rPr/>
+              <a:t> family of functions from the </a:t>
+            </a:r>
+            <a:r>
+              <a:rPr>
+                <a:latin typeface="Courier"/>
+              </a:rPr>
+              <a:t>purrr</a:t>
+            </a:r>
+            <a:r>
+              <a:rPr/>
+              <a:t> package.</a:t>
+            </a:r>
+          </a:p>
+          <a:p>
+            <a:pPr lvl="1"/>
+            <a:r>
+              <a:rPr/>
+              <a:t>For more information, see </a:t>
+            </a:r>
+            <a:r>
+              <a:rPr>
+                <a:hlinkClick r:id="rId2"/>
+              </a:rPr>
+              <a:t>R for Data Science</a:t>
+            </a:r>
+            <a:r>
+              <a:rPr/>
+              <a:t>, </a:t>
+            </a:r>
+            <a:r>
+              <a:rPr>
+                <a:hlinkClick r:id="rId3"/>
+              </a:rPr>
+              <a:t>Advanced R</a:t>
+            </a:r>
+            <a:r>
+              <a:rPr/>
+              <a:t>, and </a:t>
+            </a:r>
+            <a:r>
+              <a:rPr>
+                <a:hlinkClick r:id="rId4"/>
+              </a:rPr>
+              <a:t>purrr Documentation</a:t>
+            </a:r>
+            <a:r>
+              <a:rPr/>
+              <a:t>.</a:t>
+            </a:r>
+          </a:p>
+          <a:p>
+            <a:pPr lvl="1"/>
+            <a:r>
+              <a:rPr/>
+              <a:t>A </a:t>
+            </a:r>
+            <a:r>
+              <a:rPr>
+                <a:latin typeface="Courier"/>
+              </a:rPr>
+              <a:t>purrr</a:t>
+            </a:r>
+            <a:r>
+              <a:rPr/>
+              <a:t> cheatsheet is available </a:t>
+            </a:r>
+            <a:r>
+              <a:rPr>
+                <a:hlinkClick r:id="rId5"/>
+              </a:rPr>
+              <a:t>here</a:t>
+            </a:r>
+            <a:r>
+              <a:rPr/>
+              <a:t>.</a:t>
+            </a:r>
+          </a:p>
+          <a:p>
+            <a:pPr lvl="1"/>
+            <a:r>
+              <a:rPr/>
+              <a:t>The complete code for all examples is available </a:t>
+            </a:r>
+            <a:r>
+              <a:rPr>
+                <a:hlinkClick r:id="rId6"/>
+              </a:rPr>
+              <a:t>here</a:t>
+            </a:r>
+            <a:r>
+              <a:rPr/>
+              <a:t>.</a:t>
             </a:r>
           </a:p>
         </p:txBody>
@@ -3907,7 +5464,13 @@
       </p:grpSpPr>
       <p:sp>
         <p:nvSpPr>
-          <p:cNvPr id="2" name="Title 1"/>
+          <p:cNvPr id="2" name="Title 1">
+            <a:extLst>
+              <a:ext uri="{FF2B5EF4-FFF2-40B4-BE49-F238E27FC236}">
+                <a16:creationId xmlns:a16="http://schemas.microsoft.com/office/drawing/2014/main" id="{4A7312EB-0433-4B75-BFA3-EDC7DC383CBC}"/>
+              </a:ext>
+            </a:extLst>
+          </p:cNvPr>
           <p:cNvSpPr>
             <a:spLocks noGrp="1"/>
           </p:cNvSpPr>
@@ -3932,7 +5495,13 @@
       </p:sp>
       <p:sp>
         <p:nvSpPr>
-          <p:cNvPr id="3" name="Content Placeholder 2"/>
+          <p:cNvPr id="3" name="Content Placeholder 2">
+            <a:extLst>
+              <a:ext uri="{FF2B5EF4-FFF2-40B4-BE49-F238E27FC236}">
+                <a16:creationId xmlns:a16="http://schemas.microsoft.com/office/drawing/2014/main" id="{0CE84060-CA26-4E18-AB1F-5C4520C4E4A1}"/>
+              </a:ext>
+            </a:extLst>
+          </p:cNvPr>
           <p:cNvSpPr>
             <a:spLocks noGrp="1"/>
           </p:cNvSpPr>
@@ -4025,7 +5594,13 @@
       </p:grpSpPr>
       <p:sp>
         <p:nvSpPr>
-          <p:cNvPr id="2" name="Title 1"/>
+          <p:cNvPr id="2" name="Title 1">
+            <a:extLst>
+              <a:ext uri="{FF2B5EF4-FFF2-40B4-BE49-F238E27FC236}">
+                <a16:creationId xmlns:a16="http://schemas.microsoft.com/office/drawing/2014/main" id="{4A7312EB-0433-4B75-BFA3-EDC7DC383CBC}"/>
+              </a:ext>
+            </a:extLst>
+          </p:cNvPr>
           <p:cNvSpPr>
             <a:spLocks noGrp="1"/>
           </p:cNvSpPr>
@@ -4050,7 +5625,13 @@
       </p:sp>
       <p:sp>
         <p:nvSpPr>
-          <p:cNvPr id="3" name="Content Placeholder 2"/>
+          <p:cNvPr id="3" name="Content Placeholder 2">
+            <a:extLst>
+              <a:ext uri="{FF2B5EF4-FFF2-40B4-BE49-F238E27FC236}">
+                <a16:creationId xmlns:a16="http://schemas.microsoft.com/office/drawing/2014/main" id="{0CE84060-CA26-4E18-AB1F-5C4520C4E4A1}"/>
+              </a:ext>
+            </a:extLst>
+          </p:cNvPr>
           <p:cNvSpPr>
             <a:spLocks noGrp="1"/>
           </p:cNvSpPr>
@@ -4161,7 +5742,13 @@
       </p:grpSpPr>
       <p:sp>
         <p:nvSpPr>
-          <p:cNvPr id="2" name="Title 1"/>
+          <p:cNvPr id="2" name="Title 1">
+            <a:extLst>
+              <a:ext uri="{FF2B5EF4-FFF2-40B4-BE49-F238E27FC236}">
+                <a16:creationId xmlns:a16="http://schemas.microsoft.com/office/drawing/2014/main" id="{4A7312EB-0433-4B75-BFA3-EDC7DC383CBC}"/>
+              </a:ext>
+            </a:extLst>
+          </p:cNvPr>
           <p:cNvSpPr>
             <a:spLocks noGrp="1"/>
           </p:cNvSpPr>
@@ -4186,7 +5773,13 @@
       </p:sp>
       <p:sp>
         <p:nvSpPr>
-          <p:cNvPr id="3" name="Content Placeholder 2"/>
+          <p:cNvPr id="3" name="Content Placeholder 2">
+            <a:extLst>
+              <a:ext uri="{FF2B5EF4-FFF2-40B4-BE49-F238E27FC236}">
+                <a16:creationId xmlns:a16="http://schemas.microsoft.com/office/drawing/2014/main" id="{0CE84060-CA26-4E18-AB1F-5C4520C4E4A1}"/>
+              </a:ext>
+            </a:extLst>
+          </p:cNvPr>
           <p:cNvSpPr>
             <a:spLocks noGrp="1"/>
           </p:cNvSpPr>
@@ -4221,14 +5814,14 @@
             <a:pPr lvl="1"/>
             <a:r>
               <a:rPr/>
-              <a:t>Loops provide one way to avoiding copying and pasting,</a:t>
+              <a:t>Loops provide one way to avoiding copying and pasting.</a:t>
             </a:r>
           </a:p>
           <a:p>
             <a:pPr lvl="1"/>
             <a:r>
               <a:rPr/>
-              <a:t>functions provide another.</a:t>
+              <a:t>Functions provide another.</a:t>
             </a:r>
           </a:p>
           <a:p>
@@ -4266,7 +5859,13 @@
       </p:grpSpPr>
       <p:sp>
         <p:nvSpPr>
-          <p:cNvPr id="2" name="Title 1"/>
+          <p:cNvPr id="2" name="Title 1">
+            <a:extLst>
+              <a:ext uri="{FF2B5EF4-FFF2-40B4-BE49-F238E27FC236}">
+                <a16:creationId xmlns:a16="http://schemas.microsoft.com/office/drawing/2014/main" id="{4A7312EB-0433-4B75-BFA3-EDC7DC383CBC}"/>
+              </a:ext>
+            </a:extLst>
+          </p:cNvPr>
           <p:cNvSpPr>
             <a:spLocks noGrp="1"/>
           </p:cNvSpPr>
@@ -4291,7 +5890,13 @@
       </p:sp>
       <p:sp>
         <p:nvSpPr>
-          <p:cNvPr id="3" name="Content Placeholder 2"/>
+          <p:cNvPr id="3" name="Content Placeholder 2">
+            <a:extLst>
+              <a:ext uri="{FF2B5EF4-FFF2-40B4-BE49-F238E27FC236}">
+                <a16:creationId xmlns:a16="http://schemas.microsoft.com/office/drawing/2014/main" id="{0CE84060-CA26-4E18-AB1F-5C4520C4E4A1}"/>
+              </a:ext>
+            </a:extLst>
+          </p:cNvPr>
           <p:cNvSpPr>
             <a:spLocks noGrp="1"/>
           </p:cNvSpPr>
@@ -4352,7 +5957,13 @@
       </p:grpSpPr>
       <p:sp>
         <p:nvSpPr>
-          <p:cNvPr id="2" name="Title 1"/>
+          <p:cNvPr id="2" name="Title 1">
+            <a:extLst>
+              <a:ext uri="{FF2B5EF4-FFF2-40B4-BE49-F238E27FC236}">
+                <a16:creationId xmlns:a16="http://schemas.microsoft.com/office/drawing/2014/main" id="{4A7312EB-0433-4B75-BFA3-EDC7DC383CBC}"/>
+              </a:ext>
+            </a:extLst>
+          </p:cNvPr>
           <p:cNvSpPr>
             <a:spLocks noGrp="1"/>
           </p:cNvSpPr>
@@ -4393,7 +6004,13 @@
       </p:sp>
       <p:sp>
         <p:nvSpPr>
-          <p:cNvPr id="3" name="Content Placeholder 2"/>
+          <p:cNvPr id="3" name="Content Placeholder 2">
+            <a:extLst>
+              <a:ext uri="{FF2B5EF4-FFF2-40B4-BE49-F238E27FC236}">
+                <a16:creationId xmlns:a16="http://schemas.microsoft.com/office/drawing/2014/main" id="{0CE84060-CA26-4E18-AB1F-5C4520C4E4A1}"/>
+              </a:ext>
+            </a:extLst>
+          </p:cNvPr>
           <p:cNvSpPr>
             <a:spLocks noGrp="1"/>
           </p:cNvSpPr>
@@ -4483,7 +6100,13 @@
       </p:grpSpPr>
       <p:sp>
         <p:nvSpPr>
-          <p:cNvPr id="2" name="Title 1"/>
+          <p:cNvPr id="2" name="Title 1">
+            <a:extLst>
+              <a:ext uri="{FF2B5EF4-FFF2-40B4-BE49-F238E27FC236}">
+                <a16:creationId xmlns:a16="http://schemas.microsoft.com/office/drawing/2014/main" id="{4A7312EB-0433-4B75-BFA3-EDC7DC383CBC}"/>
+              </a:ext>
+            </a:extLst>
+          </p:cNvPr>
           <p:cNvSpPr>
             <a:spLocks noGrp="1"/>
           </p:cNvSpPr>
@@ -4532,7 +6155,13 @@
       </p:sp>
       <p:sp>
         <p:nvSpPr>
-          <p:cNvPr id="3" name="Content Placeholder 2"/>
+          <p:cNvPr id="3" name="Content Placeholder 2">
+            <a:extLst>
+              <a:ext uri="{FF2B5EF4-FFF2-40B4-BE49-F238E27FC236}">
+                <a16:creationId xmlns:a16="http://schemas.microsoft.com/office/drawing/2014/main" id="{0CE84060-CA26-4E18-AB1F-5C4520C4E4A1}"/>
+              </a:ext>
+            </a:extLst>
+          </p:cNvPr>
           <p:cNvSpPr>
             <a:spLocks noGrp="1"/>
           </p:cNvSpPr>
@@ -4574,6 +6203,15 @@
               <a:t>## [1] 2
 ## [1] 4
 ## [1] 6</a:t>
+            </a:r>
+          </a:p>
+          <a:p>
+            <a:pPr lvl="0" marL="0" indent="0">
+              <a:buNone/>
+            </a:pPr>
+            <a:r>
+              <a:rPr/>
+              <a:t>Note that if we wanted to store the result of multiplying by 2 instead of printing it, we would need to initialize a vector of the appropriate size.</a:t>
             </a:r>
           </a:p>
         </p:txBody>
@@ -4602,7 +6240,13 @@
       </p:grpSpPr>
       <p:sp>
         <p:nvSpPr>
-          <p:cNvPr id="2" name="Title 1"/>
+          <p:cNvPr id="2" name="Title 1">
+            <a:extLst>
+              <a:ext uri="{FF2B5EF4-FFF2-40B4-BE49-F238E27FC236}">
+                <a16:creationId xmlns:a16="http://schemas.microsoft.com/office/drawing/2014/main" id="{4A7312EB-0433-4B75-BFA3-EDC7DC383CBC}"/>
+              </a:ext>
+            </a:extLst>
+          </p:cNvPr>
           <p:cNvSpPr>
             <a:spLocks noGrp="1"/>
           </p:cNvSpPr>
@@ -4635,7 +6279,13 @@
       </p:sp>
       <p:sp>
         <p:nvSpPr>
-          <p:cNvPr id="3" name="Content Placeholder 2"/>
+          <p:cNvPr id="3" name="Content Placeholder 2">
+            <a:extLst>
+              <a:ext uri="{FF2B5EF4-FFF2-40B4-BE49-F238E27FC236}">
+                <a16:creationId xmlns:a16="http://schemas.microsoft.com/office/drawing/2014/main" id="{0CE84060-CA26-4E18-AB1F-5C4520C4E4A1}"/>
+              </a:ext>
+            </a:extLst>
+          </p:cNvPr>
           <p:cNvSpPr>
             <a:spLocks noGrp="1"/>
           </p:cNvSpPr>
@@ -4693,6 +6343,13 @@
             <a:r>
               <a:rPr/>
               <a:t> package enhances FP in R.</a:t>
+            </a:r>
+          </a:p>
+          <a:p>
+            <a:pPr lvl="1"/>
+            <a:r>
+              <a:rPr/>
+              <a:t>FP code is convenient for multi-processing.</a:t>
             </a:r>
           </a:p>
         </p:txBody>
@@ -4713,44 +6370,44 @@
         <a:sysClr val="window" lastClr="FFFFFF"/>
       </a:lt1>
       <a:dk2>
-        <a:srgbClr val="1F497D"/>
+        <a:srgbClr val="44546A"/>
       </a:dk2>
       <a:lt2>
-        <a:srgbClr val="EEECE1"/>
+        <a:srgbClr val="E7E6E6"/>
       </a:lt2>
       <a:accent1>
-        <a:srgbClr val="4F81BD"/>
+        <a:srgbClr val="4472C4"/>
       </a:accent1>
       <a:accent2>
-        <a:srgbClr val="C0504D"/>
+        <a:srgbClr val="ED7D31"/>
       </a:accent2>
       <a:accent3>
-        <a:srgbClr val="9BBB59"/>
+        <a:srgbClr val="A5A5A5"/>
       </a:accent3>
       <a:accent4>
-        <a:srgbClr val="8064A2"/>
+        <a:srgbClr val="FFC000"/>
       </a:accent4>
       <a:accent5>
-        <a:srgbClr val="4BACC6"/>
+        <a:srgbClr val="5B9BD5"/>
       </a:accent5>
       <a:accent6>
-        <a:srgbClr val="F79646"/>
+        <a:srgbClr val="70AD47"/>
       </a:accent6>
       <a:hlink>
-        <a:srgbClr val="0000FF"/>
+        <a:srgbClr val="0563C1"/>
       </a:hlink>
       <a:folHlink>
-        <a:srgbClr val="800080"/>
+        <a:srgbClr val="954F72"/>
       </a:folHlink>
     </a:clrScheme>
     <a:fontScheme name="Office">
       <a:majorFont>
-        <a:latin typeface="Calibri"/>
+        <a:latin typeface="Calibri Light" panose="020F0302020204030204"/>
         <a:ea typeface=""/>
         <a:cs typeface=""/>
-        <a:font script="Jpan" typeface="ＭＳ Ｐゴシック"/>
+        <a:font script="Jpan" typeface="游ゴシック Light"/>
         <a:font script="Hang" typeface="맑은 고딕"/>
-        <a:font script="Hans" typeface="宋体"/>
+        <a:font script="Hans" typeface="等线 Light"/>
         <a:font script="Hant" typeface="新細明體"/>
         <a:font script="Arab" typeface="Times New Roman"/>
         <a:font script="Hebr" typeface="Times New Roman"/>
@@ -4778,14 +6435,31 @@
         <a:font script="Viet" typeface="Times New Roman"/>
         <a:font script="Uigh" typeface="Microsoft Uighur"/>
         <a:font script="Geor" typeface="Sylfaen"/>
+        <a:font script="Armn" typeface="Arial"/>
+        <a:font script="Bugi" typeface="Leelawadee UI"/>
+        <a:font script="Bopo" typeface="Microsoft JhengHei"/>
+        <a:font script="Java" typeface="Javanese Text"/>
+        <a:font script="Lisu" typeface="Segoe UI"/>
+        <a:font script="Mymr" typeface="Myanmar Text"/>
+        <a:font script="Nkoo" typeface="Ebrima"/>
+        <a:font script="Olck" typeface="Nirmala UI"/>
+        <a:font script="Osma" typeface="Ebrima"/>
+        <a:font script="Phag" typeface="Phagspa"/>
+        <a:font script="Syrn" typeface="Estrangelo Edessa"/>
+        <a:font script="Syrj" typeface="Estrangelo Edessa"/>
+        <a:font script="Syre" typeface="Estrangelo Edessa"/>
+        <a:font script="Sora" typeface="Nirmala UI"/>
+        <a:font script="Tale" typeface="Microsoft Tai Le"/>
+        <a:font script="Talu" typeface="Microsoft New Tai Lue"/>
+        <a:font script="Tfng" typeface="Ebrima"/>
       </a:majorFont>
       <a:minorFont>
-        <a:latin typeface="Calibri"/>
+        <a:latin typeface="Calibri" panose="020F0502020204030204"/>
         <a:ea typeface=""/>
         <a:cs typeface=""/>
-        <a:font script="Jpan" typeface="ＭＳ Ｐゴシック"/>
+        <a:font script="Jpan" typeface="游ゴシック"/>
         <a:font script="Hang" typeface="맑은 고딕"/>
-        <a:font script="Hans" typeface="宋体"/>
+        <a:font script="Hans" typeface="等线"/>
         <a:font script="Hant" typeface="新細明體"/>
         <a:font script="Arab" typeface="Arial"/>
         <a:font script="Hebr" typeface="Arial"/>
@@ -4813,6 +6487,23 @@
         <a:font script="Viet" typeface="Arial"/>
         <a:font script="Uigh" typeface="Microsoft Uighur"/>
         <a:font script="Geor" typeface="Sylfaen"/>
+        <a:font script="Armn" typeface="Arial"/>
+        <a:font script="Bugi" typeface="Leelawadee UI"/>
+        <a:font script="Bopo" typeface="Microsoft JhengHei"/>
+        <a:font script="Java" typeface="Javanese Text"/>
+        <a:font script="Lisu" typeface="Segoe UI"/>
+        <a:font script="Mymr" typeface="Myanmar Text"/>
+        <a:font script="Nkoo" typeface="Ebrima"/>
+        <a:font script="Olck" typeface="Nirmala UI"/>
+        <a:font script="Osma" typeface="Ebrima"/>
+        <a:font script="Phag" typeface="Phagspa"/>
+        <a:font script="Syrn" typeface="Estrangelo Edessa"/>
+        <a:font script="Syrj" typeface="Estrangelo Edessa"/>
+        <a:font script="Syre" typeface="Estrangelo Edessa"/>
+        <a:font script="Sora" typeface="Nirmala UI"/>
+        <a:font script="Tale" typeface="Microsoft Tai Le"/>
+        <a:font script="Talu" typeface="Microsoft New Tai Lue"/>
+        <a:font script="Tfng" typeface="Ebrima"/>
       </a:minorFont>
     </a:fontScheme>
     <a:fmtScheme name="Office">
@@ -4824,200 +6515,141 @@
           <a:gsLst>
             <a:gs pos="0">
               <a:schemeClr val="phClr">
-                <a:tint val="50000"/>
-                <a:satMod val="300000"/>
+                <a:lumMod val="110000"/>
+                <a:satMod val="105000"/>
+                <a:tint val="67000"/>
               </a:schemeClr>
             </a:gs>
-            <a:gs pos="35000">
+            <a:gs pos="50000">
               <a:schemeClr val="phClr">
-                <a:tint val="37000"/>
-                <a:satMod val="300000"/>
+                <a:lumMod val="105000"/>
+                <a:satMod val="103000"/>
+                <a:tint val="73000"/>
               </a:schemeClr>
             </a:gs>
             <a:gs pos="100000">
               <a:schemeClr val="phClr">
-                <a:tint val="15000"/>
-                <a:satMod val="350000"/>
+                <a:lumMod val="105000"/>
+                <a:satMod val="109000"/>
+                <a:tint val="81000"/>
               </a:schemeClr>
             </a:gs>
           </a:gsLst>
-          <a:lin ang="16200000" scaled="1"/>
+          <a:lin ang="5400000" scaled="0"/>
         </a:gradFill>
         <a:gradFill rotWithShape="1">
           <a:gsLst>
             <a:gs pos="0">
               <a:schemeClr val="phClr">
-                <a:tint val="100000"/>
+                <a:satMod val="103000"/>
+                <a:lumMod val="102000"/>
+                <a:tint val="94000"/>
+              </a:schemeClr>
+            </a:gs>
+            <a:gs pos="50000">
+              <a:schemeClr val="phClr">
+                <a:satMod val="110000"/>
+                <a:lumMod val="100000"/>
                 <a:shade val="100000"/>
-                <a:satMod val="130000"/>
               </a:schemeClr>
             </a:gs>
             <a:gs pos="100000">
               <a:schemeClr val="phClr">
-                <a:tint val="50000"/>
-                <a:shade val="100000"/>
-                <a:satMod val="350000"/>
+                <a:lumMod val="99000"/>
+                <a:satMod val="120000"/>
+                <a:shade val="78000"/>
               </a:schemeClr>
             </a:gs>
           </a:gsLst>
-          <a:lin ang="16200000" scaled="0"/>
+          <a:lin ang="5400000" scaled="0"/>
         </a:gradFill>
       </a:fillStyleLst>
       <a:lnStyleLst>
-        <a:ln w="9525" cap="flat" cmpd="sng" algn="ctr">
-          <a:solidFill>
-            <a:schemeClr val="phClr">
-              <a:shade val="95000"/>
-              <a:satMod val="105000"/>
-            </a:schemeClr>
-          </a:solidFill>
-          <a:prstDash val="solid"/>
-        </a:ln>
-        <a:ln w="25400" cap="flat" cmpd="sng" algn="ctr">
+        <a:ln w="6350" cap="flat" cmpd="sng" algn="ctr">
           <a:solidFill>
             <a:schemeClr val="phClr"/>
           </a:solidFill>
           <a:prstDash val="solid"/>
+          <a:miter lim="800000"/>
         </a:ln>
-        <a:ln w="38100" cap="flat" cmpd="sng" algn="ctr">
+        <a:ln w="12700" cap="flat" cmpd="sng" algn="ctr">
           <a:solidFill>
             <a:schemeClr val="phClr"/>
           </a:solidFill>
           <a:prstDash val="solid"/>
+          <a:miter lim="800000"/>
+        </a:ln>
+        <a:ln w="19050" cap="flat" cmpd="sng" algn="ctr">
+          <a:solidFill>
+            <a:schemeClr val="phClr"/>
+          </a:solidFill>
+          <a:prstDash val="solid"/>
+          <a:miter lim="800000"/>
         </a:ln>
       </a:lnStyleLst>
       <a:effectStyleLst>
         <a:effectStyle>
+          <a:effectLst/>
+        </a:effectStyle>
+        <a:effectStyle>
+          <a:effectLst/>
+        </a:effectStyle>
+        <a:effectStyle>
           <a:effectLst>
-            <a:outerShdw blurRad="40000" dist="20000" dir="5400000" rotWithShape="0">
+            <a:outerShdw blurRad="57150" dist="19050" dir="5400000" algn="ctr" rotWithShape="0">
               <a:srgbClr val="000000">
-                <a:alpha val="38000"/>
+                <a:alpha val="63000"/>
               </a:srgbClr>
             </a:outerShdw>
           </a:effectLst>
-        </a:effectStyle>
-        <a:effectStyle>
-          <a:effectLst>
-            <a:outerShdw blurRad="40000" dist="23000" dir="5400000" rotWithShape="0">
-              <a:srgbClr val="000000">
-                <a:alpha val="35000"/>
-              </a:srgbClr>
-            </a:outerShdw>
-          </a:effectLst>
-        </a:effectStyle>
-        <a:effectStyle>
-          <a:effectLst>
-            <a:outerShdw blurRad="40000" dist="23000" dir="5400000" rotWithShape="0">
-              <a:srgbClr val="000000">
-                <a:alpha val="35000"/>
-              </a:srgbClr>
-            </a:outerShdw>
-          </a:effectLst>
-          <a:scene3d>
-            <a:camera prst="orthographicFront">
-              <a:rot lat="0" lon="0" rev="0"/>
-            </a:camera>
-            <a:lightRig rig="threePt" dir="t">
-              <a:rot lat="0" lon="0" rev="1200000"/>
-            </a:lightRig>
-          </a:scene3d>
-          <a:sp3d>
-            <a:bevelT w="63500" h="25400"/>
-          </a:sp3d>
         </a:effectStyle>
       </a:effectStyleLst>
       <a:bgFillStyleLst>
         <a:solidFill>
           <a:schemeClr val="phClr"/>
         </a:solidFill>
+        <a:solidFill>
+          <a:schemeClr val="phClr">
+            <a:tint val="95000"/>
+            <a:satMod val="170000"/>
+          </a:schemeClr>
+        </a:solidFill>
         <a:gradFill rotWithShape="1">
           <a:gsLst>
             <a:gs pos="0">
               <a:schemeClr val="phClr">
-                <a:tint val="40000"/>
-                <a:satMod val="350000"/>
+                <a:tint val="93000"/>
+                <a:satMod val="150000"/>
+                <a:shade val="98000"/>
+                <a:lumMod val="102000"/>
               </a:schemeClr>
             </a:gs>
-            <a:gs pos="40000">
+            <a:gs pos="50000">
               <a:schemeClr val="phClr">
-                <a:tint val="45000"/>
-                <a:shade val="99000"/>
-                <a:satMod val="350000"/>
+                <a:tint val="98000"/>
+                <a:satMod val="130000"/>
+                <a:shade val="90000"/>
+                <a:lumMod val="103000"/>
               </a:schemeClr>
             </a:gs>
             <a:gs pos="100000">
               <a:schemeClr val="phClr">
-                <a:shade val="20000"/>
-                <a:satMod val="255000"/>
+                <a:shade val="63000"/>
+                <a:satMod val="120000"/>
               </a:schemeClr>
             </a:gs>
           </a:gsLst>
-          <a:path path="circle">
-            <a:fillToRect l="50000" t="-80000" r="50000" b="180000"/>
-          </a:path>
-        </a:gradFill>
-        <a:gradFill rotWithShape="1">
-          <a:gsLst>
-            <a:gs pos="0">
-              <a:schemeClr val="phClr">
-                <a:tint val="80000"/>
-                <a:satMod val="300000"/>
-              </a:schemeClr>
-            </a:gs>
-            <a:gs pos="100000">
-              <a:schemeClr val="phClr">
-                <a:shade val="30000"/>
-                <a:satMod val="200000"/>
-              </a:schemeClr>
-            </a:gs>
-          </a:gsLst>
-          <a:path path="circle">
-            <a:fillToRect l="50000" t="50000" r="50000" b="50000"/>
-          </a:path>
+          <a:lin ang="5400000" scaled="0"/>
         </a:gradFill>
       </a:bgFillStyleLst>
     </a:fmtScheme>
   </a:themeElements>
-  <a:objectDefaults>
-    <a:spDef>
-      <a:spPr/>
-      <a:bodyPr/>
-      <a:lstStyle/>
-      <a:style>
-        <a:lnRef idx="1">
-          <a:schemeClr val="accent1"/>
-        </a:lnRef>
-        <a:fillRef idx="3">
-          <a:schemeClr val="accent1"/>
-        </a:fillRef>
-        <a:effectRef idx="2">
-          <a:schemeClr val="accent1"/>
-        </a:effectRef>
-        <a:fontRef idx="minor">
-          <a:schemeClr val="lt1"/>
-        </a:fontRef>
-      </a:style>
-    </a:spDef>
-    <a:lnDef>
-      <a:spPr/>
-      <a:bodyPr/>
-      <a:lstStyle/>
-      <a:style>
-        <a:lnRef idx="2">
-          <a:schemeClr val="accent1"/>
-        </a:lnRef>
-        <a:fillRef idx="0">
-          <a:schemeClr val="accent1"/>
-        </a:fillRef>
-        <a:effectRef idx="1">
-          <a:schemeClr val="accent1"/>
-        </a:effectRef>
-        <a:fontRef idx="minor">
-          <a:schemeClr val="tx1"/>
-        </a:fontRef>
-      </a:style>
-    </a:lnDef>
-  </a:objectDefaults>
+  <a:objectDefaults/>
   <a:extraClrSchemeLst/>
+  <a:extLst>
+    <a:ext uri="{05A4C25C-085E-4340-85A3-A5531E510DB2}">
+      <thm15:themeFamily xmlns:thm15="http://schemas.microsoft.com/office/thememl/2012/main" name="Office Theme" id="{62F939B6-93AF-4DB8-9C6B-D6C7DFDC589F}" vid="{4A3C46E8-61CC-4603-A589-7422A47A8E4A}"/>
+    </a:ext>
+  </a:extLst>
 </a:theme>
 </file>